--- a/The Harmonization Project presentation.pptx
+++ b/The Harmonization Project presentation.pptx
@@ -1,46 +1,46 @@
 
 <file path=ppt/presentation.xml><?xml version="1.0" encoding="utf-8"?>
-<p:presentation xmlns:a="http://schemas.openxmlformats.org/drawingml/2006/main" xmlns:r="http://schemas.openxmlformats.org/officeDocument/2006/relationships" xmlns:mc="http://schemas.openxmlformats.org/markup-compatibility/2006" xmlns:mv="urn:schemas-microsoft-com:mac:vml" xmlns:p="http://schemas.openxmlformats.org/presentationml/2006/main" xmlns:c="http://schemas.openxmlformats.org/drawingml/2006/chart" xmlns:dgm="http://schemas.openxmlformats.org/drawingml/2006/diagram" xmlns:o="urn:schemas-microsoft-com:office:office" xmlns:v="urn:schemas-microsoft-com:vml" xmlns:pvml="urn:schemas-microsoft-com:office:powerpoint" xmlns:com="http://schemas.openxmlformats.org/drawingml/2006/compatibility" xmlns:p14="http://schemas.microsoft.com/office/powerpoint/2010/main" xmlns:p15="http://schemas.microsoft.com/office/powerpoint/2012/main" autoCompressPictures="0" embedTrueTypeFonts="1" strictFirstAndLastChars="0" saveSubsetFonts="1">
+<p:presentation xmlns:a="http://schemas.openxmlformats.org/drawingml/2006/main" xmlns:r="http://schemas.openxmlformats.org/officeDocument/2006/relationships" xmlns:p="http://schemas.openxmlformats.org/presentationml/2006/main" strictFirstAndLastChars="0" embedTrueTypeFonts="1" saveSubsetFonts="1" autoCompressPictures="0">
   <p:sldMasterIdLst>
-    <p:sldMasterId id="2147483659" r:id="rId4"/>
+    <p:sldMasterId id="2147483659" r:id="rId1"/>
   </p:sldMasterIdLst>
   <p:notesMasterIdLst>
-    <p:notesMasterId r:id="rId5"/>
+    <p:notesMasterId r:id="rId16"/>
   </p:notesMasterIdLst>
   <p:sldIdLst>
-    <p:sldId id="256" r:id="rId6"/>
-    <p:sldId id="257" r:id="rId7"/>
-    <p:sldId id="258" r:id="rId8"/>
-    <p:sldId id="259" r:id="rId9"/>
-    <p:sldId id="260" r:id="rId10"/>
-    <p:sldId id="261" r:id="rId11"/>
-    <p:sldId id="262" r:id="rId12"/>
-    <p:sldId id="263" r:id="rId13"/>
-    <p:sldId id="264" r:id="rId14"/>
-    <p:sldId id="265" r:id="rId15"/>
-    <p:sldId id="266" r:id="rId16"/>
-    <p:sldId id="267" r:id="rId17"/>
-    <p:sldId id="268" r:id="rId18"/>
-    <p:sldId id="269" r:id="rId19"/>
+    <p:sldId id="256" r:id="rId2"/>
+    <p:sldId id="257" r:id="rId3"/>
+    <p:sldId id="258" r:id="rId4"/>
+    <p:sldId id="259" r:id="rId5"/>
+    <p:sldId id="260" r:id="rId6"/>
+    <p:sldId id="261" r:id="rId7"/>
+    <p:sldId id="262" r:id="rId8"/>
+    <p:sldId id="263" r:id="rId9"/>
+    <p:sldId id="264" r:id="rId10"/>
+    <p:sldId id="265" r:id="rId11"/>
+    <p:sldId id="266" r:id="rId12"/>
+    <p:sldId id="267" r:id="rId13"/>
+    <p:sldId id="268" r:id="rId14"/>
+    <p:sldId id="269" r:id="rId15"/>
   </p:sldIdLst>
-  <p:sldSz cy="5143500" cx="9144000"/>
+  <p:sldSz cx="9144000" cy="5143500" type="screen16x9"/>
   <p:notesSz cx="6858000" cy="9144000"/>
   <p:embeddedFontLst>
     <p:embeddedFont>
-      <p:font typeface="Roboto Slab"/>
-      <p:regular r:id="rId20"/>
-      <p:bold r:id="rId21"/>
+      <p:font typeface="Roboto" panose="020B0604020202020204" charset="0"/>
+      <p:regular r:id="rId17"/>
+      <p:bold r:id="rId18"/>
+      <p:italic r:id="rId19"/>
+      <p:boldItalic r:id="rId20"/>
     </p:embeddedFont>
     <p:embeddedFont>
-      <p:font typeface="Roboto"/>
-      <p:regular r:id="rId22"/>
-      <p:bold r:id="rId23"/>
-      <p:italic r:id="rId24"/>
-      <p:boldItalic r:id="rId25"/>
+      <p:font typeface="Roboto Slab" panose="020B0604020202020204" charset="0"/>
+      <p:regular r:id="rId21"/>
+      <p:bold r:id="rId22"/>
     </p:embeddedFont>
   </p:embeddedFontLst>
   <p:defaultTextStyle>
-    <a:defPPr lvl="0" marR="0" rtl="0" algn="l">
+    <a:defPPr marR="0" lvl="0" algn="l" rtl="0">
       <a:lnSpc>
         <a:spcPct val="100000"/>
       </a:lnSpc>
@@ -51,7 +51,7 @@
         <a:spcPts val="0"/>
       </a:spcAft>
     </a:defPPr>
-    <a:lvl1pPr lvl="0" marR="0" rtl="0" algn="l">
+    <a:lvl1pPr marR="0" lvl="0" algn="l" rtl="0">
       <a:lnSpc>
         <a:spcPct val="100000"/>
       </a:lnSpc>
@@ -65,7 +65,7 @@
         <a:srgbClr val="000000"/>
       </a:buClr>
       <a:buFont typeface="Arial"/>
-      <a:defRPr b="0" i="0" sz="1400" u="none" cap="none" strike="noStrike">
+      <a:defRPr sz="1400" b="0" i="0" u="none" strike="noStrike" cap="none">
         <a:solidFill>
           <a:srgbClr val="000000"/>
         </a:solidFill>
@@ -75,7 +75,7 @@
         <a:sym typeface="Arial"/>
       </a:defRPr>
     </a:lvl1pPr>
-    <a:lvl2pPr lvl="1" marR="0" rtl="0" algn="l">
+    <a:lvl2pPr marR="0" lvl="1" algn="l" rtl="0">
       <a:lnSpc>
         <a:spcPct val="100000"/>
       </a:lnSpc>
@@ -89,7 +89,7 @@
         <a:srgbClr val="000000"/>
       </a:buClr>
       <a:buFont typeface="Arial"/>
-      <a:defRPr b="0" i="0" sz="1400" u="none" cap="none" strike="noStrike">
+      <a:defRPr sz="1400" b="0" i="0" u="none" strike="noStrike" cap="none">
         <a:solidFill>
           <a:srgbClr val="000000"/>
         </a:solidFill>
@@ -99,7 +99,7 @@
         <a:sym typeface="Arial"/>
       </a:defRPr>
     </a:lvl2pPr>
-    <a:lvl3pPr lvl="2" marR="0" rtl="0" algn="l">
+    <a:lvl3pPr marR="0" lvl="2" algn="l" rtl="0">
       <a:lnSpc>
         <a:spcPct val="100000"/>
       </a:lnSpc>
@@ -113,7 +113,7 @@
         <a:srgbClr val="000000"/>
       </a:buClr>
       <a:buFont typeface="Arial"/>
-      <a:defRPr b="0" i="0" sz="1400" u="none" cap="none" strike="noStrike">
+      <a:defRPr sz="1400" b="0" i="0" u="none" strike="noStrike" cap="none">
         <a:solidFill>
           <a:srgbClr val="000000"/>
         </a:solidFill>
@@ -123,7 +123,7 @@
         <a:sym typeface="Arial"/>
       </a:defRPr>
     </a:lvl3pPr>
-    <a:lvl4pPr lvl="3" marR="0" rtl="0" algn="l">
+    <a:lvl4pPr marR="0" lvl="3" algn="l" rtl="0">
       <a:lnSpc>
         <a:spcPct val="100000"/>
       </a:lnSpc>
@@ -137,7 +137,7 @@
         <a:srgbClr val="000000"/>
       </a:buClr>
       <a:buFont typeface="Arial"/>
-      <a:defRPr b="0" i="0" sz="1400" u="none" cap="none" strike="noStrike">
+      <a:defRPr sz="1400" b="0" i="0" u="none" strike="noStrike" cap="none">
         <a:solidFill>
           <a:srgbClr val="000000"/>
         </a:solidFill>
@@ -147,7 +147,7 @@
         <a:sym typeface="Arial"/>
       </a:defRPr>
     </a:lvl4pPr>
-    <a:lvl5pPr lvl="4" marR="0" rtl="0" algn="l">
+    <a:lvl5pPr marR="0" lvl="4" algn="l" rtl="0">
       <a:lnSpc>
         <a:spcPct val="100000"/>
       </a:lnSpc>
@@ -161,7 +161,7 @@
         <a:srgbClr val="000000"/>
       </a:buClr>
       <a:buFont typeface="Arial"/>
-      <a:defRPr b="0" i="0" sz="1400" u="none" cap="none" strike="noStrike">
+      <a:defRPr sz="1400" b="0" i="0" u="none" strike="noStrike" cap="none">
         <a:solidFill>
           <a:srgbClr val="000000"/>
         </a:solidFill>
@@ -171,7 +171,7 @@
         <a:sym typeface="Arial"/>
       </a:defRPr>
     </a:lvl5pPr>
-    <a:lvl6pPr lvl="5" marR="0" rtl="0" algn="l">
+    <a:lvl6pPr marR="0" lvl="5" algn="l" rtl="0">
       <a:lnSpc>
         <a:spcPct val="100000"/>
       </a:lnSpc>
@@ -185,7 +185,7 @@
         <a:srgbClr val="000000"/>
       </a:buClr>
       <a:buFont typeface="Arial"/>
-      <a:defRPr b="0" i="0" sz="1400" u="none" cap="none" strike="noStrike">
+      <a:defRPr sz="1400" b="0" i="0" u="none" strike="noStrike" cap="none">
         <a:solidFill>
           <a:srgbClr val="000000"/>
         </a:solidFill>
@@ -195,7 +195,7 @@
         <a:sym typeface="Arial"/>
       </a:defRPr>
     </a:lvl6pPr>
-    <a:lvl7pPr lvl="6" marR="0" rtl="0" algn="l">
+    <a:lvl7pPr marR="0" lvl="6" algn="l" rtl="0">
       <a:lnSpc>
         <a:spcPct val="100000"/>
       </a:lnSpc>
@@ -209,7 +209,7 @@
         <a:srgbClr val="000000"/>
       </a:buClr>
       <a:buFont typeface="Arial"/>
-      <a:defRPr b="0" i="0" sz="1400" u="none" cap="none" strike="noStrike">
+      <a:defRPr sz="1400" b="0" i="0" u="none" strike="noStrike" cap="none">
         <a:solidFill>
           <a:srgbClr val="000000"/>
         </a:solidFill>
@@ -219,7 +219,7 @@
         <a:sym typeface="Arial"/>
       </a:defRPr>
     </a:lvl7pPr>
-    <a:lvl8pPr lvl="7" marR="0" rtl="0" algn="l">
+    <a:lvl8pPr marR="0" lvl="7" algn="l" rtl="0">
       <a:lnSpc>
         <a:spcPct val="100000"/>
       </a:lnSpc>
@@ -233,7 +233,7 @@
         <a:srgbClr val="000000"/>
       </a:buClr>
       <a:buFont typeface="Arial"/>
-      <a:defRPr b="0" i="0" sz="1400" u="none" cap="none" strike="noStrike">
+      <a:defRPr sz="1400" b="0" i="0" u="none" strike="noStrike" cap="none">
         <a:solidFill>
           <a:srgbClr val="000000"/>
         </a:solidFill>
@@ -243,7 +243,7 @@
         <a:sym typeface="Arial"/>
       </a:defRPr>
     </a:lvl8pPr>
-    <a:lvl9pPr lvl="8" marR="0" rtl="0" algn="l">
+    <a:lvl9pPr marR="0" lvl="8" algn="l" rtl="0">
       <a:lnSpc>
         <a:spcPct val="100000"/>
       </a:lnSpc>
@@ -257,7 +257,7 @@
         <a:srgbClr val="000000"/>
       </a:buClr>
       <a:buFont typeface="Arial"/>
-      <a:defRPr b="0" i="0" sz="1400" u="none" cap="none" strike="noStrike">
+      <a:defRPr sz="1400" b="0" i="0" u="none" strike="noStrike" cap="none">
         <a:solidFill>
           <a:srgbClr val="000000"/>
         </a:solidFill>
@@ -270,7 +270,7 @@
   </p:defaultTextStyle>
   <p:extLst>
     <p:ext uri="{EFAFB233-063F-42B5-8137-9DF3F51BA10A}">
-      <p15:sldGuideLst>
+      <p15:sldGuideLst xmlns:p15="http://schemas.microsoft.com/office/powerpoint/2012/main">
         <p15:guide id="1" orient="horz" pos="1620">
           <p15:clr>
             <a:srgbClr val="A4A3A4"/>
@@ -288,11 +288,16 @@
 </file>
 
 <file path=ppt/notesMasters/notesMaster1.xml><?xml version="1.0" encoding="utf-8"?>
-<p:notesMaster xmlns:a="http://schemas.openxmlformats.org/drawingml/2006/main" xmlns:r="http://schemas.openxmlformats.org/officeDocument/2006/relationships" xmlns:mc="http://schemas.openxmlformats.org/markup-compatibility/2006" xmlns:mv="urn:schemas-microsoft-com:mac:vml" xmlns:p="http://schemas.openxmlformats.org/presentationml/2006/main" xmlns:c="http://schemas.openxmlformats.org/drawingml/2006/chart" xmlns:dgm="http://schemas.openxmlformats.org/drawingml/2006/diagram" xmlns:o="urn:schemas-microsoft-com:office:office" xmlns:v="urn:schemas-microsoft-com:vml" xmlns:pvml="urn:schemas-microsoft-com:office:powerpoint" xmlns:com="http://schemas.openxmlformats.org/drawingml/2006/compatibility" xmlns:p14="http://schemas.microsoft.com/office/powerpoint/2010/main" xmlns:p15="http://schemas.microsoft.com/office/powerpoint/2012/main">
+<p:notesMaster xmlns:a="http://schemas.openxmlformats.org/drawingml/2006/main" xmlns:r="http://schemas.openxmlformats.org/officeDocument/2006/relationships" xmlns:p="http://schemas.openxmlformats.org/presentationml/2006/main">
   <p:cSld>
+    <p:bg>
+      <p:bgRef idx="1001">
+        <a:schemeClr val="bg1"/>
+      </p:bgRef>
+    </p:bg>
     <p:spTree>
       <p:nvGrpSpPr>
-        <p:cNvPr id="2" name="Shape 2"/>
+        <p:cNvPr id="1" name="Shape 2"/>
         <p:cNvGrpSpPr/>
         <p:nvPr/>
       </p:nvGrpSpPr>
@@ -307,9 +312,11 @@
       <p:sp>
         <p:nvSpPr>
           <p:cNvPr id="3" name="Shape 3"/>
-          <p:cNvSpPr/>
+          <p:cNvSpPr>
+            <a:spLocks noGrp="1" noRot="1" noChangeAspect="1"/>
+          </p:cNvSpPr>
           <p:nvPr>
-            <p:ph idx="2" type="sldImg"/>
+            <p:ph type="sldImg" idx="2"/>
           </p:nvPr>
         </p:nvSpPr>
         <p:spPr>
@@ -318,8 +325,13 @@
             <a:ext cx="6096075" cy="3429000"/>
           </a:xfrm>
           <a:custGeom>
+            <a:avLst/>
+            <a:gdLst/>
+            <a:ahLst/>
+            <a:cxnLst/>
+            <a:rect l="0" t="0" r="0" b="0"/>
             <a:pathLst>
-              <a:path extrusionOk="0" h="120000" w="120000">
+              <a:path w="120000" h="120000" extrusionOk="0">
                 <a:moveTo>
                   <a:pt x="0" y="0"/>
                 </a:moveTo>
@@ -337,23 +349,25 @@
             </a:pathLst>
           </a:custGeom>
           <a:noFill/>
-          <a:ln cap="flat" cmpd="sng" w="9525">
+          <a:ln w="9525" cap="flat" cmpd="sng">
             <a:solidFill>
               <a:srgbClr val="000000"/>
             </a:solidFill>
             <a:prstDash val="solid"/>
             <a:round/>
-            <a:headEnd len="sm" w="sm" type="none"/>
-            <a:tailEnd len="sm" w="sm" type="none"/>
+            <a:headEnd type="none" w="sm" len="sm"/>
+            <a:tailEnd type="none" w="sm" len="sm"/>
           </a:ln>
         </p:spPr>
       </p:sp>
       <p:sp>
         <p:nvSpPr>
           <p:cNvPr id="4" name="Shape 4"/>
-          <p:cNvSpPr txBox="1"/>
+          <p:cNvSpPr txBox="1">
+            <a:spLocks noGrp="1"/>
+          </p:cNvSpPr>
           <p:nvPr>
-            <p:ph idx="1" type="body"/>
+            <p:ph type="body" idx="1"/>
           </p:nvPr>
         </p:nvSpPr>
         <p:spPr>
@@ -370,9 +384,9 @@
           </a:ln>
         </p:spPr>
         <p:txBody>
-          <a:bodyPr anchorCtr="0" anchor="t" bIns="91425" lIns="91425" spcFirstLastPara="1" rIns="91425" wrap="square" tIns="91425"/>
+          <a:bodyPr spcFirstLastPara="1" wrap="square" lIns="91425" tIns="91425" rIns="91425" bIns="91425" anchor="t" anchorCtr="0"/>
           <a:lstStyle>
-            <a:lvl1pPr indent="-298450" lvl="0" marL="457200">
+            <a:lvl1pPr marL="457200" lvl="0" indent="-298450">
               <a:spcBef>
                 <a:spcPts val="0"/>
               </a:spcBef>
@@ -383,7 +397,7 @@
               <a:buChar char="●"/>
               <a:defRPr sz="1100"/>
             </a:lvl1pPr>
-            <a:lvl2pPr indent="-298450" lvl="1" marL="914400">
+            <a:lvl2pPr marL="914400" lvl="1" indent="-298450">
               <a:spcBef>
                 <a:spcPts val="0"/>
               </a:spcBef>
@@ -394,7 +408,7 @@
               <a:buChar char="○"/>
               <a:defRPr sz="1100"/>
             </a:lvl2pPr>
-            <a:lvl3pPr indent="-298450" lvl="2" marL="1371600">
+            <a:lvl3pPr marL="1371600" lvl="2" indent="-298450">
               <a:spcBef>
                 <a:spcPts val="0"/>
               </a:spcBef>
@@ -405,7 +419,7 @@
               <a:buChar char="■"/>
               <a:defRPr sz="1100"/>
             </a:lvl3pPr>
-            <a:lvl4pPr indent="-298450" lvl="3" marL="1828800">
+            <a:lvl4pPr marL="1828800" lvl="3" indent="-298450">
               <a:spcBef>
                 <a:spcPts val="0"/>
               </a:spcBef>
@@ -416,7 +430,7 @@
               <a:buChar char="●"/>
               <a:defRPr sz="1100"/>
             </a:lvl4pPr>
-            <a:lvl5pPr indent="-298450" lvl="4" marL="2286000">
+            <a:lvl5pPr marL="2286000" lvl="4" indent="-298450">
               <a:spcBef>
                 <a:spcPts val="0"/>
               </a:spcBef>
@@ -427,7 +441,7 @@
               <a:buChar char="○"/>
               <a:defRPr sz="1100"/>
             </a:lvl5pPr>
-            <a:lvl6pPr indent="-298450" lvl="5" marL="2743200">
+            <a:lvl6pPr marL="2743200" lvl="5" indent="-298450">
               <a:spcBef>
                 <a:spcPts val="0"/>
               </a:spcBef>
@@ -438,7 +452,7 @@
               <a:buChar char="■"/>
               <a:defRPr sz="1100"/>
             </a:lvl6pPr>
-            <a:lvl7pPr indent="-298450" lvl="6" marL="3200400">
+            <a:lvl7pPr marL="3200400" lvl="6" indent="-298450">
               <a:spcBef>
                 <a:spcPts val="0"/>
               </a:spcBef>
@@ -449,7 +463,7 @@
               <a:buChar char="●"/>
               <a:defRPr sz="1100"/>
             </a:lvl7pPr>
-            <a:lvl8pPr indent="-298450" lvl="7" marL="3657600">
+            <a:lvl8pPr marL="3657600" lvl="7" indent="-298450">
               <a:spcBef>
                 <a:spcPts val="0"/>
               </a:spcBef>
@@ -460,7 +474,7 @@
               <a:buChar char="○"/>
               <a:defRPr sz="1100"/>
             </a:lvl8pPr>
-            <a:lvl9pPr indent="-298450" lvl="8" marL="4114800">
+            <a:lvl9pPr marL="4114800" lvl="8" indent="-298450">
               <a:spcBef>
                 <a:spcPts val="0"/>
               </a:spcBef>
@@ -472,14 +486,16 @@
               <a:defRPr sz="1100"/>
             </a:lvl9pPr>
           </a:lstStyle>
-          <a:p/>
+          <a:p>
+            <a:endParaRPr/>
+          </a:p>
         </p:txBody>
       </p:sp>
     </p:spTree>
   </p:cSld>
-  <p:clrMap accent1="accent1" accent2="accent2" accent3="accent3" accent4="accent4" accent5="accent5" accent6="accent6" bg1="lt1" bg2="dk2" tx1="dk1" tx2="lt2" folHlink="folHlink" hlink="hlink"/>
+  <p:clrMap bg1="lt1" tx1="dk1" bg2="dk2" tx2="lt2" accent1="accent1" accent2="accent2" accent3="accent3" accent4="accent4" accent5="accent5" accent6="accent6" hlink="hlink" folHlink="folHlink"/>
   <p:notesStyle>
-    <a:defPPr lvl="0" marR="0" rtl="0" algn="l">
+    <a:defPPr marR="0" lvl="0" algn="l" rtl="0">
       <a:lnSpc>
         <a:spcPct val="100000"/>
       </a:lnSpc>
@@ -490,7 +506,7 @@
         <a:spcPts val="0"/>
       </a:spcAft>
     </a:defPPr>
-    <a:lvl1pPr lvl="0" marR="0" rtl="0" algn="l">
+    <a:lvl1pPr marR="0" lvl="0" algn="l" rtl="0">
       <a:lnSpc>
         <a:spcPct val="100000"/>
       </a:lnSpc>
@@ -504,7 +520,7 @@
         <a:srgbClr val="000000"/>
       </a:buClr>
       <a:buFont typeface="Arial"/>
-      <a:defRPr b="0" i="0" sz="1400" u="none" cap="none" strike="noStrike">
+      <a:defRPr sz="1400" b="0" i="0" u="none" strike="noStrike" cap="none">
         <a:solidFill>
           <a:srgbClr val="000000"/>
         </a:solidFill>
@@ -514,7 +530,7 @@
         <a:sym typeface="Arial"/>
       </a:defRPr>
     </a:lvl1pPr>
-    <a:lvl2pPr lvl="1" marR="0" rtl="0" algn="l">
+    <a:lvl2pPr marR="0" lvl="1" algn="l" rtl="0">
       <a:lnSpc>
         <a:spcPct val="100000"/>
       </a:lnSpc>
@@ -528,7 +544,7 @@
         <a:srgbClr val="000000"/>
       </a:buClr>
       <a:buFont typeface="Arial"/>
-      <a:defRPr b="0" i="0" sz="1400" u="none" cap="none" strike="noStrike">
+      <a:defRPr sz="1400" b="0" i="0" u="none" strike="noStrike" cap="none">
         <a:solidFill>
           <a:srgbClr val="000000"/>
         </a:solidFill>
@@ -538,7 +554,7 @@
         <a:sym typeface="Arial"/>
       </a:defRPr>
     </a:lvl2pPr>
-    <a:lvl3pPr lvl="2" marR="0" rtl="0" algn="l">
+    <a:lvl3pPr marR="0" lvl="2" algn="l" rtl="0">
       <a:lnSpc>
         <a:spcPct val="100000"/>
       </a:lnSpc>
@@ -552,7 +568,7 @@
         <a:srgbClr val="000000"/>
       </a:buClr>
       <a:buFont typeface="Arial"/>
-      <a:defRPr b="0" i="0" sz="1400" u="none" cap="none" strike="noStrike">
+      <a:defRPr sz="1400" b="0" i="0" u="none" strike="noStrike" cap="none">
         <a:solidFill>
           <a:srgbClr val="000000"/>
         </a:solidFill>
@@ -562,7 +578,7 @@
         <a:sym typeface="Arial"/>
       </a:defRPr>
     </a:lvl3pPr>
-    <a:lvl4pPr lvl="3" marR="0" rtl="0" algn="l">
+    <a:lvl4pPr marR="0" lvl="3" algn="l" rtl="0">
       <a:lnSpc>
         <a:spcPct val="100000"/>
       </a:lnSpc>
@@ -576,7 +592,7 @@
         <a:srgbClr val="000000"/>
       </a:buClr>
       <a:buFont typeface="Arial"/>
-      <a:defRPr b="0" i="0" sz="1400" u="none" cap="none" strike="noStrike">
+      <a:defRPr sz="1400" b="0" i="0" u="none" strike="noStrike" cap="none">
         <a:solidFill>
           <a:srgbClr val="000000"/>
         </a:solidFill>
@@ -586,7 +602,7 @@
         <a:sym typeface="Arial"/>
       </a:defRPr>
     </a:lvl4pPr>
-    <a:lvl5pPr lvl="4" marR="0" rtl="0" algn="l">
+    <a:lvl5pPr marR="0" lvl="4" algn="l" rtl="0">
       <a:lnSpc>
         <a:spcPct val="100000"/>
       </a:lnSpc>
@@ -600,7 +616,7 @@
         <a:srgbClr val="000000"/>
       </a:buClr>
       <a:buFont typeface="Arial"/>
-      <a:defRPr b="0" i="0" sz="1400" u="none" cap="none" strike="noStrike">
+      <a:defRPr sz="1400" b="0" i="0" u="none" strike="noStrike" cap="none">
         <a:solidFill>
           <a:srgbClr val="000000"/>
         </a:solidFill>
@@ -610,7 +626,7 @@
         <a:sym typeface="Arial"/>
       </a:defRPr>
     </a:lvl5pPr>
-    <a:lvl6pPr lvl="5" marR="0" rtl="0" algn="l">
+    <a:lvl6pPr marR="0" lvl="5" algn="l" rtl="0">
       <a:lnSpc>
         <a:spcPct val="100000"/>
       </a:lnSpc>
@@ -624,7 +640,7 @@
         <a:srgbClr val="000000"/>
       </a:buClr>
       <a:buFont typeface="Arial"/>
-      <a:defRPr b="0" i="0" sz="1400" u="none" cap="none" strike="noStrike">
+      <a:defRPr sz="1400" b="0" i="0" u="none" strike="noStrike" cap="none">
         <a:solidFill>
           <a:srgbClr val="000000"/>
         </a:solidFill>
@@ -634,7 +650,7 @@
         <a:sym typeface="Arial"/>
       </a:defRPr>
     </a:lvl6pPr>
-    <a:lvl7pPr lvl="6" marR="0" rtl="0" algn="l">
+    <a:lvl7pPr marR="0" lvl="6" algn="l" rtl="0">
       <a:lnSpc>
         <a:spcPct val="100000"/>
       </a:lnSpc>
@@ -648,7 +664,7 @@
         <a:srgbClr val="000000"/>
       </a:buClr>
       <a:buFont typeface="Arial"/>
-      <a:defRPr b="0" i="0" sz="1400" u="none" cap="none" strike="noStrike">
+      <a:defRPr sz="1400" b="0" i="0" u="none" strike="noStrike" cap="none">
         <a:solidFill>
           <a:srgbClr val="000000"/>
         </a:solidFill>
@@ -658,7 +674,7 @@
         <a:sym typeface="Arial"/>
       </a:defRPr>
     </a:lvl7pPr>
-    <a:lvl8pPr lvl="7" marR="0" rtl="0" algn="l">
+    <a:lvl8pPr marR="0" lvl="7" algn="l" rtl="0">
       <a:lnSpc>
         <a:spcPct val="100000"/>
       </a:lnSpc>
@@ -672,7 +688,7 @@
         <a:srgbClr val="000000"/>
       </a:buClr>
       <a:buFont typeface="Arial"/>
-      <a:defRPr b="0" i="0" sz="1400" u="none" cap="none" strike="noStrike">
+      <a:defRPr sz="1400" b="0" i="0" u="none" strike="noStrike" cap="none">
         <a:solidFill>
           <a:srgbClr val="000000"/>
         </a:solidFill>
@@ -682,7 +698,7 @@
         <a:sym typeface="Arial"/>
       </a:defRPr>
     </a:lvl8pPr>
-    <a:lvl9pPr lvl="8" marR="0" rtl="0" algn="l">
+    <a:lvl9pPr marR="0" lvl="8" algn="l" rtl="0">
       <a:lnSpc>
         <a:spcPct val="100000"/>
       </a:lnSpc>
@@ -696,7 +712,7 @@
         <a:srgbClr val="000000"/>
       </a:buClr>
       <a:buFont typeface="Arial"/>
-      <a:defRPr b="0" i="0" sz="1400" u="none" cap="none" strike="noStrike">
+      <a:defRPr sz="1400" b="0" i="0" u="none" strike="noStrike" cap="none">
         <a:solidFill>
           <a:srgbClr val="000000"/>
         </a:solidFill>
@@ -711,11 +727,11 @@
 </file>
 
 <file path=ppt/notesSlides/notesSlide1.xml><?xml version="1.0" encoding="utf-8"?>
-<p:notes xmlns:a="http://schemas.openxmlformats.org/drawingml/2006/main" xmlns:r="http://schemas.openxmlformats.org/officeDocument/2006/relationships" xmlns:mc="http://schemas.openxmlformats.org/markup-compatibility/2006" xmlns:mv="urn:schemas-microsoft-com:mac:vml" xmlns:p="http://schemas.openxmlformats.org/presentationml/2006/main" xmlns:c="http://schemas.openxmlformats.org/drawingml/2006/chart" xmlns:dgm="http://schemas.openxmlformats.org/drawingml/2006/diagram" xmlns:o="urn:schemas-microsoft-com:office:office" xmlns:v="urn:schemas-microsoft-com:vml" xmlns:pvml="urn:schemas-microsoft-com:office:powerpoint" xmlns:com="http://schemas.openxmlformats.org/drawingml/2006/compatibility" xmlns:p14="http://schemas.microsoft.com/office/powerpoint/2010/main" xmlns:p15="http://schemas.microsoft.com/office/powerpoint/2012/main" showMasterPhAnim="0" showMasterSp="0">
+<p:notes xmlns:a="http://schemas.openxmlformats.org/drawingml/2006/main" xmlns:r="http://schemas.openxmlformats.org/officeDocument/2006/relationships" xmlns:p="http://schemas.openxmlformats.org/presentationml/2006/main" showMasterSp="0" showMasterPhAnim="0">
   <p:cSld>
     <p:spTree>
       <p:nvGrpSpPr>
-        <p:cNvPr id="59" name="Shape 59"/>
+        <p:cNvPr id="1" name="Shape 59"/>
         <p:cNvGrpSpPr/>
         <p:nvPr/>
       </p:nvGrpSpPr>
@@ -730,19 +746,26 @@
       <p:sp>
         <p:nvSpPr>
           <p:cNvPr id="60" name="Shape 60"/>
-          <p:cNvSpPr/>
+          <p:cNvSpPr>
+            <a:spLocks noGrp="1" noRot="1" noChangeAspect="1"/>
+          </p:cNvSpPr>
           <p:nvPr>
-            <p:ph idx="2" type="sldImg"/>
+            <p:ph type="sldImg" idx="2"/>
           </p:nvPr>
         </p:nvSpPr>
         <p:spPr>
           <a:xfrm>
-            <a:off x="381300" y="685800"/>
-            <a:ext cx="6096075" cy="3429000"/>
+            <a:off x="381000" y="685800"/>
+            <a:ext cx="6096000" cy="3429000"/>
           </a:xfrm>
           <a:custGeom>
+            <a:avLst/>
+            <a:gdLst/>
+            <a:ahLst/>
+            <a:cxnLst/>
+            <a:rect l="0" t="0" r="0" b="0"/>
             <a:pathLst>
-              <a:path extrusionOk="0" h="120000" w="120000">
+              <a:path w="120000" h="120000" extrusionOk="0">
                 <a:moveTo>
                   <a:pt x="0" y="0"/>
                 </a:moveTo>
@@ -764,9 +787,11 @@
       <p:sp>
         <p:nvSpPr>
           <p:cNvPr id="61" name="Shape 61"/>
-          <p:cNvSpPr txBox="1"/>
+          <p:cNvSpPr txBox="1">
+            <a:spLocks noGrp="1"/>
+          </p:cNvSpPr>
           <p:nvPr>
-            <p:ph idx="1" type="body"/>
+            <p:ph type="body" idx="1"/>
           </p:nvPr>
         </p:nvSpPr>
         <p:spPr>
@@ -779,12 +804,12 @@
           </a:prstGeom>
         </p:spPr>
         <p:txBody>
-          <a:bodyPr anchorCtr="0" anchor="t" bIns="91425" lIns="91425" spcFirstLastPara="1" rIns="91425" wrap="square" tIns="91425">
+          <a:bodyPr spcFirstLastPara="1" wrap="square" lIns="91425" tIns="91425" rIns="91425" bIns="91425" anchor="t" anchorCtr="0">
             <a:noAutofit/>
           </a:bodyPr>
           <a:lstStyle/>
           <a:p>
-            <a:pPr indent="0" lvl="0" marL="0">
+            <a:pPr marL="0" lvl="0" indent="0">
               <a:spcBef>
                 <a:spcPts val="0"/>
               </a:spcBef>
@@ -793,9 +818,6 @@
               </a:spcAft>
               <a:buNone/>
             </a:pPr>
-            <a:r>
-              <a:t/>
-            </a:r>
             <a:endParaRPr/>
           </a:p>
         </p:txBody>
@@ -809,11 +831,11 @@
 </file>
 
 <file path=ppt/notesSlides/notesSlide10.xml><?xml version="1.0" encoding="utf-8"?>
-<p:notes xmlns:a="http://schemas.openxmlformats.org/drawingml/2006/main" xmlns:r="http://schemas.openxmlformats.org/officeDocument/2006/relationships" xmlns:mc="http://schemas.openxmlformats.org/markup-compatibility/2006" xmlns:mv="urn:schemas-microsoft-com:mac:vml" xmlns:p="http://schemas.openxmlformats.org/presentationml/2006/main" xmlns:c="http://schemas.openxmlformats.org/drawingml/2006/chart" xmlns:dgm="http://schemas.openxmlformats.org/drawingml/2006/diagram" xmlns:o="urn:schemas-microsoft-com:office:office" xmlns:v="urn:schemas-microsoft-com:vml" xmlns:pvml="urn:schemas-microsoft-com:office:powerpoint" xmlns:com="http://schemas.openxmlformats.org/drawingml/2006/compatibility" xmlns:p14="http://schemas.microsoft.com/office/powerpoint/2010/main" xmlns:p15="http://schemas.microsoft.com/office/powerpoint/2012/main" showMasterPhAnim="0" showMasterSp="0">
+<p:notes xmlns:a="http://schemas.openxmlformats.org/drawingml/2006/main" xmlns:r="http://schemas.openxmlformats.org/officeDocument/2006/relationships" xmlns:p="http://schemas.openxmlformats.org/presentationml/2006/main" showMasterSp="0" showMasterPhAnim="0">
   <p:cSld>
     <p:spTree>
       <p:nvGrpSpPr>
-        <p:cNvPr id="117" name="Shape 117"/>
+        <p:cNvPr id="1" name="Shape 117"/>
         <p:cNvGrpSpPr/>
         <p:nvPr/>
       </p:nvGrpSpPr>
@@ -828,19 +850,26 @@
       <p:sp>
         <p:nvSpPr>
           <p:cNvPr id="118" name="Shape 118"/>
-          <p:cNvSpPr/>
+          <p:cNvSpPr>
+            <a:spLocks noGrp="1" noRot="1" noChangeAspect="1"/>
+          </p:cNvSpPr>
           <p:nvPr>
-            <p:ph idx="2" type="sldImg"/>
+            <p:ph type="sldImg" idx="2"/>
           </p:nvPr>
         </p:nvSpPr>
         <p:spPr>
           <a:xfrm>
-            <a:off x="381300" y="685800"/>
+            <a:off x="381000" y="685800"/>
             <a:ext cx="6096000" cy="3429000"/>
           </a:xfrm>
           <a:custGeom>
+            <a:avLst/>
+            <a:gdLst/>
+            <a:ahLst/>
+            <a:cxnLst/>
+            <a:rect l="0" t="0" r="0" b="0"/>
             <a:pathLst>
-              <a:path extrusionOk="0" h="120000" w="120000">
+              <a:path w="120000" h="120000" extrusionOk="0">
                 <a:moveTo>
                   <a:pt x="0" y="0"/>
                 </a:moveTo>
@@ -862,9 +891,11 @@
       <p:sp>
         <p:nvSpPr>
           <p:cNvPr id="119" name="Shape 119"/>
-          <p:cNvSpPr txBox="1"/>
+          <p:cNvSpPr txBox="1">
+            <a:spLocks noGrp="1"/>
+          </p:cNvSpPr>
           <p:nvPr>
-            <p:ph idx="1" type="body"/>
+            <p:ph type="body" idx="1"/>
           </p:nvPr>
         </p:nvSpPr>
         <p:spPr>
@@ -877,12 +908,12 @@
           </a:prstGeom>
         </p:spPr>
         <p:txBody>
-          <a:bodyPr anchorCtr="0" anchor="t" bIns="91425" lIns="91425" spcFirstLastPara="1" rIns="91425" wrap="square" tIns="91425">
+          <a:bodyPr spcFirstLastPara="1" wrap="square" lIns="91425" tIns="91425" rIns="91425" bIns="91425" anchor="t" anchorCtr="0">
             <a:noAutofit/>
           </a:bodyPr>
           <a:lstStyle/>
           <a:p>
-            <a:pPr indent="0" lvl="0" marL="0">
+            <a:pPr marL="0" lvl="0" indent="0">
               <a:spcBef>
                 <a:spcPts val="0"/>
               </a:spcBef>
@@ -891,9 +922,6 @@
               </a:spcAft>
               <a:buNone/>
             </a:pPr>
-            <a:r>
-              <a:t/>
-            </a:r>
             <a:endParaRPr/>
           </a:p>
         </p:txBody>
@@ -907,11 +935,11 @@
 </file>
 
 <file path=ppt/notesSlides/notesSlide11.xml><?xml version="1.0" encoding="utf-8"?>
-<p:notes xmlns:a="http://schemas.openxmlformats.org/drawingml/2006/main" xmlns:r="http://schemas.openxmlformats.org/officeDocument/2006/relationships" xmlns:mc="http://schemas.openxmlformats.org/markup-compatibility/2006" xmlns:mv="urn:schemas-microsoft-com:mac:vml" xmlns:p="http://schemas.openxmlformats.org/presentationml/2006/main" xmlns:c="http://schemas.openxmlformats.org/drawingml/2006/chart" xmlns:dgm="http://schemas.openxmlformats.org/drawingml/2006/diagram" xmlns:o="urn:schemas-microsoft-com:office:office" xmlns:v="urn:schemas-microsoft-com:vml" xmlns:pvml="urn:schemas-microsoft-com:office:powerpoint" xmlns:com="http://schemas.openxmlformats.org/drawingml/2006/compatibility" xmlns:p14="http://schemas.microsoft.com/office/powerpoint/2010/main" xmlns:p15="http://schemas.microsoft.com/office/powerpoint/2012/main" showMasterPhAnim="0" showMasterSp="0">
+<p:notes xmlns:a="http://schemas.openxmlformats.org/drawingml/2006/main" xmlns:r="http://schemas.openxmlformats.org/officeDocument/2006/relationships" xmlns:p="http://schemas.openxmlformats.org/presentationml/2006/main" showMasterSp="0" showMasterPhAnim="0">
   <p:cSld>
     <p:spTree>
       <p:nvGrpSpPr>
-        <p:cNvPr id="122" name="Shape 122"/>
+        <p:cNvPr id="1" name="Shape 122"/>
         <p:cNvGrpSpPr/>
         <p:nvPr/>
       </p:nvGrpSpPr>
@@ -926,19 +954,26 @@
       <p:sp>
         <p:nvSpPr>
           <p:cNvPr id="123" name="Shape 123"/>
-          <p:cNvSpPr/>
+          <p:cNvSpPr>
+            <a:spLocks noGrp="1" noRot="1" noChangeAspect="1"/>
+          </p:cNvSpPr>
           <p:nvPr>
-            <p:ph idx="2" type="sldImg"/>
+            <p:ph type="sldImg" idx="2"/>
           </p:nvPr>
         </p:nvSpPr>
         <p:spPr>
           <a:xfrm>
-            <a:off x="381300" y="685800"/>
+            <a:off x="381000" y="685800"/>
             <a:ext cx="6096000" cy="3429000"/>
           </a:xfrm>
           <a:custGeom>
+            <a:avLst/>
+            <a:gdLst/>
+            <a:ahLst/>
+            <a:cxnLst/>
+            <a:rect l="0" t="0" r="0" b="0"/>
             <a:pathLst>
-              <a:path extrusionOk="0" h="120000" w="120000">
+              <a:path w="120000" h="120000" extrusionOk="0">
                 <a:moveTo>
                   <a:pt x="0" y="0"/>
                 </a:moveTo>
@@ -960,9 +995,11 @@
       <p:sp>
         <p:nvSpPr>
           <p:cNvPr id="124" name="Shape 124"/>
-          <p:cNvSpPr txBox="1"/>
+          <p:cNvSpPr txBox="1">
+            <a:spLocks noGrp="1"/>
+          </p:cNvSpPr>
           <p:nvPr>
-            <p:ph idx="1" type="body"/>
+            <p:ph type="body" idx="1"/>
           </p:nvPr>
         </p:nvSpPr>
         <p:spPr>
@@ -975,12 +1012,12 @@
           </a:prstGeom>
         </p:spPr>
         <p:txBody>
-          <a:bodyPr anchorCtr="0" anchor="t" bIns="91425" lIns="91425" spcFirstLastPara="1" rIns="91425" wrap="square" tIns="91425">
+          <a:bodyPr spcFirstLastPara="1" wrap="square" lIns="91425" tIns="91425" rIns="91425" bIns="91425" anchor="t" anchorCtr="0">
             <a:noAutofit/>
           </a:bodyPr>
           <a:lstStyle/>
           <a:p>
-            <a:pPr indent="0" lvl="0" marL="0">
+            <a:pPr marL="0" lvl="0" indent="0">
               <a:spcBef>
                 <a:spcPts val="0"/>
               </a:spcBef>
@@ -989,9 +1026,6 @@
               </a:spcAft>
               <a:buNone/>
             </a:pPr>
-            <a:r>
-              <a:t/>
-            </a:r>
             <a:endParaRPr/>
           </a:p>
         </p:txBody>
@@ -1005,11 +1039,11 @@
 </file>
 
 <file path=ppt/notesSlides/notesSlide12.xml><?xml version="1.0" encoding="utf-8"?>
-<p:notes xmlns:a="http://schemas.openxmlformats.org/drawingml/2006/main" xmlns:r="http://schemas.openxmlformats.org/officeDocument/2006/relationships" xmlns:mc="http://schemas.openxmlformats.org/markup-compatibility/2006" xmlns:mv="urn:schemas-microsoft-com:mac:vml" xmlns:p="http://schemas.openxmlformats.org/presentationml/2006/main" xmlns:c="http://schemas.openxmlformats.org/drawingml/2006/chart" xmlns:dgm="http://schemas.openxmlformats.org/drawingml/2006/diagram" xmlns:o="urn:schemas-microsoft-com:office:office" xmlns:v="urn:schemas-microsoft-com:vml" xmlns:pvml="urn:schemas-microsoft-com:office:powerpoint" xmlns:com="http://schemas.openxmlformats.org/drawingml/2006/compatibility" xmlns:p14="http://schemas.microsoft.com/office/powerpoint/2010/main" xmlns:p15="http://schemas.microsoft.com/office/powerpoint/2012/main" showMasterPhAnim="0" showMasterSp="0">
+<p:notes xmlns:a="http://schemas.openxmlformats.org/drawingml/2006/main" xmlns:r="http://schemas.openxmlformats.org/officeDocument/2006/relationships" xmlns:p="http://schemas.openxmlformats.org/presentationml/2006/main" showMasterSp="0" showMasterPhAnim="0">
   <p:cSld>
     <p:spTree>
       <p:nvGrpSpPr>
-        <p:cNvPr id="129" name="Shape 129"/>
+        <p:cNvPr id="1" name="Shape 129"/>
         <p:cNvGrpSpPr/>
         <p:nvPr/>
       </p:nvGrpSpPr>
@@ -1024,19 +1058,26 @@
       <p:sp>
         <p:nvSpPr>
           <p:cNvPr id="130" name="Shape 130"/>
-          <p:cNvSpPr/>
+          <p:cNvSpPr>
+            <a:spLocks noGrp="1" noRot="1" noChangeAspect="1"/>
+          </p:cNvSpPr>
           <p:nvPr>
-            <p:ph idx="2" type="sldImg"/>
+            <p:ph type="sldImg" idx="2"/>
           </p:nvPr>
         </p:nvSpPr>
         <p:spPr>
           <a:xfrm>
-            <a:off x="381300" y="685800"/>
+            <a:off x="381000" y="685800"/>
             <a:ext cx="6096000" cy="3429000"/>
           </a:xfrm>
           <a:custGeom>
+            <a:avLst/>
+            <a:gdLst/>
+            <a:ahLst/>
+            <a:cxnLst/>
+            <a:rect l="0" t="0" r="0" b="0"/>
             <a:pathLst>
-              <a:path extrusionOk="0" h="120000" w="120000">
+              <a:path w="120000" h="120000" extrusionOk="0">
                 <a:moveTo>
                   <a:pt x="0" y="0"/>
                 </a:moveTo>
@@ -1058,9 +1099,11 @@
       <p:sp>
         <p:nvSpPr>
           <p:cNvPr id="131" name="Shape 131"/>
-          <p:cNvSpPr txBox="1"/>
+          <p:cNvSpPr txBox="1">
+            <a:spLocks noGrp="1"/>
+          </p:cNvSpPr>
           <p:nvPr>
-            <p:ph idx="1" type="body"/>
+            <p:ph type="body" idx="1"/>
           </p:nvPr>
         </p:nvSpPr>
         <p:spPr>
@@ -1073,12 +1116,12 @@
           </a:prstGeom>
         </p:spPr>
         <p:txBody>
-          <a:bodyPr anchorCtr="0" anchor="t" bIns="91425" lIns="91425" spcFirstLastPara="1" rIns="91425" wrap="square" tIns="91425">
+          <a:bodyPr spcFirstLastPara="1" wrap="square" lIns="91425" tIns="91425" rIns="91425" bIns="91425" anchor="t" anchorCtr="0">
             <a:noAutofit/>
           </a:bodyPr>
           <a:lstStyle/>
           <a:p>
-            <a:pPr indent="0" lvl="0" marL="0">
+            <a:pPr marL="0" lvl="0" indent="0">
               <a:spcBef>
                 <a:spcPts val="0"/>
               </a:spcBef>
@@ -1087,9 +1130,6 @@
               </a:spcAft>
               <a:buNone/>
             </a:pPr>
-            <a:r>
-              <a:t/>
-            </a:r>
             <a:endParaRPr/>
           </a:p>
         </p:txBody>
@@ -1103,11 +1143,11 @@
 </file>
 
 <file path=ppt/notesSlides/notesSlide13.xml><?xml version="1.0" encoding="utf-8"?>
-<p:notes xmlns:a="http://schemas.openxmlformats.org/drawingml/2006/main" xmlns:r="http://schemas.openxmlformats.org/officeDocument/2006/relationships" xmlns:mc="http://schemas.openxmlformats.org/markup-compatibility/2006" xmlns:mv="urn:schemas-microsoft-com:mac:vml" xmlns:p="http://schemas.openxmlformats.org/presentationml/2006/main" xmlns:c="http://schemas.openxmlformats.org/drawingml/2006/chart" xmlns:dgm="http://schemas.openxmlformats.org/drawingml/2006/diagram" xmlns:o="urn:schemas-microsoft-com:office:office" xmlns:v="urn:schemas-microsoft-com:vml" xmlns:pvml="urn:schemas-microsoft-com:office:powerpoint" xmlns:com="http://schemas.openxmlformats.org/drawingml/2006/compatibility" xmlns:p14="http://schemas.microsoft.com/office/powerpoint/2010/main" xmlns:p15="http://schemas.microsoft.com/office/powerpoint/2012/main" showMasterPhAnim="0" showMasterSp="0">
+<p:notes xmlns:a="http://schemas.openxmlformats.org/drawingml/2006/main" xmlns:r="http://schemas.openxmlformats.org/officeDocument/2006/relationships" xmlns:p="http://schemas.openxmlformats.org/presentationml/2006/main" showMasterSp="0" showMasterPhAnim="0">
   <p:cSld>
     <p:spTree>
       <p:nvGrpSpPr>
-        <p:cNvPr id="135" name="Shape 135"/>
+        <p:cNvPr id="1" name="Shape 135"/>
         <p:cNvGrpSpPr/>
         <p:nvPr/>
       </p:nvGrpSpPr>
@@ -1122,19 +1162,26 @@
       <p:sp>
         <p:nvSpPr>
           <p:cNvPr id="136" name="Shape 136"/>
-          <p:cNvSpPr/>
+          <p:cNvSpPr>
+            <a:spLocks noGrp="1" noRot="1" noChangeAspect="1"/>
+          </p:cNvSpPr>
           <p:nvPr>
-            <p:ph idx="2" type="sldImg"/>
+            <p:ph type="sldImg" idx="2"/>
           </p:nvPr>
         </p:nvSpPr>
         <p:spPr>
           <a:xfrm>
-            <a:off x="381300" y="685800"/>
+            <a:off x="381000" y="685800"/>
             <a:ext cx="6096000" cy="3429000"/>
           </a:xfrm>
           <a:custGeom>
+            <a:avLst/>
+            <a:gdLst/>
+            <a:ahLst/>
+            <a:cxnLst/>
+            <a:rect l="0" t="0" r="0" b="0"/>
             <a:pathLst>
-              <a:path extrusionOk="0" h="120000" w="120000">
+              <a:path w="120000" h="120000" extrusionOk="0">
                 <a:moveTo>
                   <a:pt x="0" y="0"/>
                 </a:moveTo>
@@ -1156,9 +1203,11 @@
       <p:sp>
         <p:nvSpPr>
           <p:cNvPr id="137" name="Shape 137"/>
-          <p:cNvSpPr txBox="1"/>
+          <p:cNvSpPr txBox="1">
+            <a:spLocks noGrp="1"/>
+          </p:cNvSpPr>
           <p:nvPr>
-            <p:ph idx="1" type="body"/>
+            <p:ph type="body" idx="1"/>
           </p:nvPr>
         </p:nvSpPr>
         <p:spPr>
@@ -1171,12 +1220,12 @@
           </a:prstGeom>
         </p:spPr>
         <p:txBody>
-          <a:bodyPr anchorCtr="0" anchor="t" bIns="91425" lIns="91425" spcFirstLastPara="1" rIns="91425" wrap="square" tIns="91425">
+          <a:bodyPr spcFirstLastPara="1" wrap="square" lIns="91425" tIns="91425" rIns="91425" bIns="91425" anchor="t" anchorCtr="0">
             <a:noAutofit/>
           </a:bodyPr>
           <a:lstStyle/>
           <a:p>
-            <a:pPr indent="0" lvl="0" marL="0" rtl="0">
+            <a:pPr marL="0" lvl="0" indent="0" rtl="0">
               <a:spcBef>
                 <a:spcPts val="0"/>
               </a:spcBef>
@@ -1185,9 +1234,6 @@
               </a:spcAft>
               <a:buNone/>
             </a:pPr>
-            <a:r>
-              <a:t/>
-            </a:r>
             <a:endParaRPr/>
           </a:p>
         </p:txBody>
@@ -1201,11 +1247,11 @@
 </file>
 
 <file path=ppt/notesSlides/notesSlide14.xml><?xml version="1.0" encoding="utf-8"?>
-<p:notes xmlns:a="http://schemas.openxmlformats.org/drawingml/2006/main" xmlns:r="http://schemas.openxmlformats.org/officeDocument/2006/relationships" xmlns:mc="http://schemas.openxmlformats.org/markup-compatibility/2006" xmlns:mv="urn:schemas-microsoft-com:mac:vml" xmlns:p="http://schemas.openxmlformats.org/presentationml/2006/main" xmlns:c="http://schemas.openxmlformats.org/drawingml/2006/chart" xmlns:dgm="http://schemas.openxmlformats.org/drawingml/2006/diagram" xmlns:o="urn:schemas-microsoft-com:office:office" xmlns:v="urn:schemas-microsoft-com:vml" xmlns:pvml="urn:schemas-microsoft-com:office:powerpoint" xmlns:com="http://schemas.openxmlformats.org/drawingml/2006/compatibility" xmlns:p14="http://schemas.microsoft.com/office/powerpoint/2010/main" xmlns:p15="http://schemas.microsoft.com/office/powerpoint/2012/main" showMasterPhAnim="0" showMasterSp="0">
+<p:notes xmlns:a="http://schemas.openxmlformats.org/drawingml/2006/main" xmlns:r="http://schemas.openxmlformats.org/officeDocument/2006/relationships" xmlns:p="http://schemas.openxmlformats.org/presentationml/2006/main" showMasterSp="0" showMasterPhAnim="0">
   <p:cSld>
     <p:spTree>
       <p:nvGrpSpPr>
-        <p:cNvPr id="144" name="Shape 144"/>
+        <p:cNvPr id="1" name="Shape 144"/>
         <p:cNvGrpSpPr/>
         <p:nvPr/>
       </p:nvGrpSpPr>
@@ -1220,19 +1266,26 @@
       <p:sp>
         <p:nvSpPr>
           <p:cNvPr id="145" name="Shape 145"/>
-          <p:cNvSpPr/>
+          <p:cNvSpPr>
+            <a:spLocks noGrp="1" noRot="1" noChangeAspect="1"/>
+          </p:cNvSpPr>
           <p:nvPr>
-            <p:ph idx="2" type="sldImg"/>
+            <p:ph type="sldImg" idx="2"/>
           </p:nvPr>
         </p:nvSpPr>
         <p:spPr>
           <a:xfrm>
-            <a:off x="381300" y="685800"/>
+            <a:off x="381000" y="685800"/>
             <a:ext cx="6096000" cy="3429000"/>
           </a:xfrm>
           <a:custGeom>
+            <a:avLst/>
+            <a:gdLst/>
+            <a:ahLst/>
+            <a:cxnLst/>
+            <a:rect l="0" t="0" r="0" b="0"/>
             <a:pathLst>
-              <a:path extrusionOk="0" h="120000" w="120000">
+              <a:path w="120000" h="120000" extrusionOk="0">
                 <a:moveTo>
                   <a:pt x="0" y="0"/>
                 </a:moveTo>
@@ -1254,9 +1307,11 @@
       <p:sp>
         <p:nvSpPr>
           <p:cNvPr id="146" name="Shape 146"/>
-          <p:cNvSpPr txBox="1"/>
+          <p:cNvSpPr txBox="1">
+            <a:spLocks noGrp="1"/>
+          </p:cNvSpPr>
           <p:nvPr>
-            <p:ph idx="1" type="body"/>
+            <p:ph type="body" idx="1"/>
           </p:nvPr>
         </p:nvSpPr>
         <p:spPr>
@@ -1269,12 +1324,12 @@
           </a:prstGeom>
         </p:spPr>
         <p:txBody>
-          <a:bodyPr anchorCtr="0" anchor="t" bIns="91425" lIns="91425" spcFirstLastPara="1" rIns="91425" wrap="square" tIns="91425">
+          <a:bodyPr spcFirstLastPara="1" wrap="square" lIns="91425" tIns="91425" rIns="91425" bIns="91425" anchor="t" anchorCtr="0">
             <a:noAutofit/>
           </a:bodyPr>
           <a:lstStyle/>
           <a:p>
-            <a:pPr indent="0" lvl="0" marL="0">
+            <a:pPr marL="0" lvl="0" indent="0">
               <a:spcBef>
                 <a:spcPts val="0"/>
               </a:spcBef>
@@ -1283,9 +1338,6 @@
               </a:spcAft>
               <a:buNone/>
             </a:pPr>
-            <a:r>
-              <a:t/>
-            </a:r>
             <a:endParaRPr/>
           </a:p>
         </p:txBody>
@@ -1299,11 +1351,11 @@
 </file>
 
 <file path=ppt/notesSlides/notesSlide2.xml><?xml version="1.0" encoding="utf-8"?>
-<p:notes xmlns:a="http://schemas.openxmlformats.org/drawingml/2006/main" xmlns:r="http://schemas.openxmlformats.org/officeDocument/2006/relationships" xmlns:mc="http://schemas.openxmlformats.org/markup-compatibility/2006" xmlns:mv="urn:schemas-microsoft-com:mac:vml" xmlns:p="http://schemas.openxmlformats.org/presentationml/2006/main" xmlns:c="http://schemas.openxmlformats.org/drawingml/2006/chart" xmlns:dgm="http://schemas.openxmlformats.org/drawingml/2006/diagram" xmlns:o="urn:schemas-microsoft-com:office:office" xmlns:v="urn:schemas-microsoft-com:vml" xmlns:pvml="urn:schemas-microsoft-com:office:powerpoint" xmlns:com="http://schemas.openxmlformats.org/drawingml/2006/compatibility" xmlns:p14="http://schemas.microsoft.com/office/powerpoint/2010/main" xmlns:p15="http://schemas.microsoft.com/office/powerpoint/2012/main" showMasterPhAnim="0" showMasterSp="0">
+<p:notes xmlns:a="http://schemas.openxmlformats.org/drawingml/2006/main" xmlns:r="http://schemas.openxmlformats.org/officeDocument/2006/relationships" xmlns:p="http://schemas.openxmlformats.org/presentationml/2006/main" showMasterSp="0" showMasterPhAnim="0">
   <p:cSld>
     <p:spTree>
       <p:nvGrpSpPr>
-        <p:cNvPr id="65" name="Shape 65"/>
+        <p:cNvPr id="1" name="Shape 65"/>
         <p:cNvGrpSpPr/>
         <p:nvPr/>
       </p:nvGrpSpPr>
@@ -1318,19 +1370,26 @@
       <p:sp>
         <p:nvSpPr>
           <p:cNvPr id="66" name="Shape 66"/>
-          <p:cNvSpPr/>
+          <p:cNvSpPr>
+            <a:spLocks noGrp="1" noRot="1" noChangeAspect="1"/>
+          </p:cNvSpPr>
           <p:nvPr>
-            <p:ph idx="2" type="sldImg"/>
+            <p:ph type="sldImg" idx="2"/>
           </p:nvPr>
         </p:nvSpPr>
         <p:spPr>
           <a:xfrm>
-            <a:off x="381300" y="685800"/>
+            <a:off x="381000" y="685800"/>
             <a:ext cx="6096000" cy="3429000"/>
           </a:xfrm>
           <a:custGeom>
+            <a:avLst/>
+            <a:gdLst/>
+            <a:ahLst/>
+            <a:cxnLst/>
+            <a:rect l="0" t="0" r="0" b="0"/>
             <a:pathLst>
-              <a:path extrusionOk="0" h="120000" w="120000">
+              <a:path w="120000" h="120000" extrusionOk="0">
                 <a:moveTo>
                   <a:pt x="0" y="0"/>
                 </a:moveTo>
@@ -1352,9 +1411,11 @@
       <p:sp>
         <p:nvSpPr>
           <p:cNvPr id="67" name="Shape 67"/>
-          <p:cNvSpPr txBox="1"/>
+          <p:cNvSpPr txBox="1">
+            <a:spLocks noGrp="1"/>
+          </p:cNvSpPr>
           <p:nvPr>
-            <p:ph idx="1" type="body"/>
+            <p:ph type="body" idx="1"/>
           </p:nvPr>
         </p:nvSpPr>
         <p:spPr>
@@ -1367,12 +1428,12 @@
           </a:prstGeom>
         </p:spPr>
         <p:txBody>
-          <a:bodyPr anchorCtr="0" anchor="t" bIns="91425" lIns="91425" spcFirstLastPara="1" rIns="91425" wrap="square" tIns="91425">
+          <a:bodyPr spcFirstLastPara="1" wrap="square" lIns="91425" tIns="91425" rIns="91425" bIns="91425" anchor="t" anchorCtr="0">
             <a:noAutofit/>
           </a:bodyPr>
           <a:lstStyle/>
           <a:p>
-            <a:pPr indent="0" lvl="0" marL="0">
+            <a:pPr marL="0" lvl="0" indent="0">
               <a:spcBef>
                 <a:spcPts val="0"/>
               </a:spcBef>
@@ -1381,9 +1442,6 @@
               </a:spcAft>
               <a:buNone/>
             </a:pPr>
-            <a:r>
-              <a:t/>
-            </a:r>
             <a:endParaRPr/>
           </a:p>
         </p:txBody>
@@ -1397,11 +1455,11 @@
 </file>
 
 <file path=ppt/notesSlides/notesSlide3.xml><?xml version="1.0" encoding="utf-8"?>
-<p:notes xmlns:a="http://schemas.openxmlformats.org/drawingml/2006/main" xmlns:r="http://schemas.openxmlformats.org/officeDocument/2006/relationships" xmlns:mc="http://schemas.openxmlformats.org/markup-compatibility/2006" xmlns:mv="urn:schemas-microsoft-com:mac:vml" xmlns:p="http://schemas.openxmlformats.org/presentationml/2006/main" xmlns:c="http://schemas.openxmlformats.org/drawingml/2006/chart" xmlns:dgm="http://schemas.openxmlformats.org/drawingml/2006/diagram" xmlns:o="urn:schemas-microsoft-com:office:office" xmlns:v="urn:schemas-microsoft-com:vml" xmlns:pvml="urn:schemas-microsoft-com:office:powerpoint" xmlns:com="http://schemas.openxmlformats.org/drawingml/2006/compatibility" xmlns:p14="http://schemas.microsoft.com/office/powerpoint/2010/main" xmlns:p15="http://schemas.microsoft.com/office/powerpoint/2012/main" showMasterPhAnim="0" showMasterSp="0">
+<p:notes xmlns:a="http://schemas.openxmlformats.org/drawingml/2006/main" xmlns:r="http://schemas.openxmlformats.org/officeDocument/2006/relationships" xmlns:p="http://schemas.openxmlformats.org/presentationml/2006/main" showMasterSp="0" showMasterPhAnim="0">
   <p:cSld>
     <p:spTree>
       <p:nvGrpSpPr>
-        <p:cNvPr id="72" name="Shape 72"/>
+        <p:cNvPr id="1" name="Shape 72"/>
         <p:cNvGrpSpPr/>
         <p:nvPr/>
       </p:nvGrpSpPr>
@@ -1416,19 +1474,26 @@
       <p:sp>
         <p:nvSpPr>
           <p:cNvPr id="73" name="Shape 73"/>
-          <p:cNvSpPr/>
+          <p:cNvSpPr>
+            <a:spLocks noGrp="1" noRot="1" noChangeAspect="1"/>
+          </p:cNvSpPr>
           <p:nvPr>
-            <p:ph idx="2" type="sldImg"/>
+            <p:ph type="sldImg" idx="2"/>
           </p:nvPr>
         </p:nvSpPr>
         <p:spPr>
           <a:xfrm>
-            <a:off x="381300" y="685800"/>
+            <a:off x="381000" y="685800"/>
             <a:ext cx="6096000" cy="3429000"/>
           </a:xfrm>
           <a:custGeom>
+            <a:avLst/>
+            <a:gdLst/>
+            <a:ahLst/>
+            <a:cxnLst/>
+            <a:rect l="0" t="0" r="0" b="0"/>
             <a:pathLst>
-              <a:path extrusionOk="0" h="120000" w="120000">
+              <a:path w="120000" h="120000" extrusionOk="0">
                 <a:moveTo>
                   <a:pt x="0" y="0"/>
                 </a:moveTo>
@@ -1450,9 +1515,11 @@
       <p:sp>
         <p:nvSpPr>
           <p:cNvPr id="74" name="Shape 74"/>
-          <p:cNvSpPr txBox="1"/>
+          <p:cNvSpPr txBox="1">
+            <a:spLocks noGrp="1"/>
+          </p:cNvSpPr>
           <p:nvPr>
-            <p:ph idx="1" type="body"/>
+            <p:ph type="body" idx="1"/>
           </p:nvPr>
         </p:nvSpPr>
         <p:spPr>
@@ -1465,12 +1532,12 @@
           </a:prstGeom>
         </p:spPr>
         <p:txBody>
-          <a:bodyPr anchorCtr="0" anchor="t" bIns="91425" lIns="91425" spcFirstLastPara="1" rIns="91425" wrap="square" tIns="91425">
+          <a:bodyPr spcFirstLastPara="1" wrap="square" lIns="91425" tIns="91425" rIns="91425" bIns="91425" anchor="t" anchorCtr="0">
             <a:noAutofit/>
           </a:bodyPr>
           <a:lstStyle/>
           <a:p>
-            <a:pPr indent="0" lvl="0" marL="0" rtl="0">
+            <a:pPr marL="0" lvl="0" indent="0" rtl="0">
               <a:spcBef>
                 <a:spcPts val="0"/>
               </a:spcBef>
@@ -1479,9 +1546,6 @@
               </a:spcAft>
               <a:buNone/>
             </a:pPr>
-            <a:r>
-              <a:t/>
-            </a:r>
             <a:endParaRPr/>
           </a:p>
         </p:txBody>
@@ -1495,11 +1559,11 @@
 </file>
 
 <file path=ppt/notesSlides/notesSlide4.xml><?xml version="1.0" encoding="utf-8"?>
-<p:notes xmlns:a="http://schemas.openxmlformats.org/drawingml/2006/main" xmlns:r="http://schemas.openxmlformats.org/officeDocument/2006/relationships" xmlns:mc="http://schemas.openxmlformats.org/markup-compatibility/2006" xmlns:mv="urn:schemas-microsoft-com:mac:vml" xmlns:p="http://schemas.openxmlformats.org/presentationml/2006/main" xmlns:c="http://schemas.openxmlformats.org/drawingml/2006/chart" xmlns:dgm="http://schemas.openxmlformats.org/drawingml/2006/diagram" xmlns:o="urn:schemas-microsoft-com:office:office" xmlns:v="urn:schemas-microsoft-com:vml" xmlns:pvml="urn:schemas-microsoft-com:office:powerpoint" xmlns:com="http://schemas.openxmlformats.org/drawingml/2006/compatibility" xmlns:p14="http://schemas.microsoft.com/office/powerpoint/2010/main" xmlns:p15="http://schemas.microsoft.com/office/powerpoint/2012/main" showMasterPhAnim="0" showMasterSp="0">
+<p:notes xmlns:a="http://schemas.openxmlformats.org/drawingml/2006/main" xmlns:r="http://schemas.openxmlformats.org/officeDocument/2006/relationships" xmlns:p="http://schemas.openxmlformats.org/presentationml/2006/main" showMasterSp="0" showMasterPhAnim="0">
   <p:cSld>
     <p:spTree>
       <p:nvGrpSpPr>
-        <p:cNvPr id="78" name="Shape 78"/>
+        <p:cNvPr id="1" name="Shape 78"/>
         <p:cNvGrpSpPr/>
         <p:nvPr/>
       </p:nvGrpSpPr>
@@ -1514,19 +1578,26 @@
       <p:sp>
         <p:nvSpPr>
           <p:cNvPr id="79" name="Shape 79"/>
-          <p:cNvSpPr/>
+          <p:cNvSpPr>
+            <a:spLocks noGrp="1" noRot="1" noChangeAspect="1"/>
+          </p:cNvSpPr>
           <p:nvPr>
-            <p:ph idx="2" type="sldImg"/>
+            <p:ph type="sldImg" idx="2"/>
           </p:nvPr>
         </p:nvSpPr>
         <p:spPr>
           <a:xfrm>
-            <a:off x="381300" y="685800"/>
+            <a:off x="381000" y="685800"/>
             <a:ext cx="6096000" cy="3429000"/>
           </a:xfrm>
           <a:custGeom>
+            <a:avLst/>
+            <a:gdLst/>
+            <a:ahLst/>
+            <a:cxnLst/>
+            <a:rect l="0" t="0" r="0" b="0"/>
             <a:pathLst>
-              <a:path extrusionOk="0" h="120000" w="120000">
+              <a:path w="120000" h="120000" extrusionOk="0">
                 <a:moveTo>
                   <a:pt x="0" y="0"/>
                 </a:moveTo>
@@ -1548,9 +1619,11 @@
       <p:sp>
         <p:nvSpPr>
           <p:cNvPr id="80" name="Shape 80"/>
-          <p:cNvSpPr txBox="1"/>
+          <p:cNvSpPr txBox="1">
+            <a:spLocks noGrp="1"/>
+          </p:cNvSpPr>
           <p:nvPr>
-            <p:ph idx="1" type="body"/>
+            <p:ph type="body" idx="1"/>
           </p:nvPr>
         </p:nvSpPr>
         <p:spPr>
@@ -1563,12 +1636,12 @@
           </a:prstGeom>
         </p:spPr>
         <p:txBody>
-          <a:bodyPr anchorCtr="0" anchor="t" bIns="91425" lIns="91425" spcFirstLastPara="1" rIns="91425" wrap="square" tIns="91425">
+          <a:bodyPr spcFirstLastPara="1" wrap="square" lIns="91425" tIns="91425" rIns="91425" bIns="91425" anchor="t" anchorCtr="0">
             <a:noAutofit/>
           </a:bodyPr>
           <a:lstStyle/>
           <a:p>
-            <a:pPr indent="0" lvl="0" marL="0" rtl="0">
+            <a:pPr marL="0" lvl="0" indent="0" rtl="0">
               <a:spcBef>
                 <a:spcPts val="0"/>
               </a:spcBef>
@@ -1577,9 +1650,6 @@
               </a:spcAft>
               <a:buNone/>
             </a:pPr>
-            <a:r>
-              <a:t/>
-            </a:r>
             <a:endParaRPr/>
           </a:p>
         </p:txBody>
@@ -1593,11 +1663,11 @@
 </file>
 
 <file path=ppt/notesSlides/notesSlide5.xml><?xml version="1.0" encoding="utf-8"?>
-<p:notes xmlns:a="http://schemas.openxmlformats.org/drawingml/2006/main" xmlns:r="http://schemas.openxmlformats.org/officeDocument/2006/relationships" xmlns:mc="http://schemas.openxmlformats.org/markup-compatibility/2006" xmlns:mv="urn:schemas-microsoft-com:mac:vml" xmlns:p="http://schemas.openxmlformats.org/presentationml/2006/main" xmlns:c="http://schemas.openxmlformats.org/drawingml/2006/chart" xmlns:dgm="http://schemas.openxmlformats.org/drawingml/2006/diagram" xmlns:o="urn:schemas-microsoft-com:office:office" xmlns:v="urn:schemas-microsoft-com:vml" xmlns:pvml="urn:schemas-microsoft-com:office:powerpoint" xmlns:com="http://schemas.openxmlformats.org/drawingml/2006/compatibility" xmlns:p14="http://schemas.microsoft.com/office/powerpoint/2010/main" xmlns:p15="http://schemas.microsoft.com/office/powerpoint/2012/main" showMasterPhAnim="0" showMasterSp="0">
+<p:notes xmlns:a="http://schemas.openxmlformats.org/drawingml/2006/main" xmlns:r="http://schemas.openxmlformats.org/officeDocument/2006/relationships" xmlns:p="http://schemas.openxmlformats.org/presentationml/2006/main" showMasterSp="0" showMasterPhAnim="0">
   <p:cSld>
     <p:spTree>
       <p:nvGrpSpPr>
-        <p:cNvPr id="84" name="Shape 84"/>
+        <p:cNvPr id="1" name="Shape 84"/>
         <p:cNvGrpSpPr/>
         <p:nvPr/>
       </p:nvGrpSpPr>
@@ -1612,19 +1682,26 @@
       <p:sp>
         <p:nvSpPr>
           <p:cNvPr id="85" name="Shape 85"/>
-          <p:cNvSpPr/>
+          <p:cNvSpPr>
+            <a:spLocks noGrp="1" noRot="1" noChangeAspect="1"/>
+          </p:cNvSpPr>
           <p:nvPr>
-            <p:ph idx="2" type="sldImg"/>
+            <p:ph type="sldImg" idx="2"/>
           </p:nvPr>
         </p:nvSpPr>
         <p:spPr>
           <a:xfrm>
-            <a:off x="381300" y="685800"/>
+            <a:off x="381000" y="685800"/>
             <a:ext cx="6096000" cy="3429000"/>
           </a:xfrm>
           <a:custGeom>
+            <a:avLst/>
+            <a:gdLst/>
+            <a:ahLst/>
+            <a:cxnLst/>
+            <a:rect l="0" t="0" r="0" b="0"/>
             <a:pathLst>
-              <a:path extrusionOk="0" h="120000" w="120000">
+              <a:path w="120000" h="120000" extrusionOk="0">
                 <a:moveTo>
                   <a:pt x="0" y="0"/>
                 </a:moveTo>
@@ -1646,9 +1723,11 @@
       <p:sp>
         <p:nvSpPr>
           <p:cNvPr id="86" name="Shape 86"/>
-          <p:cNvSpPr txBox="1"/>
+          <p:cNvSpPr txBox="1">
+            <a:spLocks noGrp="1"/>
+          </p:cNvSpPr>
           <p:nvPr>
-            <p:ph idx="1" type="body"/>
+            <p:ph type="body" idx="1"/>
           </p:nvPr>
         </p:nvSpPr>
         <p:spPr>
@@ -1661,12 +1740,12 @@
           </a:prstGeom>
         </p:spPr>
         <p:txBody>
-          <a:bodyPr anchorCtr="0" anchor="t" bIns="91425" lIns="91425" spcFirstLastPara="1" rIns="91425" wrap="square" tIns="91425">
+          <a:bodyPr spcFirstLastPara="1" wrap="square" lIns="91425" tIns="91425" rIns="91425" bIns="91425" anchor="t" anchorCtr="0">
             <a:noAutofit/>
           </a:bodyPr>
           <a:lstStyle/>
           <a:p>
-            <a:pPr indent="0" lvl="0" marL="0">
+            <a:pPr marL="0" lvl="0" indent="0">
               <a:spcBef>
                 <a:spcPts val="0"/>
               </a:spcBef>
@@ -1675,9 +1754,6 @@
               </a:spcAft>
               <a:buNone/>
             </a:pPr>
-            <a:r>
-              <a:t/>
-            </a:r>
             <a:endParaRPr/>
           </a:p>
         </p:txBody>
@@ -1691,11 +1767,11 @@
 </file>
 
 <file path=ppt/notesSlides/notesSlide6.xml><?xml version="1.0" encoding="utf-8"?>
-<p:notes xmlns:a="http://schemas.openxmlformats.org/drawingml/2006/main" xmlns:r="http://schemas.openxmlformats.org/officeDocument/2006/relationships" xmlns:mc="http://schemas.openxmlformats.org/markup-compatibility/2006" xmlns:mv="urn:schemas-microsoft-com:mac:vml" xmlns:p="http://schemas.openxmlformats.org/presentationml/2006/main" xmlns:c="http://schemas.openxmlformats.org/drawingml/2006/chart" xmlns:dgm="http://schemas.openxmlformats.org/drawingml/2006/diagram" xmlns:o="urn:schemas-microsoft-com:office:office" xmlns:v="urn:schemas-microsoft-com:vml" xmlns:pvml="urn:schemas-microsoft-com:office:powerpoint" xmlns:com="http://schemas.openxmlformats.org/drawingml/2006/compatibility" xmlns:p14="http://schemas.microsoft.com/office/powerpoint/2010/main" xmlns:p15="http://schemas.microsoft.com/office/powerpoint/2012/main" showMasterPhAnim="0" showMasterSp="0">
+<p:notes xmlns:a="http://schemas.openxmlformats.org/drawingml/2006/main" xmlns:r="http://schemas.openxmlformats.org/officeDocument/2006/relationships" xmlns:p="http://schemas.openxmlformats.org/presentationml/2006/main" showMasterSp="0" showMasterPhAnim="0">
   <p:cSld>
     <p:spTree>
       <p:nvGrpSpPr>
-        <p:cNvPr id="90" name="Shape 90"/>
+        <p:cNvPr id="1" name="Shape 90"/>
         <p:cNvGrpSpPr/>
         <p:nvPr/>
       </p:nvGrpSpPr>
@@ -1710,19 +1786,26 @@
       <p:sp>
         <p:nvSpPr>
           <p:cNvPr id="91" name="Shape 91"/>
-          <p:cNvSpPr/>
+          <p:cNvSpPr>
+            <a:spLocks noGrp="1" noRot="1" noChangeAspect="1"/>
+          </p:cNvSpPr>
           <p:nvPr>
-            <p:ph idx="2" type="sldImg"/>
+            <p:ph type="sldImg" idx="2"/>
           </p:nvPr>
         </p:nvSpPr>
         <p:spPr>
           <a:xfrm>
-            <a:off x="381300" y="685800"/>
+            <a:off x="381000" y="685800"/>
             <a:ext cx="6096000" cy="3429000"/>
           </a:xfrm>
           <a:custGeom>
+            <a:avLst/>
+            <a:gdLst/>
+            <a:ahLst/>
+            <a:cxnLst/>
+            <a:rect l="0" t="0" r="0" b="0"/>
             <a:pathLst>
-              <a:path extrusionOk="0" h="120000" w="120000">
+              <a:path w="120000" h="120000" extrusionOk="0">
                 <a:moveTo>
                   <a:pt x="0" y="0"/>
                 </a:moveTo>
@@ -1744,9 +1827,11 @@
       <p:sp>
         <p:nvSpPr>
           <p:cNvPr id="92" name="Shape 92"/>
-          <p:cNvSpPr txBox="1"/>
+          <p:cNvSpPr txBox="1">
+            <a:spLocks noGrp="1"/>
+          </p:cNvSpPr>
           <p:nvPr>
-            <p:ph idx="1" type="body"/>
+            <p:ph type="body" idx="1"/>
           </p:nvPr>
         </p:nvSpPr>
         <p:spPr>
@@ -1759,12 +1844,12 @@
           </a:prstGeom>
         </p:spPr>
         <p:txBody>
-          <a:bodyPr anchorCtr="0" anchor="t" bIns="91425" lIns="91425" spcFirstLastPara="1" rIns="91425" wrap="square" tIns="91425">
+          <a:bodyPr spcFirstLastPara="1" wrap="square" lIns="91425" tIns="91425" rIns="91425" bIns="91425" anchor="t" anchorCtr="0">
             <a:noAutofit/>
           </a:bodyPr>
           <a:lstStyle/>
           <a:p>
-            <a:pPr indent="0" lvl="0" marL="0" rtl="0">
+            <a:pPr marL="0" lvl="0" indent="0" rtl="0">
               <a:spcBef>
                 <a:spcPts val="0"/>
               </a:spcBef>
@@ -1773,9 +1858,6 @@
               </a:spcAft>
               <a:buNone/>
             </a:pPr>
-            <a:r>
-              <a:t/>
-            </a:r>
             <a:endParaRPr/>
           </a:p>
         </p:txBody>
@@ -1789,11 +1871,11 @@
 </file>
 
 <file path=ppt/notesSlides/notesSlide7.xml><?xml version="1.0" encoding="utf-8"?>
-<p:notes xmlns:a="http://schemas.openxmlformats.org/drawingml/2006/main" xmlns:r="http://schemas.openxmlformats.org/officeDocument/2006/relationships" xmlns:mc="http://schemas.openxmlformats.org/markup-compatibility/2006" xmlns:mv="urn:schemas-microsoft-com:mac:vml" xmlns:p="http://schemas.openxmlformats.org/presentationml/2006/main" xmlns:c="http://schemas.openxmlformats.org/drawingml/2006/chart" xmlns:dgm="http://schemas.openxmlformats.org/drawingml/2006/diagram" xmlns:o="urn:schemas-microsoft-com:office:office" xmlns:v="urn:schemas-microsoft-com:vml" xmlns:pvml="urn:schemas-microsoft-com:office:powerpoint" xmlns:com="http://schemas.openxmlformats.org/drawingml/2006/compatibility" xmlns:p14="http://schemas.microsoft.com/office/powerpoint/2010/main" xmlns:p15="http://schemas.microsoft.com/office/powerpoint/2012/main" showMasterPhAnim="0" showMasterSp="0">
+<p:notes xmlns:a="http://schemas.openxmlformats.org/drawingml/2006/main" xmlns:r="http://schemas.openxmlformats.org/officeDocument/2006/relationships" xmlns:p="http://schemas.openxmlformats.org/presentationml/2006/main" showMasterSp="0" showMasterPhAnim="0">
   <p:cSld>
     <p:spTree>
       <p:nvGrpSpPr>
-        <p:cNvPr id="96" name="Shape 96"/>
+        <p:cNvPr id="1" name="Shape 96"/>
         <p:cNvGrpSpPr/>
         <p:nvPr/>
       </p:nvGrpSpPr>
@@ -1808,19 +1890,26 @@
       <p:sp>
         <p:nvSpPr>
           <p:cNvPr id="97" name="Shape 97"/>
-          <p:cNvSpPr/>
+          <p:cNvSpPr>
+            <a:spLocks noGrp="1" noRot="1" noChangeAspect="1"/>
+          </p:cNvSpPr>
           <p:nvPr>
-            <p:ph idx="2" type="sldImg"/>
+            <p:ph type="sldImg" idx="2"/>
           </p:nvPr>
         </p:nvSpPr>
         <p:spPr>
           <a:xfrm>
-            <a:off x="381300" y="685800"/>
+            <a:off x="381000" y="685800"/>
             <a:ext cx="6096000" cy="3429000"/>
           </a:xfrm>
           <a:custGeom>
+            <a:avLst/>
+            <a:gdLst/>
+            <a:ahLst/>
+            <a:cxnLst/>
+            <a:rect l="0" t="0" r="0" b="0"/>
             <a:pathLst>
-              <a:path extrusionOk="0" h="120000" w="120000">
+              <a:path w="120000" h="120000" extrusionOk="0">
                 <a:moveTo>
                   <a:pt x="0" y="0"/>
                 </a:moveTo>
@@ -1842,9 +1931,11 @@
       <p:sp>
         <p:nvSpPr>
           <p:cNvPr id="98" name="Shape 98"/>
-          <p:cNvSpPr txBox="1"/>
+          <p:cNvSpPr txBox="1">
+            <a:spLocks noGrp="1"/>
+          </p:cNvSpPr>
           <p:nvPr>
-            <p:ph idx="1" type="body"/>
+            <p:ph type="body" idx="1"/>
           </p:nvPr>
         </p:nvSpPr>
         <p:spPr>
@@ -1857,12 +1948,12 @@
           </a:prstGeom>
         </p:spPr>
         <p:txBody>
-          <a:bodyPr anchorCtr="0" anchor="t" bIns="91425" lIns="91425" spcFirstLastPara="1" rIns="91425" wrap="square" tIns="91425">
+          <a:bodyPr spcFirstLastPara="1" wrap="square" lIns="91425" tIns="91425" rIns="91425" bIns="91425" anchor="t" anchorCtr="0">
             <a:noAutofit/>
           </a:bodyPr>
           <a:lstStyle/>
           <a:p>
-            <a:pPr indent="0" lvl="0" marL="0">
+            <a:pPr marL="0" lvl="0" indent="0">
               <a:spcBef>
                 <a:spcPts val="0"/>
               </a:spcBef>
@@ -1871,9 +1962,6 @@
               </a:spcAft>
               <a:buNone/>
             </a:pPr>
-            <a:r>
-              <a:t/>
-            </a:r>
             <a:endParaRPr/>
           </a:p>
         </p:txBody>
@@ -1887,11 +1975,11 @@
 </file>
 
 <file path=ppt/notesSlides/notesSlide8.xml><?xml version="1.0" encoding="utf-8"?>
-<p:notes xmlns:a="http://schemas.openxmlformats.org/drawingml/2006/main" xmlns:r="http://schemas.openxmlformats.org/officeDocument/2006/relationships" xmlns:mc="http://schemas.openxmlformats.org/markup-compatibility/2006" xmlns:mv="urn:schemas-microsoft-com:mac:vml" xmlns:p="http://schemas.openxmlformats.org/presentationml/2006/main" xmlns:c="http://schemas.openxmlformats.org/drawingml/2006/chart" xmlns:dgm="http://schemas.openxmlformats.org/drawingml/2006/diagram" xmlns:o="urn:schemas-microsoft-com:office:office" xmlns:v="urn:schemas-microsoft-com:vml" xmlns:pvml="urn:schemas-microsoft-com:office:powerpoint" xmlns:com="http://schemas.openxmlformats.org/drawingml/2006/compatibility" xmlns:p14="http://schemas.microsoft.com/office/powerpoint/2010/main" xmlns:p15="http://schemas.microsoft.com/office/powerpoint/2012/main" showMasterPhAnim="0" showMasterSp="0">
+<p:notes xmlns:a="http://schemas.openxmlformats.org/drawingml/2006/main" xmlns:r="http://schemas.openxmlformats.org/officeDocument/2006/relationships" xmlns:p="http://schemas.openxmlformats.org/presentationml/2006/main" showMasterSp="0" showMasterPhAnim="0">
   <p:cSld>
     <p:spTree>
       <p:nvGrpSpPr>
-        <p:cNvPr id="103" name="Shape 103"/>
+        <p:cNvPr id="1" name="Shape 103"/>
         <p:cNvGrpSpPr/>
         <p:nvPr/>
       </p:nvGrpSpPr>
@@ -1906,19 +1994,26 @@
       <p:sp>
         <p:nvSpPr>
           <p:cNvPr id="104" name="Shape 104"/>
-          <p:cNvSpPr/>
+          <p:cNvSpPr>
+            <a:spLocks noGrp="1" noRot="1" noChangeAspect="1"/>
+          </p:cNvSpPr>
           <p:nvPr>
-            <p:ph idx="2" type="sldImg"/>
+            <p:ph type="sldImg" idx="2"/>
           </p:nvPr>
         </p:nvSpPr>
         <p:spPr>
           <a:xfrm>
-            <a:off x="381300" y="685800"/>
+            <a:off x="381000" y="685800"/>
             <a:ext cx="6096000" cy="3429000"/>
           </a:xfrm>
           <a:custGeom>
+            <a:avLst/>
+            <a:gdLst/>
+            <a:ahLst/>
+            <a:cxnLst/>
+            <a:rect l="0" t="0" r="0" b="0"/>
             <a:pathLst>
-              <a:path extrusionOk="0" h="120000" w="120000">
+              <a:path w="120000" h="120000" extrusionOk="0">
                 <a:moveTo>
                   <a:pt x="0" y="0"/>
                 </a:moveTo>
@@ -1940,9 +2035,11 @@
       <p:sp>
         <p:nvSpPr>
           <p:cNvPr id="105" name="Shape 105"/>
-          <p:cNvSpPr txBox="1"/>
+          <p:cNvSpPr txBox="1">
+            <a:spLocks noGrp="1"/>
+          </p:cNvSpPr>
           <p:nvPr>
-            <p:ph idx="1" type="body"/>
+            <p:ph type="body" idx="1"/>
           </p:nvPr>
         </p:nvSpPr>
         <p:spPr>
@@ -1955,12 +2052,12 @@
           </a:prstGeom>
         </p:spPr>
         <p:txBody>
-          <a:bodyPr anchorCtr="0" anchor="t" bIns="91425" lIns="91425" spcFirstLastPara="1" rIns="91425" wrap="square" tIns="91425">
+          <a:bodyPr spcFirstLastPara="1" wrap="square" lIns="91425" tIns="91425" rIns="91425" bIns="91425" anchor="t" anchorCtr="0">
             <a:noAutofit/>
           </a:bodyPr>
           <a:lstStyle/>
           <a:p>
-            <a:pPr indent="0" lvl="0" marL="0">
+            <a:pPr marL="0" lvl="0" indent="0">
               <a:spcBef>
                 <a:spcPts val="0"/>
               </a:spcBef>
@@ -1969,9 +2066,6 @@
               </a:spcAft>
               <a:buNone/>
             </a:pPr>
-            <a:r>
-              <a:t/>
-            </a:r>
             <a:endParaRPr/>
           </a:p>
         </p:txBody>
@@ -1985,11 +2079,11 @@
 </file>
 
 <file path=ppt/notesSlides/notesSlide9.xml><?xml version="1.0" encoding="utf-8"?>
-<p:notes xmlns:a="http://schemas.openxmlformats.org/drawingml/2006/main" xmlns:r="http://schemas.openxmlformats.org/officeDocument/2006/relationships" xmlns:mc="http://schemas.openxmlformats.org/markup-compatibility/2006" xmlns:mv="urn:schemas-microsoft-com:mac:vml" xmlns:p="http://schemas.openxmlformats.org/presentationml/2006/main" xmlns:c="http://schemas.openxmlformats.org/drawingml/2006/chart" xmlns:dgm="http://schemas.openxmlformats.org/drawingml/2006/diagram" xmlns:o="urn:schemas-microsoft-com:office:office" xmlns:v="urn:schemas-microsoft-com:vml" xmlns:pvml="urn:schemas-microsoft-com:office:powerpoint" xmlns:com="http://schemas.openxmlformats.org/drawingml/2006/compatibility" xmlns:p14="http://schemas.microsoft.com/office/powerpoint/2010/main" xmlns:p15="http://schemas.microsoft.com/office/powerpoint/2012/main" showMasterPhAnim="0" showMasterSp="0">
+<p:notes xmlns:a="http://schemas.openxmlformats.org/drawingml/2006/main" xmlns:r="http://schemas.openxmlformats.org/officeDocument/2006/relationships" xmlns:p="http://schemas.openxmlformats.org/presentationml/2006/main" showMasterSp="0" showMasterPhAnim="0">
   <p:cSld>
     <p:spTree>
       <p:nvGrpSpPr>
-        <p:cNvPr id="110" name="Shape 110"/>
+        <p:cNvPr id="1" name="Shape 110"/>
         <p:cNvGrpSpPr/>
         <p:nvPr/>
       </p:nvGrpSpPr>
@@ -2004,19 +2098,26 @@
       <p:sp>
         <p:nvSpPr>
           <p:cNvPr id="111" name="Shape 111"/>
-          <p:cNvSpPr/>
+          <p:cNvSpPr>
+            <a:spLocks noGrp="1" noRot="1" noChangeAspect="1"/>
+          </p:cNvSpPr>
           <p:nvPr>
-            <p:ph idx="2" type="sldImg"/>
+            <p:ph type="sldImg" idx="2"/>
           </p:nvPr>
         </p:nvSpPr>
         <p:spPr>
           <a:xfrm>
-            <a:off x="381300" y="685800"/>
+            <a:off x="381000" y="685800"/>
             <a:ext cx="6096000" cy="3429000"/>
           </a:xfrm>
           <a:custGeom>
+            <a:avLst/>
+            <a:gdLst/>
+            <a:ahLst/>
+            <a:cxnLst/>
+            <a:rect l="0" t="0" r="0" b="0"/>
             <a:pathLst>
-              <a:path extrusionOk="0" h="120000" w="120000">
+              <a:path w="120000" h="120000" extrusionOk="0">
                 <a:moveTo>
                   <a:pt x="0" y="0"/>
                 </a:moveTo>
@@ -2038,9 +2139,11 @@
       <p:sp>
         <p:nvSpPr>
           <p:cNvPr id="112" name="Shape 112"/>
-          <p:cNvSpPr txBox="1"/>
+          <p:cNvSpPr txBox="1">
+            <a:spLocks noGrp="1"/>
+          </p:cNvSpPr>
           <p:nvPr>
-            <p:ph idx="1" type="body"/>
+            <p:ph type="body" idx="1"/>
           </p:nvPr>
         </p:nvSpPr>
         <p:spPr>
@@ -2053,12 +2156,12 @@
           </a:prstGeom>
         </p:spPr>
         <p:txBody>
-          <a:bodyPr anchorCtr="0" anchor="t" bIns="91425" lIns="91425" spcFirstLastPara="1" rIns="91425" wrap="square" tIns="91425">
+          <a:bodyPr spcFirstLastPara="1" wrap="square" lIns="91425" tIns="91425" rIns="91425" bIns="91425" anchor="t" anchorCtr="0">
             <a:noAutofit/>
           </a:bodyPr>
           <a:lstStyle/>
           <a:p>
-            <a:pPr indent="0" lvl="0" marL="0">
+            <a:pPr marL="0" lvl="0" indent="0">
               <a:spcBef>
                 <a:spcPts val="0"/>
               </a:spcBef>
@@ -2067,9 +2170,6 @@
               </a:spcAft>
               <a:buNone/>
             </a:pPr>
-            <a:r>
-              <a:t/>
-            </a:r>
             <a:endParaRPr/>
           </a:p>
         </p:txBody>
@@ -2083,11 +2183,11 @@
 </file>
 
 <file path=ppt/slideLayouts/slideLayout1.xml><?xml version="1.0" encoding="utf-8"?>
-<p:sldLayout xmlns:a="http://schemas.openxmlformats.org/drawingml/2006/main" xmlns:r="http://schemas.openxmlformats.org/officeDocument/2006/relationships" xmlns:mc="http://schemas.openxmlformats.org/markup-compatibility/2006" xmlns:mv="urn:schemas-microsoft-com:mac:vml" xmlns:p="http://schemas.openxmlformats.org/presentationml/2006/main" xmlns:c="http://schemas.openxmlformats.org/drawingml/2006/chart" xmlns:dgm="http://schemas.openxmlformats.org/drawingml/2006/diagram" xmlns:o="urn:schemas-microsoft-com:office:office" xmlns:v="urn:schemas-microsoft-com:vml" xmlns:pvml="urn:schemas-microsoft-com:office:powerpoint" xmlns:com="http://schemas.openxmlformats.org/drawingml/2006/compatibility" xmlns:p14="http://schemas.microsoft.com/office/powerpoint/2010/main" xmlns:p15="http://schemas.microsoft.com/office/powerpoint/2012/main" matchingName="Title slide" type="title">
+<p:sldLayout xmlns:a="http://schemas.openxmlformats.org/drawingml/2006/main" xmlns:r="http://schemas.openxmlformats.org/officeDocument/2006/relationships" xmlns:p="http://schemas.openxmlformats.org/presentationml/2006/main" matchingName="Title slide" type="title">
   <p:cSld name="TITLE">
     <p:spTree>
       <p:nvGrpSpPr>
-        <p:cNvPr id="9" name="Shape 9"/>
+        <p:cNvPr id="1" name="Shape 9"/>
         <p:cNvGrpSpPr/>
         <p:nvPr/>
       </p:nvGrpSpPr>
@@ -2111,8 +2211,13 @@
             <a:ext cx="1081625" cy="1124950"/>
           </a:xfrm>
           <a:custGeom>
+            <a:avLst/>
+            <a:gdLst/>
+            <a:ahLst/>
+            <a:cxnLst/>
+            <a:rect l="0" t="0" r="0" b="0"/>
             <a:pathLst>
-              <a:path extrusionOk="0" h="44998" w="43265">
+              <a:path w="43265" h="44998" extrusionOk="0">
                 <a:moveTo>
                   <a:pt x="0" y="44998"/>
                 </a:moveTo>
@@ -2126,14 +2231,14 @@
             </a:pathLst>
           </a:custGeom>
           <a:noFill/>
-          <a:ln cap="flat" cmpd="sng" w="28575">
+          <a:ln w="28575" cap="flat" cmpd="sng">
             <a:solidFill>
               <a:schemeClr val="accent5"/>
             </a:solidFill>
             <a:prstDash val="solid"/>
             <a:miter lim="8000"/>
-            <a:headEnd len="sm" w="sm" type="none"/>
-            <a:tailEnd len="sm" w="sm" type="none"/>
+            <a:headEnd type="none" w="sm" len="sm"/>
+            <a:tailEnd type="none" w="sm" len="sm"/>
           </a:ln>
         </p:spPr>
       </p:sp>
@@ -2149,8 +2254,13 @@
             <a:ext cx="1081625" cy="1124950"/>
           </a:xfrm>
           <a:custGeom>
+            <a:avLst/>
+            <a:gdLst/>
+            <a:ahLst/>
+            <a:cxnLst/>
+            <a:rect l="0" t="0" r="0" b="0"/>
             <a:pathLst>
-              <a:path extrusionOk="0" h="44998" w="43265">
+              <a:path w="43265" h="44998" extrusionOk="0">
                 <a:moveTo>
                   <a:pt x="0" y="44998"/>
                 </a:moveTo>
@@ -2164,14 +2274,14 @@
             </a:pathLst>
           </a:custGeom>
           <a:noFill/>
-          <a:ln cap="flat" cmpd="sng" w="28575">
+          <a:ln w="28575" cap="flat" cmpd="sng">
             <a:solidFill>
               <a:schemeClr val="accent5"/>
             </a:solidFill>
             <a:prstDash val="solid"/>
             <a:miter lim="8000"/>
-            <a:headEnd len="sm" w="sm" type="none"/>
-            <a:tailEnd len="sm" w="sm" type="none"/>
+            <a:headEnd type="none" w="sm" len="sm"/>
+            <a:tailEnd type="none" w="sm" len="sm"/>
           </a:ln>
         </p:spPr>
       </p:sp>
@@ -2190,21 +2300,23 @@
             <a:avLst/>
           </a:prstGeom>
           <a:noFill/>
-          <a:ln cap="flat" cmpd="sng" w="38100">
+          <a:ln w="38100" cap="flat" cmpd="sng">
             <a:solidFill>
               <a:schemeClr val="accent4"/>
             </a:solidFill>
             <a:prstDash val="solid"/>
             <a:round/>
-            <a:headEnd len="sm" w="sm" type="none"/>
-            <a:tailEnd len="sm" w="sm" type="none"/>
+            <a:headEnd type="none" w="sm" len="sm"/>
+            <a:tailEnd type="none" w="sm" len="sm"/>
           </a:ln>
         </p:spPr>
       </p:cxnSp>
       <p:sp>
         <p:nvSpPr>
           <p:cNvPr id="13" name="Shape 13"/>
-          <p:cNvSpPr txBox="1"/>
+          <p:cNvSpPr txBox="1">
+            <a:spLocks noGrp="1"/>
+          </p:cNvSpPr>
           <p:nvPr>
             <p:ph type="ctrTitle"/>
           </p:nvPr>
@@ -2219,7 +2331,7 @@
           </a:prstGeom>
         </p:spPr>
         <p:txBody>
-          <a:bodyPr anchorCtr="0" anchor="b" bIns="91425" lIns="91425" spcFirstLastPara="1" rIns="91425" wrap="square" tIns="91425"/>
+          <a:bodyPr spcFirstLastPara="1" wrap="square" lIns="91425" tIns="91425" rIns="91425" bIns="91425" anchor="b" anchorCtr="0"/>
           <a:lstStyle>
             <a:lvl1pPr lvl="0" algn="ctr">
               <a:spcBef>
@@ -2321,15 +2433,19 @@
               <a:defRPr sz="4000"/>
             </a:lvl9pPr>
           </a:lstStyle>
-          <a:p/>
+          <a:p>
+            <a:endParaRPr/>
+          </a:p>
         </p:txBody>
       </p:sp>
       <p:sp>
         <p:nvSpPr>
           <p:cNvPr id="14" name="Shape 14"/>
-          <p:cNvSpPr txBox="1"/>
+          <p:cNvSpPr txBox="1">
+            <a:spLocks noGrp="1"/>
+          </p:cNvSpPr>
           <p:nvPr>
-            <p:ph idx="1" type="subTitle"/>
+            <p:ph type="subTitle" idx="1"/>
           </p:nvPr>
         </p:nvSpPr>
         <p:spPr>
@@ -2342,7 +2458,7 @@
           </a:prstGeom>
         </p:spPr>
         <p:txBody>
-          <a:bodyPr anchorCtr="0" anchor="t" bIns="91425" lIns="91425" spcFirstLastPara="1" rIns="91425" wrap="square" tIns="91425"/>
+          <a:bodyPr spcFirstLastPara="1" wrap="square" lIns="91425" tIns="91425" rIns="91425" bIns="91425" anchor="t" anchorCtr="0"/>
           <a:lstStyle>
             <a:lvl1pPr lvl="0" algn="ctr">
               <a:lnSpc>
@@ -2579,15 +2695,19 @@
               </a:defRPr>
             </a:lvl9pPr>
           </a:lstStyle>
-          <a:p/>
+          <a:p>
+            <a:endParaRPr/>
+          </a:p>
         </p:txBody>
       </p:sp>
       <p:sp>
         <p:nvSpPr>
           <p:cNvPr id="15" name="Shape 15"/>
-          <p:cNvSpPr txBox="1"/>
+          <p:cNvSpPr txBox="1">
+            <a:spLocks noGrp="1"/>
+          </p:cNvSpPr>
           <p:nvPr>
-            <p:ph idx="12" type="sldNum"/>
+            <p:ph type="sldNum" idx="12"/>
           </p:nvPr>
         </p:nvSpPr>
         <p:spPr>
@@ -2600,7 +2720,7 @@
           </a:prstGeom>
         </p:spPr>
         <p:txBody>
-          <a:bodyPr anchorCtr="0" anchor="ctr" bIns="91425" lIns="91425" spcFirstLastPara="1" rIns="91425" wrap="square" tIns="91425">
+          <a:bodyPr spcFirstLastPara="1" wrap="square" lIns="91425" tIns="91425" rIns="91425" bIns="91425" anchor="ctr" anchorCtr="0">
             <a:noAutofit/>
           </a:bodyPr>
           <a:lstStyle>
@@ -2642,7 +2762,7 @@
             </a:lvl9pPr>
           </a:lstStyle>
           <a:p>
-            <a:pPr indent="0" lvl="0" marL="0">
+            <a:pPr marL="0" lvl="0" indent="0">
               <a:spcBef>
                 <a:spcPts val="0"/>
               </a:spcBef>
@@ -2668,11 +2788,11 @@
 </file>
 
 <file path=ppt/slideLayouts/slideLayout10.xml><?xml version="1.0" encoding="utf-8"?>
-<p:sldLayout xmlns:a="http://schemas.openxmlformats.org/drawingml/2006/main" xmlns:r="http://schemas.openxmlformats.org/officeDocument/2006/relationships" xmlns:mc="http://schemas.openxmlformats.org/markup-compatibility/2006" xmlns:mv="urn:schemas-microsoft-com:mac:vml" xmlns:p="http://schemas.openxmlformats.org/presentationml/2006/main" xmlns:c="http://schemas.openxmlformats.org/drawingml/2006/chart" xmlns:dgm="http://schemas.openxmlformats.org/drawingml/2006/diagram" xmlns:o="urn:schemas-microsoft-com:office:office" xmlns:v="urn:schemas-microsoft-com:vml" xmlns:pvml="urn:schemas-microsoft-com:office:powerpoint" xmlns:com="http://schemas.openxmlformats.org/drawingml/2006/compatibility" xmlns:p14="http://schemas.microsoft.com/office/powerpoint/2010/main" xmlns:p15="http://schemas.microsoft.com/office/powerpoint/2012/main" matchingName="Big number">
+<p:sldLayout xmlns:a="http://schemas.openxmlformats.org/drawingml/2006/main" xmlns:r="http://schemas.openxmlformats.org/officeDocument/2006/relationships" xmlns:p="http://schemas.openxmlformats.org/presentationml/2006/main" matchingName="Big number">
   <p:cSld name="BIG_NUMBER">
     <p:spTree>
       <p:nvGrpSpPr>
-        <p:cNvPr id="52" name="Shape 52"/>
+        <p:cNvPr id="1" name="Shape 52"/>
         <p:cNvGrpSpPr/>
         <p:nvPr/>
       </p:nvGrpSpPr>
@@ -2706,12 +2826,12 @@
           </a:ln>
         </p:spPr>
         <p:txBody>
-          <a:bodyPr anchorCtr="0" anchor="ctr" bIns="91425" lIns="91425" spcFirstLastPara="1" rIns="91425" wrap="square" tIns="91425">
+          <a:bodyPr spcFirstLastPara="1" wrap="square" lIns="91425" tIns="91425" rIns="91425" bIns="91425" anchor="ctr" anchorCtr="0">
             <a:noAutofit/>
           </a:bodyPr>
           <a:lstStyle/>
           <a:p>
-            <a:pPr indent="0" lvl="0" marL="0">
+            <a:pPr marL="0" lvl="0" indent="0">
               <a:spcBef>
                 <a:spcPts val="0"/>
               </a:spcBef>
@@ -2720,9 +2840,6 @@
               </a:spcAft>
               <a:buNone/>
             </a:pPr>
-            <a:r>
-              <a:t/>
-            </a:r>
             <a:endParaRPr/>
           </a:p>
         </p:txBody>
@@ -2730,9 +2847,11 @@
       <p:sp>
         <p:nvSpPr>
           <p:cNvPr id="54" name="Shape 54"/>
-          <p:cNvSpPr txBox="1"/>
+          <p:cNvSpPr txBox="1">
+            <a:spLocks noGrp="1"/>
+          </p:cNvSpPr>
           <p:nvPr>
-            <p:ph hasCustomPrompt="1" type="title"/>
+            <p:ph type="title" hasCustomPrompt="1"/>
           </p:nvPr>
         </p:nvSpPr>
         <p:spPr>
@@ -2745,7 +2864,7 @@
           </a:prstGeom>
         </p:spPr>
         <p:txBody>
-          <a:bodyPr anchorCtr="0" anchor="ctr" bIns="91425" lIns="91425" spcFirstLastPara="1" rIns="91425" wrap="square" tIns="91425"/>
+          <a:bodyPr spcFirstLastPara="1" wrap="square" lIns="91425" tIns="91425" rIns="91425" bIns="91425" anchor="ctr" anchorCtr="0"/>
           <a:lstStyle>
             <a:lvl1pPr lvl="0" algn="ctr">
               <a:spcBef>
@@ -2920,9 +3039,11 @@
       <p:sp>
         <p:nvSpPr>
           <p:cNvPr id="55" name="Shape 55"/>
-          <p:cNvSpPr txBox="1"/>
+          <p:cNvSpPr txBox="1">
+            <a:spLocks noGrp="1"/>
+          </p:cNvSpPr>
           <p:nvPr>
-            <p:ph idx="1" type="body"/>
+            <p:ph type="body" idx="1"/>
           </p:nvPr>
         </p:nvSpPr>
         <p:spPr>
@@ -2935,9 +3056,9 @@
           </a:prstGeom>
         </p:spPr>
         <p:txBody>
-          <a:bodyPr anchorCtr="0" anchor="t" bIns="91425" lIns="91425" spcFirstLastPara="1" rIns="91425" wrap="square" tIns="91425"/>
+          <a:bodyPr spcFirstLastPara="1" wrap="square" lIns="91425" tIns="91425" rIns="91425" bIns="91425" anchor="t" anchorCtr="0"/>
           <a:lstStyle>
-            <a:lvl1pPr indent="-342900" lvl="0" marL="457200" algn="ctr">
+            <a:lvl1pPr marL="457200" lvl="0" indent="-342900" algn="ctr">
               <a:spcBef>
                 <a:spcPts val="0"/>
               </a:spcBef>
@@ -2948,7 +3069,7 @@
               <a:buChar char="●"/>
               <a:defRPr/>
             </a:lvl1pPr>
-            <a:lvl2pPr indent="-317500" lvl="1" marL="914400" algn="ctr">
+            <a:lvl2pPr marL="914400" lvl="1" indent="-317500" algn="ctr">
               <a:spcBef>
                 <a:spcPts val="1600"/>
               </a:spcBef>
@@ -2959,7 +3080,7 @@
               <a:buChar char="○"/>
               <a:defRPr/>
             </a:lvl2pPr>
-            <a:lvl3pPr indent="-317500" lvl="2" marL="1371600" algn="ctr">
+            <a:lvl3pPr marL="1371600" lvl="2" indent="-317500" algn="ctr">
               <a:spcBef>
                 <a:spcPts val="1600"/>
               </a:spcBef>
@@ -2970,7 +3091,7 @@
               <a:buChar char="■"/>
               <a:defRPr/>
             </a:lvl3pPr>
-            <a:lvl4pPr indent="-317500" lvl="3" marL="1828800" algn="ctr">
+            <a:lvl4pPr marL="1828800" lvl="3" indent="-317500" algn="ctr">
               <a:spcBef>
                 <a:spcPts val="1600"/>
               </a:spcBef>
@@ -2981,7 +3102,7 @@
               <a:buChar char="●"/>
               <a:defRPr/>
             </a:lvl4pPr>
-            <a:lvl5pPr indent="-317500" lvl="4" marL="2286000" algn="ctr">
+            <a:lvl5pPr marL="2286000" lvl="4" indent="-317500" algn="ctr">
               <a:spcBef>
                 <a:spcPts val="1600"/>
               </a:spcBef>
@@ -2992,7 +3113,7 @@
               <a:buChar char="○"/>
               <a:defRPr/>
             </a:lvl5pPr>
-            <a:lvl6pPr indent="-317500" lvl="5" marL="2743200" algn="ctr">
+            <a:lvl6pPr marL="2743200" lvl="5" indent="-317500" algn="ctr">
               <a:spcBef>
                 <a:spcPts val="1600"/>
               </a:spcBef>
@@ -3003,7 +3124,7 @@
               <a:buChar char="■"/>
               <a:defRPr/>
             </a:lvl6pPr>
-            <a:lvl7pPr indent="-317500" lvl="6" marL="3200400" algn="ctr">
+            <a:lvl7pPr marL="3200400" lvl="6" indent="-317500" algn="ctr">
               <a:spcBef>
                 <a:spcPts val="1600"/>
               </a:spcBef>
@@ -3014,7 +3135,7 @@
               <a:buChar char="●"/>
               <a:defRPr/>
             </a:lvl7pPr>
-            <a:lvl8pPr indent="-317500" lvl="7" marL="3657600" algn="ctr">
+            <a:lvl8pPr marL="3657600" lvl="7" indent="-317500" algn="ctr">
               <a:spcBef>
                 <a:spcPts val="1600"/>
               </a:spcBef>
@@ -3025,7 +3146,7 @@
               <a:buChar char="○"/>
               <a:defRPr/>
             </a:lvl8pPr>
-            <a:lvl9pPr indent="-317500" lvl="8" marL="4114800" algn="ctr">
+            <a:lvl9pPr marL="4114800" lvl="8" indent="-317500" algn="ctr">
               <a:spcBef>
                 <a:spcPts val="1600"/>
               </a:spcBef>
@@ -3037,15 +3158,19 @@
               <a:defRPr/>
             </a:lvl9pPr>
           </a:lstStyle>
-          <a:p/>
+          <a:p>
+            <a:endParaRPr/>
+          </a:p>
         </p:txBody>
       </p:sp>
       <p:sp>
         <p:nvSpPr>
           <p:cNvPr id="56" name="Shape 56"/>
-          <p:cNvSpPr txBox="1"/>
+          <p:cNvSpPr txBox="1">
+            <a:spLocks noGrp="1"/>
+          </p:cNvSpPr>
           <p:nvPr>
-            <p:ph idx="12" type="sldNum"/>
+            <p:ph type="sldNum" idx="12"/>
           </p:nvPr>
         </p:nvSpPr>
         <p:spPr>
@@ -3058,7 +3183,7 @@
           </a:prstGeom>
         </p:spPr>
         <p:txBody>
-          <a:bodyPr anchorCtr="0" anchor="ctr" bIns="91425" lIns="91425" spcFirstLastPara="1" rIns="91425" wrap="square" tIns="91425">
+          <a:bodyPr spcFirstLastPara="1" wrap="square" lIns="91425" tIns="91425" rIns="91425" bIns="91425" anchor="ctr" anchorCtr="0">
             <a:noAutofit/>
           </a:bodyPr>
           <a:lstStyle>
@@ -3100,7 +3225,7 @@
             </a:lvl9pPr>
           </a:lstStyle>
           <a:p>
-            <a:pPr indent="0" lvl="0" marL="0">
+            <a:pPr marL="0" lvl="0" indent="0">
               <a:spcBef>
                 <a:spcPts val="0"/>
               </a:spcBef>
@@ -3126,11 +3251,11 @@
 </file>
 
 <file path=ppt/slideLayouts/slideLayout11.xml><?xml version="1.0" encoding="utf-8"?>
-<p:sldLayout xmlns:a="http://schemas.openxmlformats.org/drawingml/2006/main" xmlns:r="http://schemas.openxmlformats.org/officeDocument/2006/relationships" xmlns:mc="http://schemas.openxmlformats.org/markup-compatibility/2006" xmlns:mv="urn:schemas-microsoft-com:mac:vml" xmlns:p="http://schemas.openxmlformats.org/presentationml/2006/main" xmlns:c="http://schemas.openxmlformats.org/drawingml/2006/chart" xmlns:dgm="http://schemas.openxmlformats.org/drawingml/2006/diagram" xmlns:o="urn:schemas-microsoft-com:office:office" xmlns:v="urn:schemas-microsoft-com:vml" xmlns:pvml="urn:schemas-microsoft-com:office:powerpoint" xmlns:com="http://schemas.openxmlformats.org/drawingml/2006/compatibility" xmlns:p14="http://schemas.microsoft.com/office/powerpoint/2010/main" xmlns:p15="http://schemas.microsoft.com/office/powerpoint/2012/main" matchingName="Blank" type="blank">
+<p:sldLayout xmlns:a="http://schemas.openxmlformats.org/drawingml/2006/main" xmlns:r="http://schemas.openxmlformats.org/officeDocument/2006/relationships" xmlns:p="http://schemas.openxmlformats.org/presentationml/2006/main" matchingName="Blank" type="blank">
   <p:cSld name="BLANK">
     <p:spTree>
       <p:nvGrpSpPr>
-        <p:cNvPr id="57" name="Shape 57"/>
+        <p:cNvPr id="1" name="Shape 57"/>
         <p:cNvGrpSpPr/>
         <p:nvPr/>
       </p:nvGrpSpPr>
@@ -3145,9 +3270,11 @@
       <p:sp>
         <p:nvSpPr>
           <p:cNvPr id="58" name="Shape 58"/>
-          <p:cNvSpPr txBox="1"/>
+          <p:cNvSpPr txBox="1">
+            <a:spLocks noGrp="1"/>
+          </p:cNvSpPr>
           <p:nvPr>
-            <p:ph idx="12" type="sldNum"/>
+            <p:ph type="sldNum" idx="12"/>
           </p:nvPr>
         </p:nvSpPr>
         <p:spPr>
@@ -3160,7 +3287,7 @@
           </a:prstGeom>
         </p:spPr>
         <p:txBody>
-          <a:bodyPr anchorCtr="0" anchor="ctr" bIns="91425" lIns="91425" spcFirstLastPara="1" rIns="91425" wrap="square" tIns="91425">
+          <a:bodyPr spcFirstLastPara="1" wrap="square" lIns="91425" tIns="91425" rIns="91425" bIns="91425" anchor="ctr" anchorCtr="0">
             <a:noAutofit/>
           </a:bodyPr>
           <a:lstStyle>
@@ -3202,7 +3329,7 @@
             </a:lvl9pPr>
           </a:lstStyle>
           <a:p>
-            <a:pPr indent="0" lvl="0" marL="0">
+            <a:pPr marL="0" lvl="0" indent="0">
               <a:spcBef>
                 <a:spcPts val="0"/>
               </a:spcBef>
@@ -3228,11 +3355,11 @@
 </file>
 
 <file path=ppt/slideLayouts/slideLayout2.xml><?xml version="1.0" encoding="utf-8"?>
-<p:sldLayout xmlns:a="http://schemas.openxmlformats.org/drawingml/2006/main" xmlns:r="http://schemas.openxmlformats.org/officeDocument/2006/relationships" xmlns:mc="http://schemas.openxmlformats.org/markup-compatibility/2006" xmlns:mv="urn:schemas-microsoft-com:mac:vml" xmlns:p="http://schemas.openxmlformats.org/presentationml/2006/main" xmlns:c="http://schemas.openxmlformats.org/drawingml/2006/chart" xmlns:dgm="http://schemas.openxmlformats.org/drawingml/2006/diagram" xmlns:o="urn:schemas-microsoft-com:office:office" xmlns:v="urn:schemas-microsoft-com:vml" xmlns:pvml="urn:schemas-microsoft-com:office:powerpoint" xmlns:com="http://schemas.openxmlformats.org/drawingml/2006/compatibility" xmlns:p14="http://schemas.microsoft.com/office/powerpoint/2010/main" xmlns:p15="http://schemas.microsoft.com/office/powerpoint/2012/main" matchingName="Section header" type="secHead">
+<p:sldLayout xmlns:a="http://schemas.openxmlformats.org/drawingml/2006/main" xmlns:r="http://schemas.openxmlformats.org/officeDocument/2006/relationships" xmlns:p="http://schemas.openxmlformats.org/presentationml/2006/main" matchingName="Section header" type="secHead">
   <p:cSld name="SECTION_HEADER">
     <p:spTree>
       <p:nvGrpSpPr>
-        <p:cNvPr id="16" name="Shape 16"/>
+        <p:cNvPr id="1" name="Shape 16"/>
         <p:cNvGrpSpPr/>
         <p:nvPr/>
       </p:nvGrpSpPr>
@@ -3259,21 +3386,23 @@
             <a:avLst/>
           </a:prstGeom>
           <a:noFill/>
-          <a:ln cap="flat" cmpd="sng" w="38100">
+          <a:ln w="38100" cap="flat" cmpd="sng">
             <a:solidFill>
               <a:schemeClr val="accent4"/>
             </a:solidFill>
             <a:prstDash val="solid"/>
             <a:round/>
-            <a:headEnd len="sm" w="sm" type="none"/>
-            <a:tailEnd len="sm" w="sm" type="none"/>
+            <a:headEnd type="none" w="sm" len="sm"/>
+            <a:tailEnd type="none" w="sm" len="sm"/>
           </a:ln>
         </p:spPr>
       </p:cxnSp>
       <p:sp>
         <p:nvSpPr>
           <p:cNvPr id="18" name="Shape 18"/>
-          <p:cNvSpPr txBox="1"/>
+          <p:cNvSpPr txBox="1">
+            <a:spLocks noGrp="1"/>
+          </p:cNvSpPr>
           <p:nvPr>
             <p:ph type="title"/>
           </p:nvPr>
@@ -3288,7 +3417,7 @@
           </a:prstGeom>
         </p:spPr>
         <p:txBody>
-          <a:bodyPr anchorCtr="0" anchor="b" bIns="91425" lIns="91425" spcFirstLastPara="1" rIns="91425" wrap="square" tIns="91425"/>
+          <a:bodyPr spcFirstLastPara="1" wrap="square" lIns="91425" tIns="91425" rIns="91425" bIns="91425" anchor="b" anchorCtr="0"/>
           <a:lstStyle>
             <a:lvl1pPr lvl="0" algn="ctr">
               <a:spcBef>
@@ -3390,15 +3519,19 @@
               <a:defRPr sz="4800"/>
             </a:lvl9pPr>
           </a:lstStyle>
-          <a:p/>
+          <a:p>
+            <a:endParaRPr/>
+          </a:p>
         </p:txBody>
       </p:sp>
       <p:sp>
         <p:nvSpPr>
           <p:cNvPr id="19" name="Shape 19"/>
-          <p:cNvSpPr txBox="1"/>
+          <p:cNvSpPr txBox="1">
+            <a:spLocks noGrp="1"/>
+          </p:cNvSpPr>
           <p:nvPr>
-            <p:ph idx="12" type="sldNum"/>
+            <p:ph type="sldNum" idx="12"/>
           </p:nvPr>
         </p:nvSpPr>
         <p:spPr>
@@ -3411,7 +3544,7 @@
           </a:prstGeom>
         </p:spPr>
         <p:txBody>
-          <a:bodyPr anchorCtr="0" anchor="ctr" bIns="91425" lIns="91425" spcFirstLastPara="1" rIns="91425" wrap="square" tIns="91425">
+          <a:bodyPr spcFirstLastPara="1" wrap="square" lIns="91425" tIns="91425" rIns="91425" bIns="91425" anchor="ctr" anchorCtr="0">
             <a:noAutofit/>
           </a:bodyPr>
           <a:lstStyle>
@@ -3453,7 +3586,7 @@
             </a:lvl9pPr>
           </a:lstStyle>
           <a:p>
-            <a:pPr indent="0" lvl="0" marL="0">
+            <a:pPr marL="0" lvl="0" indent="0">
               <a:spcBef>
                 <a:spcPts val="0"/>
               </a:spcBef>
@@ -3479,11 +3612,11 @@
 </file>
 
 <file path=ppt/slideLayouts/slideLayout3.xml><?xml version="1.0" encoding="utf-8"?>
-<p:sldLayout xmlns:a="http://schemas.openxmlformats.org/drawingml/2006/main" xmlns:r="http://schemas.openxmlformats.org/officeDocument/2006/relationships" xmlns:mc="http://schemas.openxmlformats.org/markup-compatibility/2006" xmlns:mv="urn:schemas-microsoft-com:mac:vml" xmlns:p="http://schemas.openxmlformats.org/presentationml/2006/main" xmlns:c="http://schemas.openxmlformats.org/drawingml/2006/chart" xmlns:dgm="http://schemas.openxmlformats.org/drawingml/2006/diagram" xmlns:o="urn:schemas-microsoft-com:office:office" xmlns:v="urn:schemas-microsoft-com:vml" xmlns:pvml="urn:schemas-microsoft-com:office:powerpoint" xmlns:com="http://schemas.openxmlformats.org/drawingml/2006/compatibility" xmlns:p14="http://schemas.microsoft.com/office/powerpoint/2010/main" xmlns:p15="http://schemas.microsoft.com/office/powerpoint/2012/main" matchingName="Title and body" type="tx">
+<p:sldLayout xmlns:a="http://schemas.openxmlformats.org/drawingml/2006/main" xmlns:r="http://schemas.openxmlformats.org/officeDocument/2006/relationships" xmlns:p="http://schemas.openxmlformats.org/presentationml/2006/main" matchingName="Title and body" type="tx">
   <p:cSld name="TITLE_AND_BODY">
     <p:spTree>
       <p:nvGrpSpPr>
-        <p:cNvPr id="20" name="Shape 20"/>
+        <p:cNvPr id="1" name="Shape 20"/>
         <p:cNvGrpSpPr/>
         <p:nvPr/>
       </p:nvGrpSpPr>
@@ -3510,21 +3643,23 @@
             <a:avLst/>
           </a:prstGeom>
           <a:noFill/>
-          <a:ln cap="flat" cmpd="sng" w="38100">
+          <a:ln w="38100" cap="flat" cmpd="sng">
             <a:solidFill>
               <a:schemeClr val="accent4"/>
             </a:solidFill>
             <a:prstDash val="solid"/>
             <a:round/>
-            <a:headEnd len="sm" w="sm" type="none"/>
-            <a:tailEnd len="sm" w="sm" type="none"/>
+            <a:headEnd type="none" w="sm" len="sm"/>
+            <a:tailEnd type="none" w="sm" len="sm"/>
           </a:ln>
         </p:spPr>
       </p:cxnSp>
       <p:sp>
         <p:nvSpPr>
           <p:cNvPr id="22" name="Shape 22"/>
-          <p:cNvSpPr txBox="1"/>
+          <p:cNvSpPr txBox="1">
+            <a:spLocks noGrp="1"/>
+          </p:cNvSpPr>
           <p:nvPr>
             <p:ph type="title"/>
           </p:nvPr>
@@ -3539,7 +3674,7 @@
           </a:prstGeom>
         </p:spPr>
         <p:txBody>
-          <a:bodyPr anchorCtr="0" anchor="b" bIns="91425" lIns="91425" spcFirstLastPara="1" rIns="91425" wrap="square" tIns="91425"/>
+          <a:bodyPr spcFirstLastPara="1" wrap="square" lIns="91425" tIns="91425" rIns="91425" bIns="91425" anchor="b" anchorCtr="0"/>
           <a:lstStyle>
             <a:lvl1pPr lvl="0">
               <a:spcBef>
@@ -3641,15 +3776,19 @@
               <a:defRPr/>
             </a:lvl9pPr>
           </a:lstStyle>
-          <a:p/>
+          <a:p>
+            <a:endParaRPr/>
+          </a:p>
         </p:txBody>
       </p:sp>
       <p:sp>
         <p:nvSpPr>
           <p:cNvPr id="23" name="Shape 23"/>
-          <p:cNvSpPr txBox="1"/>
+          <p:cNvSpPr txBox="1">
+            <a:spLocks noGrp="1"/>
+          </p:cNvSpPr>
           <p:nvPr>
-            <p:ph idx="1" type="body"/>
+            <p:ph type="body" idx="1"/>
           </p:nvPr>
         </p:nvSpPr>
         <p:spPr>
@@ -3662,9 +3801,9 @@
           </a:prstGeom>
         </p:spPr>
         <p:txBody>
-          <a:bodyPr anchorCtr="0" anchor="t" bIns="91425" lIns="91425" spcFirstLastPara="1" rIns="91425" wrap="square" tIns="91425"/>
+          <a:bodyPr spcFirstLastPara="1" wrap="square" lIns="91425" tIns="91425" rIns="91425" bIns="91425" anchor="t" anchorCtr="0"/>
           <a:lstStyle>
-            <a:lvl1pPr indent="-342900" lvl="0" marL="457200">
+            <a:lvl1pPr marL="457200" lvl="0" indent="-342900">
               <a:spcBef>
                 <a:spcPts val="0"/>
               </a:spcBef>
@@ -3675,7 +3814,7 @@
               <a:buChar char="●"/>
               <a:defRPr/>
             </a:lvl1pPr>
-            <a:lvl2pPr indent="-317500" lvl="1" marL="914400">
+            <a:lvl2pPr marL="914400" lvl="1" indent="-317500">
               <a:spcBef>
                 <a:spcPts val="1600"/>
               </a:spcBef>
@@ -3686,7 +3825,7 @@
               <a:buChar char="○"/>
               <a:defRPr/>
             </a:lvl2pPr>
-            <a:lvl3pPr indent="-317500" lvl="2" marL="1371600">
+            <a:lvl3pPr marL="1371600" lvl="2" indent="-317500">
               <a:spcBef>
                 <a:spcPts val="1600"/>
               </a:spcBef>
@@ -3697,7 +3836,7 @@
               <a:buChar char="■"/>
               <a:defRPr/>
             </a:lvl3pPr>
-            <a:lvl4pPr indent="-317500" lvl="3" marL="1828800">
+            <a:lvl4pPr marL="1828800" lvl="3" indent="-317500">
               <a:spcBef>
                 <a:spcPts val="1600"/>
               </a:spcBef>
@@ -3708,7 +3847,7 @@
               <a:buChar char="●"/>
               <a:defRPr/>
             </a:lvl4pPr>
-            <a:lvl5pPr indent="-317500" lvl="4" marL="2286000">
+            <a:lvl5pPr marL="2286000" lvl="4" indent="-317500">
               <a:spcBef>
                 <a:spcPts val="1600"/>
               </a:spcBef>
@@ -3719,7 +3858,7 @@
               <a:buChar char="○"/>
               <a:defRPr/>
             </a:lvl5pPr>
-            <a:lvl6pPr indent="-317500" lvl="5" marL="2743200">
+            <a:lvl6pPr marL="2743200" lvl="5" indent="-317500">
               <a:spcBef>
                 <a:spcPts val="1600"/>
               </a:spcBef>
@@ -3730,7 +3869,7 @@
               <a:buChar char="■"/>
               <a:defRPr/>
             </a:lvl6pPr>
-            <a:lvl7pPr indent="-317500" lvl="6" marL="3200400">
+            <a:lvl7pPr marL="3200400" lvl="6" indent="-317500">
               <a:spcBef>
                 <a:spcPts val="1600"/>
               </a:spcBef>
@@ -3741,7 +3880,7 @@
               <a:buChar char="●"/>
               <a:defRPr/>
             </a:lvl7pPr>
-            <a:lvl8pPr indent="-317500" lvl="7" marL="3657600">
+            <a:lvl8pPr marL="3657600" lvl="7" indent="-317500">
               <a:spcBef>
                 <a:spcPts val="1600"/>
               </a:spcBef>
@@ -3752,7 +3891,7 @@
               <a:buChar char="○"/>
               <a:defRPr/>
             </a:lvl8pPr>
-            <a:lvl9pPr indent="-317500" lvl="8" marL="4114800">
+            <a:lvl9pPr marL="4114800" lvl="8" indent="-317500">
               <a:spcBef>
                 <a:spcPts val="1600"/>
               </a:spcBef>
@@ -3764,15 +3903,19 @@
               <a:defRPr/>
             </a:lvl9pPr>
           </a:lstStyle>
-          <a:p/>
+          <a:p>
+            <a:endParaRPr/>
+          </a:p>
         </p:txBody>
       </p:sp>
       <p:sp>
         <p:nvSpPr>
           <p:cNvPr id="24" name="Shape 24"/>
-          <p:cNvSpPr txBox="1"/>
+          <p:cNvSpPr txBox="1">
+            <a:spLocks noGrp="1"/>
+          </p:cNvSpPr>
           <p:nvPr>
-            <p:ph idx="12" type="sldNum"/>
+            <p:ph type="sldNum" idx="12"/>
           </p:nvPr>
         </p:nvSpPr>
         <p:spPr>
@@ -3785,7 +3928,7 @@
           </a:prstGeom>
         </p:spPr>
         <p:txBody>
-          <a:bodyPr anchorCtr="0" anchor="ctr" bIns="91425" lIns="91425" spcFirstLastPara="1" rIns="91425" wrap="square" tIns="91425">
+          <a:bodyPr spcFirstLastPara="1" wrap="square" lIns="91425" tIns="91425" rIns="91425" bIns="91425" anchor="ctr" anchorCtr="0">
             <a:noAutofit/>
           </a:bodyPr>
           <a:lstStyle>
@@ -3827,7 +3970,7 @@
             </a:lvl9pPr>
           </a:lstStyle>
           <a:p>
-            <a:pPr indent="0" lvl="0" marL="0">
+            <a:pPr marL="0" lvl="0" indent="0">
               <a:spcBef>
                 <a:spcPts val="0"/>
               </a:spcBef>
@@ -3853,11 +3996,11 @@
 </file>
 
 <file path=ppt/slideLayouts/slideLayout4.xml><?xml version="1.0" encoding="utf-8"?>
-<p:sldLayout xmlns:a="http://schemas.openxmlformats.org/drawingml/2006/main" xmlns:r="http://schemas.openxmlformats.org/officeDocument/2006/relationships" xmlns:mc="http://schemas.openxmlformats.org/markup-compatibility/2006" xmlns:mv="urn:schemas-microsoft-com:mac:vml" xmlns:p="http://schemas.openxmlformats.org/presentationml/2006/main" xmlns:c="http://schemas.openxmlformats.org/drawingml/2006/chart" xmlns:dgm="http://schemas.openxmlformats.org/drawingml/2006/diagram" xmlns:o="urn:schemas-microsoft-com:office:office" xmlns:v="urn:schemas-microsoft-com:vml" xmlns:pvml="urn:schemas-microsoft-com:office:powerpoint" xmlns:com="http://schemas.openxmlformats.org/drawingml/2006/compatibility" xmlns:p14="http://schemas.microsoft.com/office/powerpoint/2010/main" xmlns:p15="http://schemas.microsoft.com/office/powerpoint/2012/main" matchingName="Title and two columns" type="twoColTx">
+<p:sldLayout xmlns:a="http://schemas.openxmlformats.org/drawingml/2006/main" xmlns:r="http://schemas.openxmlformats.org/officeDocument/2006/relationships" xmlns:p="http://schemas.openxmlformats.org/presentationml/2006/main" matchingName="Title and two columns" type="twoColTx">
   <p:cSld name="TITLE_AND_TWO_COLUMNS">
     <p:spTree>
       <p:nvGrpSpPr>
-        <p:cNvPr id="25" name="Shape 25"/>
+        <p:cNvPr id="1" name="Shape 25"/>
         <p:cNvGrpSpPr/>
         <p:nvPr/>
       </p:nvGrpSpPr>
@@ -3884,21 +4027,23 @@
             <a:avLst/>
           </a:prstGeom>
           <a:noFill/>
-          <a:ln cap="flat" cmpd="sng" w="38100">
+          <a:ln w="38100" cap="flat" cmpd="sng">
             <a:solidFill>
               <a:schemeClr val="accent4"/>
             </a:solidFill>
             <a:prstDash val="solid"/>
             <a:round/>
-            <a:headEnd len="sm" w="sm" type="none"/>
-            <a:tailEnd len="sm" w="sm" type="none"/>
+            <a:headEnd type="none" w="sm" len="sm"/>
+            <a:tailEnd type="none" w="sm" len="sm"/>
           </a:ln>
         </p:spPr>
       </p:cxnSp>
       <p:sp>
         <p:nvSpPr>
           <p:cNvPr id="27" name="Shape 27"/>
-          <p:cNvSpPr txBox="1"/>
+          <p:cNvSpPr txBox="1">
+            <a:spLocks noGrp="1"/>
+          </p:cNvSpPr>
           <p:nvPr>
             <p:ph type="title"/>
           </p:nvPr>
@@ -3913,7 +4058,7 @@
           </a:prstGeom>
         </p:spPr>
         <p:txBody>
-          <a:bodyPr anchorCtr="0" anchor="b" bIns="91425" lIns="91425" spcFirstLastPara="1" rIns="91425" wrap="square" tIns="91425"/>
+          <a:bodyPr spcFirstLastPara="1" wrap="square" lIns="91425" tIns="91425" rIns="91425" bIns="91425" anchor="b" anchorCtr="0"/>
           <a:lstStyle>
             <a:lvl1pPr lvl="0">
               <a:spcBef>
@@ -4015,15 +4160,19 @@
               <a:defRPr/>
             </a:lvl9pPr>
           </a:lstStyle>
-          <a:p/>
+          <a:p>
+            <a:endParaRPr/>
+          </a:p>
         </p:txBody>
       </p:sp>
       <p:sp>
         <p:nvSpPr>
           <p:cNvPr id="28" name="Shape 28"/>
-          <p:cNvSpPr txBox="1"/>
+          <p:cNvSpPr txBox="1">
+            <a:spLocks noGrp="1"/>
+          </p:cNvSpPr>
           <p:nvPr>
-            <p:ph idx="1" type="body"/>
+            <p:ph type="body" idx="1"/>
           </p:nvPr>
         </p:nvSpPr>
         <p:spPr>
@@ -4036,9 +4185,9 @@
           </a:prstGeom>
         </p:spPr>
         <p:txBody>
-          <a:bodyPr anchorCtr="0" anchor="t" bIns="91425" lIns="91425" spcFirstLastPara="1" rIns="91425" wrap="square" tIns="91425"/>
+          <a:bodyPr spcFirstLastPara="1" wrap="square" lIns="91425" tIns="91425" rIns="91425" bIns="91425" anchor="t" anchorCtr="0"/>
           <a:lstStyle>
-            <a:lvl1pPr indent="-317500" lvl="0" marL="457200">
+            <a:lvl1pPr marL="457200" lvl="0" indent="-317500">
               <a:spcBef>
                 <a:spcPts val="0"/>
               </a:spcBef>
@@ -4049,7 +4198,7 @@
               <a:buChar char="●"/>
               <a:defRPr sz="1400"/>
             </a:lvl1pPr>
-            <a:lvl2pPr indent="-304800" lvl="1" marL="914400">
+            <a:lvl2pPr marL="914400" lvl="1" indent="-304800">
               <a:spcBef>
                 <a:spcPts val="1600"/>
               </a:spcBef>
@@ -4060,7 +4209,7 @@
               <a:buChar char="○"/>
               <a:defRPr sz="1200"/>
             </a:lvl2pPr>
-            <a:lvl3pPr indent="-304800" lvl="2" marL="1371600">
+            <a:lvl3pPr marL="1371600" lvl="2" indent="-304800">
               <a:spcBef>
                 <a:spcPts val="1600"/>
               </a:spcBef>
@@ -4071,7 +4220,7 @@
               <a:buChar char="■"/>
               <a:defRPr sz="1200"/>
             </a:lvl3pPr>
-            <a:lvl4pPr indent="-304800" lvl="3" marL="1828800">
+            <a:lvl4pPr marL="1828800" lvl="3" indent="-304800">
               <a:spcBef>
                 <a:spcPts val="1600"/>
               </a:spcBef>
@@ -4082,7 +4231,7 @@
               <a:buChar char="●"/>
               <a:defRPr sz="1200"/>
             </a:lvl4pPr>
-            <a:lvl5pPr indent="-304800" lvl="4" marL="2286000">
+            <a:lvl5pPr marL="2286000" lvl="4" indent="-304800">
               <a:spcBef>
                 <a:spcPts val="1600"/>
               </a:spcBef>
@@ -4093,7 +4242,7 @@
               <a:buChar char="○"/>
               <a:defRPr sz="1200"/>
             </a:lvl5pPr>
-            <a:lvl6pPr indent="-304800" lvl="5" marL="2743200">
+            <a:lvl6pPr marL="2743200" lvl="5" indent="-304800">
               <a:spcBef>
                 <a:spcPts val="1600"/>
               </a:spcBef>
@@ -4104,7 +4253,7 @@
               <a:buChar char="■"/>
               <a:defRPr sz="1200"/>
             </a:lvl6pPr>
-            <a:lvl7pPr indent="-304800" lvl="6" marL="3200400">
+            <a:lvl7pPr marL="3200400" lvl="6" indent="-304800">
               <a:spcBef>
                 <a:spcPts val="1600"/>
               </a:spcBef>
@@ -4115,7 +4264,7 @@
               <a:buChar char="●"/>
               <a:defRPr sz="1200"/>
             </a:lvl7pPr>
-            <a:lvl8pPr indent="-304800" lvl="7" marL="3657600">
+            <a:lvl8pPr marL="3657600" lvl="7" indent="-304800">
               <a:spcBef>
                 <a:spcPts val="1600"/>
               </a:spcBef>
@@ -4126,7 +4275,7 @@
               <a:buChar char="○"/>
               <a:defRPr sz="1200"/>
             </a:lvl8pPr>
-            <a:lvl9pPr indent="-304800" lvl="8" marL="4114800">
+            <a:lvl9pPr marL="4114800" lvl="8" indent="-304800">
               <a:spcBef>
                 <a:spcPts val="1600"/>
               </a:spcBef>
@@ -4138,15 +4287,19 @@
               <a:defRPr sz="1200"/>
             </a:lvl9pPr>
           </a:lstStyle>
-          <a:p/>
+          <a:p>
+            <a:endParaRPr/>
+          </a:p>
         </p:txBody>
       </p:sp>
       <p:sp>
         <p:nvSpPr>
           <p:cNvPr id="29" name="Shape 29"/>
-          <p:cNvSpPr txBox="1"/>
+          <p:cNvSpPr txBox="1">
+            <a:spLocks noGrp="1"/>
+          </p:cNvSpPr>
           <p:nvPr>
-            <p:ph idx="2" type="body"/>
+            <p:ph type="body" idx="2"/>
           </p:nvPr>
         </p:nvSpPr>
         <p:spPr>
@@ -4159,9 +4312,9 @@
           </a:prstGeom>
         </p:spPr>
         <p:txBody>
-          <a:bodyPr anchorCtr="0" anchor="t" bIns="91425" lIns="91425" spcFirstLastPara="1" rIns="91425" wrap="square" tIns="91425"/>
+          <a:bodyPr spcFirstLastPara="1" wrap="square" lIns="91425" tIns="91425" rIns="91425" bIns="91425" anchor="t" anchorCtr="0"/>
           <a:lstStyle>
-            <a:lvl1pPr indent="-317500" lvl="0" marL="457200">
+            <a:lvl1pPr marL="457200" lvl="0" indent="-317500">
               <a:spcBef>
                 <a:spcPts val="0"/>
               </a:spcBef>
@@ -4172,7 +4325,7 @@
               <a:buChar char="●"/>
               <a:defRPr sz="1400"/>
             </a:lvl1pPr>
-            <a:lvl2pPr indent="-304800" lvl="1" marL="914400">
+            <a:lvl2pPr marL="914400" lvl="1" indent="-304800">
               <a:spcBef>
                 <a:spcPts val="1600"/>
               </a:spcBef>
@@ -4183,7 +4336,7 @@
               <a:buChar char="○"/>
               <a:defRPr sz="1200"/>
             </a:lvl2pPr>
-            <a:lvl3pPr indent="-304800" lvl="2" marL="1371600">
+            <a:lvl3pPr marL="1371600" lvl="2" indent="-304800">
               <a:spcBef>
                 <a:spcPts val="1600"/>
               </a:spcBef>
@@ -4194,7 +4347,7 @@
               <a:buChar char="■"/>
               <a:defRPr sz="1200"/>
             </a:lvl3pPr>
-            <a:lvl4pPr indent="-304800" lvl="3" marL="1828800">
+            <a:lvl4pPr marL="1828800" lvl="3" indent="-304800">
               <a:spcBef>
                 <a:spcPts val="1600"/>
               </a:spcBef>
@@ -4205,7 +4358,7 @@
               <a:buChar char="●"/>
               <a:defRPr sz="1200"/>
             </a:lvl4pPr>
-            <a:lvl5pPr indent="-304800" lvl="4" marL="2286000">
+            <a:lvl5pPr marL="2286000" lvl="4" indent="-304800">
               <a:spcBef>
                 <a:spcPts val="1600"/>
               </a:spcBef>
@@ -4216,7 +4369,7 @@
               <a:buChar char="○"/>
               <a:defRPr sz="1200"/>
             </a:lvl5pPr>
-            <a:lvl6pPr indent="-304800" lvl="5" marL="2743200">
+            <a:lvl6pPr marL="2743200" lvl="5" indent="-304800">
               <a:spcBef>
                 <a:spcPts val="1600"/>
               </a:spcBef>
@@ -4227,7 +4380,7 @@
               <a:buChar char="■"/>
               <a:defRPr sz="1200"/>
             </a:lvl6pPr>
-            <a:lvl7pPr indent="-304800" lvl="6" marL="3200400">
+            <a:lvl7pPr marL="3200400" lvl="6" indent="-304800">
               <a:spcBef>
                 <a:spcPts val="1600"/>
               </a:spcBef>
@@ -4238,7 +4391,7 @@
               <a:buChar char="●"/>
               <a:defRPr sz="1200"/>
             </a:lvl7pPr>
-            <a:lvl8pPr indent="-304800" lvl="7" marL="3657600">
+            <a:lvl8pPr marL="3657600" lvl="7" indent="-304800">
               <a:spcBef>
                 <a:spcPts val="1600"/>
               </a:spcBef>
@@ -4249,7 +4402,7 @@
               <a:buChar char="○"/>
               <a:defRPr sz="1200"/>
             </a:lvl8pPr>
-            <a:lvl9pPr indent="-304800" lvl="8" marL="4114800">
+            <a:lvl9pPr marL="4114800" lvl="8" indent="-304800">
               <a:spcBef>
                 <a:spcPts val="1600"/>
               </a:spcBef>
@@ -4261,15 +4414,19 @@
               <a:defRPr sz="1200"/>
             </a:lvl9pPr>
           </a:lstStyle>
-          <a:p/>
+          <a:p>
+            <a:endParaRPr/>
+          </a:p>
         </p:txBody>
       </p:sp>
       <p:sp>
         <p:nvSpPr>
           <p:cNvPr id="30" name="Shape 30"/>
-          <p:cNvSpPr txBox="1"/>
+          <p:cNvSpPr txBox="1">
+            <a:spLocks noGrp="1"/>
+          </p:cNvSpPr>
           <p:nvPr>
-            <p:ph idx="12" type="sldNum"/>
+            <p:ph type="sldNum" idx="12"/>
           </p:nvPr>
         </p:nvSpPr>
         <p:spPr>
@@ -4282,7 +4439,7 @@
           </a:prstGeom>
         </p:spPr>
         <p:txBody>
-          <a:bodyPr anchorCtr="0" anchor="ctr" bIns="91425" lIns="91425" spcFirstLastPara="1" rIns="91425" wrap="square" tIns="91425">
+          <a:bodyPr spcFirstLastPara="1" wrap="square" lIns="91425" tIns="91425" rIns="91425" bIns="91425" anchor="ctr" anchorCtr="0">
             <a:noAutofit/>
           </a:bodyPr>
           <a:lstStyle>
@@ -4324,7 +4481,7 @@
             </a:lvl9pPr>
           </a:lstStyle>
           <a:p>
-            <a:pPr indent="0" lvl="0" marL="0">
+            <a:pPr marL="0" lvl="0" indent="0">
               <a:spcBef>
                 <a:spcPts val="0"/>
               </a:spcBef>
@@ -4350,11 +4507,11 @@
 </file>
 
 <file path=ppt/slideLayouts/slideLayout5.xml><?xml version="1.0" encoding="utf-8"?>
-<p:sldLayout xmlns:a="http://schemas.openxmlformats.org/drawingml/2006/main" xmlns:r="http://schemas.openxmlformats.org/officeDocument/2006/relationships" xmlns:mc="http://schemas.openxmlformats.org/markup-compatibility/2006" xmlns:mv="urn:schemas-microsoft-com:mac:vml" xmlns:p="http://schemas.openxmlformats.org/presentationml/2006/main" xmlns:c="http://schemas.openxmlformats.org/drawingml/2006/chart" xmlns:dgm="http://schemas.openxmlformats.org/drawingml/2006/diagram" xmlns:o="urn:schemas-microsoft-com:office:office" xmlns:v="urn:schemas-microsoft-com:vml" xmlns:pvml="urn:schemas-microsoft-com:office:powerpoint" xmlns:com="http://schemas.openxmlformats.org/drawingml/2006/compatibility" xmlns:p14="http://schemas.microsoft.com/office/powerpoint/2010/main" xmlns:p15="http://schemas.microsoft.com/office/powerpoint/2012/main" matchingName="Title only" type="titleOnly">
+<p:sldLayout xmlns:a="http://schemas.openxmlformats.org/drawingml/2006/main" xmlns:r="http://schemas.openxmlformats.org/officeDocument/2006/relationships" xmlns:p="http://schemas.openxmlformats.org/presentationml/2006/main" matchingName="Title only" type="titleOnly">
   <p:cSld name="TITLE_ONLY">
     <p:spTree>
       <p:nvGrpSpPr>
-        <p:cNvPr id="31" name="Shape 31"/>
+        <p:cNvPr id="1" name="Shape 31"/>
         <p:cNvGrpSpPr/>
         <p:nvPr/>
       </p:nvGrpSpPr>
@@ -4369,7 +4526,9 @@
       <p:sp>
         <p:nvSpPr>
           <p:cNvPr id="32" name="Shape 32"/>
-          <p:cNvSpPr txBox="1"/>
+          <p:cNvSpPr txBox="1">
+            <a:spLocks noGrp="1"/>
+          </p:cNvSpPr>
           <p:nvPr>
             <p:ph type="title"/>
           </p:nvPr>
@@ -4384,7 +4543,7 @@
           </a:prstGeom>
         </p:spPr>
         <p:txBody>
-          <a:bodyPr anchorCtr="0" anchor="b" bIns="91425" lIns="91425" spcFirstLastPara="1" rIns="91425" wrap="square" tIns="91425"/>
+          <a:bodyPr spcFirstLastPara="1" wrap="square" lIns="91425" tIns="91425" rIns="91425" bIns="91425" anchor="b" anchorCtr="0"/>
           <a:lstStyle>
             <a:lvl1pPr lvl="0">
               <a:spcBef>
@@ -4486,15 +4645,19 @@
               <a:defRPr/>
             </a:lvl9pPr>
           </a:lstStyle>
-          <a:p/>
+          <a:p>
+            <a:endParaRPr/>
+          </a:p>
         </p:txBody>
       </p:sp>
       <p:sp>
         <p:nvSpPr>
           <p:cNvPr id="33" name="Shape 33"/>
-          <p:cNvSpPr txBox="1"/>
+          <p:cNvSpPr txBox="1">
+            <a:spLocks noGrp="1"/>
+          </p:cNvSpPr>
           <p:nvPr>
-            <p:ph idx="12" type="sldNum"/>
+            <p:ph type="sldNum" idx="12"/>
           </p:nvPr>
         </p:nvSpPr>
         <p:spPr>
@@ -4507,7 +4670,7 @@
           </a:prstGeom>
         </p:spPr>
         <p:txBody>
-          <a:bodyPr anchorCtr="0" anchor="ctr" bIns="91425" lIns="91425" spcFirstLastPara="1" rIns="91425" wrap="square" tIns="91425">
+          <a:bodyPr spcFirstLastPara="1" wrap="square" lIns="91425" tIns="91425" rIns="91425" bIns="91425" anchor="ctr" anchorCtr="0">
             <a:noAutofit/>
           </a:bodyPr>
           <a:lstStyle>
@@ -4549,7 +4712,7 @@
             </a:lvl9pPr>
           </a:lstStyle>
           <a:p>
-            <a:pPr indent="0" lvl="0" marL="0">
+            <a:pPr marL="0" lvl="0" indent="0">
               <a:spcBef>
                 <a:spcPts val="0"/>
               </a:spcBef>
@@ -4575,11 +4738,11 @@
 </file>
 
 <file path=ppt/slideLayouts/slideLayout6.xml><?xml version="1.0" encoding="utf-8"?>
-<p:sldLayout xmlns:a="http://schemas.openxmlformats.org/drawingml/2006/main" xmlns:r="http://schemas.openxmlformats.org/officeDocument/2006/relationships" xmlns:mc="http://schemas.openxmlformats.org/markup-compatibility/2006" xmlns:mv="urn:schemas-microsoft-com:mac:vml" xmlns:p="http://schemas.openxmlformats.org/presentationml/2006/main" xmlns:c="http://schemas.openxmlformats.org/drawingml/2006/chart" xmlns:dgm="http://schemas.openxmlformats.org/drawingml/2006/diagram" xmlns:o="urn:schemas-microsoft-com:office:office" xmlns:v="urn:schemas-microsoft-com:vml" xmlns:pvml="urn:schemas-microsoft-com:office:powerpoint" xmlns:com="http://schemas.openxmlformats.org/drawingml/2006/compatibility" xmlns:p14="http://schemas.microsoft.com/office/powerpoint/2010/main" xmlns:p15="http://schemas.microsoft.com/office/powerpoint/2012/main" matchingName="One column text">
+<p:sldLayout xmlns:a="http://schemas.openxmlformats.org/drawingml/2006/main" xmlns:r="http://schemas.openxmlformats.org/officeDocument/2006/relationships" xmlns:p="http://schemas.openxmlformats.org/presentationml/2006/main" matchingName="One column text">
   <p:cSld name="ONE_COLUMN_TEXT">
     <p:spTree>
       <p:nvGrpSpPr>
-        <p:cNvPr id="34" name="Shape 34"/>
+        <p:cNvPr id="1" name="Shape 34"/>
         <p:cNvGrpSpPr/>
         <p:nvPr/>
       </p:nvGrpSpPr>
@@ -4606,21 +4769,23 @@
             <a:avLst/>
           </a:prstGeom>
           <a:noFill/>
-          <a:ln cap="flat" cmpd="sng" w="38100">
+          <a:ln w="38100" cap="flat" cmpd="sng">
             <a:solidFill>
               <a:schemeClr val="accent4"/>
             </a:solidFill>
             <a:prstDash val="solid"/>
             <a:round/>
-            <a:headEnd len="sm" w="sm" type="none"/>
-            <a:tailEnd len="sm" w="sm" type="none"/>
+            <a:headEnd type="none" w="sm" len="sm"/>
+            <a:tailEnd type="none" w="sm" len="sm"/>
           </a:ln>
         </p:spPr>
       </p:cxnSp>
       <p:sp>
         <p:nvSpPr>
           <p:cNvPr id="36" name="Shape 36"/>
-          <p:cNvSpPr txBox="1"/>
+          <p:cNvSpPr txBox="1">
+            <a:spLocks noGrp="1"/>
+          </p:cNvSpPr>
           <p:nvPr>
             <p:ph type="title"/>
           </p:nvPr>
@@ -4635,7 +4800,7 @@
           </a:prstGeom>
         </p:spPr>
         <p:txBody>
-          <a:bodyPr anchorCtr="0" anchor="b" bIns="91425" lIns="91425" spcFirstLastPara="1" rIns="91425" wrap="square" tIns="91425"/>
+          <a:bodyPr spcFirstLastPara="1" wrap="square" lIns="91425" tIns="91425" rIns="91425" bIns="91425" anchor="b" anchorCtr="0"/>
           <a:lstStyle>
             <a:lvl1pPr lvl="0">
               <a:spcBef>
@@ -4737,15 +4902,19 @@
               <a:defRPr sz="2400"/>
             </a:lvl9pPr>
           </a:lstStyle>
-          <a:p/>
+          <a:p>
+            <a:endParaRPr/>
+          </a:p>
         </p:txBody>
       </p:sp>
       <p:sp>
         <p:nvSpPr>
           <p:cNvPr id="37" name="Shape 37"/>
-          <p:cNvSpPr txBox="1"/>
+          <p:cNvSpPr txBox="1">
+            <a:spLocks noGrp="1"/>
+          </p:cNvSpPr>
           <p:nvPr>
-            <p:ph idx="1" type="body"/>
+            <p:ph type="body" idx="1"/>
           </p:nvPr>
         </p:nvSpPr>
         <p:spPr>
@@ -4758,9 +4927,9 @@
           </a:prstGeom>
         </p:spPr>
         <p:txBody>
-          <a:bodyPr anchorCtr="0" anchor="t" bIns="91425" lIns="91425" spcFirstLastPara="1" rIns="91425" wrap="square" tIns="91425"/>
+          <a:bodyPr spcFirstLastPara="1" wrap="square" lIns="91425" tIns="91425" rIns="91425" bIns="91425" anchor="t" anchorCtr="0"/>
           <a:lstStyle>
-            <a:lvl1pPr indent="-304800" lvl="0" marL="457200">
+            <a:lvl1pPr marL="457200" lvl="0" indent="-304800">
               <a:spcBef>
                 <a:spcPts val="0"/>
               </a:spcBef>
@@ -4771,7 +4940,7 @@
               <a:buChar char="●"/>
               <a:defRPr sz="1200"/>
             </a:lvl1pPr>
-            <a:lvl2pPr indent="-304800" lvl="1" marL="914400">
+            <a:lvl2pPr marL="914400" lvl="1" indent="-304800">
               <a:spcBef>
                 <a:spcPts val="1600"/>
               </a:spcBef>
@@ -4782,7 +4951,7 @@
               <a:buChar char="○"/>
               <a:defRPr sz="1200"/>
             </a:lvl2pPr>
-            <a:lvl3pPr indent="-304800" lvl="2" marL="1371600">
+            <a:lvl3pPr marL="1371600" lvl="2" indent="-304800">
               <a:spcBef>
                 <a:spcPts val="1600"/>
               </a:spcBef>
@@ -4793,7 +4962,7 @@
               <a:buChar char="■"/>
               <a:defRPr sz="1200"/>
             </a:lvl3pPr>
-            <a:lvl4pPr indent="-304800" lvl="3" marL="1828800">
+            <a:lvl4pPr marL="1828800" lvl="3" indent="-304800">
               <a:spcBef>
                 <a:spcPts val="1600"/>
               </a:spcBef>
@@ -4804,7 +4973,7 @@
               <a:buChar char="●"/>
               <a:defRPr sz="1200"/>
             </a:lvl4pPr>
-            <a:lvl5pPr indent="-304800" lvl="4" marL="2286000">
+            <a:lvl5pPr marL="2286000" lvl="4" indent="-304800">
               <a:spcBef>
                 <a:spcPts val="1600"/>
               </a:spcBef>
@@ -4815,7 +4984,7 @@
               <a:buChar char="○"/>
               <a:defRPr sz="1200"/>
             </a:lvl5pPr>
-            <a:lvl6pPr indent="-304800" lvl="5" marL="2743200">
+            <a:lvl6pPr marL="2743200" lvl="5" indent="-304800">
               <a:spcBef>
                 <a:spcPts val="1600"/>
               </a:spcBef>
@@ -4826,7 +4995,7 @@
               <a:buChar char="■"/>
               <a:defRPr sz="1200"/>
             </a:lvl6pPr>
-            <a:lvl7pPr indent="-304800" lvl="6" marL="3200400">
+            <a:lvl7pPr marL="3200400" lvl="6" indent="-304800">
               <a:spcBef>
                 <a:spcPts val="1600"/>
               </a:spcBef>
@@ -4837,7 +5006,7 @@
               <a:buChar char="●"/>
               <a:defRPr sz="1200"/>
             </a:lvl7pPr>
-            <a:lvl8pPr indent="-304800" lvl="7" marL="3657600">
+            <a:lvl8pPr marL="3657600" lvl="7" indent="-304800">
               <a:spcBef>
                 <a:spcPts val="1600"/>
               </a:spcBef>
@@ -4848,7 +5017,7 @@
               <a:buChar char="○"/>
               <a:defRPr sz="1200"/>
             </a:lvl8pPr>
-            <a:lvl9pPr indent="-304800" lvl="8" marL="4114800">
+            <a:lvl9pPr marL="4114800" lvl="8" indent="-304800">
               <a:spcBef>
                 <a:spcPts val="1600"/>
               </a:spcBef>
@@ -4860,15 +5029,19 @@
               <a:defRPr sz="1200"/>
             </a:lvl9pPr>
           </a:lstStyle>
-          <a:p/>
+          <a:p>
+            <a:endParaRPr/>
+          </a:p>
         </p:txBody>
       </p:sp>
       <p:sp>
         <p:nvSpPr>
           <p:cNvPr id="38" name="Shape 38"/>
-          <p:cNvSpPr txBox="1"/>
+          <p:cNvSpPr txBox="1">
+            <a:spLocks noGrp="1"/>
+          </p:cNvSpPr>
           <p:nvPr>
-            <p:ph idx="12" type="sldNum"/>
+            <p:ph type="sldNum" idx="12"/>
           </p:nvPr>
         </p:nvSpPr>
         <p:spPr>
@@ -4881,7 +5054,7 @@
           </a:prstGeom>
         </p:spPr>
         <p:txBody>
-          <a:bodyPr anchorCtr="0" anchor="ctr" bIns="91425" lIns="91425" spcFirstLastPara="1" rIns="91425" wrap="square" tIns="91425">
+          <a:bodyPr spcFirstLastPara="1" wrap="square" lIns="91425" tIns="91425" rIns="91425" bIns="91425" anchor="ctr" anchorCtr="0">
             <a:noAutofit/>
           </a:bodyPr>
           <a:lstStyle>
@@ -4923,7 +5096,7 @@
             </a:lvl9pPr>
           </a:lstStyle>
           <a:p>
-            <a:pPr indent="0" lvl="0" marL="0">
+            <a:pPr marL="0" lvl="0" indent="0">
               <a:spcBef>
                 <a:spcPts val="0"/>
               </a:spcBef>
@@ -4949,11 +5122,11 @@
 </file>
 
 <file path=ppt/slideLayouts/slideLayout7.xml><?xml version="1.0" encoding="utf-8"?>
-<p:sldLayout xmlns:a="http://schemas.openxmlformats.org/drawingml/2006/main" xmlns:r="http://schemas.openxmlformats.org/officeDocument/2006/relationships" xmlns:mc="http://schemas.openxmlformats.org/markup-compatibility/2006" xmlns:mv="urn:schemas-microsoft-com:mac:vml" xmlns:p="http://schemas.openxmlformats.org/presentationml/2006/main" xmlns:c="http://schemas.openxmlformats.org/drawingml/2006/chart" xmlns:dgm="http://schemas.openxmlformats.org/drawingml/2006/diagram" xmlns:o="urn:schemas-microsoft-com:office:office" xmlns:v="urn:schemas-microsoft-com:vml" xmlns:pvml="urn:schemas-microsoft-com:office:powerpoint" xmlns:com="http://schemas.openxmlformats.org/drawingml/2006/compatibility" xmlns:p14="http://schemas.microsoft.com/office/powerpoint/2010/main" xmlns:p15="http://schemas.microsoft.com/office/powerpoint/2012/main" matchingName="Main point">
+<p:sldLayout xmlns:a="http://schemas.openxmlformats.org/drawingml/2006/main" xmlns:r="http://schemas.openxmlformats.org/officeDocument/2006/relationships" xmlns:p="http://schemas.openxmlformats.org/presentationml/2006/main" matchingName="Main point">
   <p:cSld name="MAIN_POINT">
     <p:spTree>
       <p:nvGrpSpPr>
-        <p:cNvPr id="39" name="Shape 39"/>
+        <p:cNvPr id="1" name="Shape 39"/>
         <p:cNvGrpSpPr/>
         <p:nvPr/>
       </p:nvGrpSpPr>
@@ -4968,7 +5141,9 @@
       <p:sp>
         <p:nvSpPr>
           <p:cNvPr id="40" name="Shape 40"/>
-          <p:cNvSpPr txBox="1"/>
+          <p:cNvSpPr txBox="1">
+            <a:spLocks noGrp="1"/>
+          </p:cNvSpPr>
           <p:nvPr>
             <p:ph type="title"/>
           </p:nvPr>
@@ -4983,7 +5158,7 @@
           </a:prstGeom>
         </p:spPr>
         <p:txBody>
-          <a:bodyPr anchorCtr="0" anchor="ctr" bIns="91425" lIns="91425" spcFirstLastPara="1" rIns="91425" wrap="square" tIns="91425"/>
+          <a:bodyPr spcFirstLastPara="1" wrap="square" lIns="91425" tIns="91425" rIns="91425" bIns="91425" anchor="ctr" anchorCtr="0"/>
           <a:lstStyle>
             <a:lvl1pPr lvl="0">
               <a:spcBef>
@@ -5085,15 +5260,19 @@
               <a:defRPr sz="4800"/>
             </a:lvl9pPr>
           </a:lstStyle>
-          <a:p/>
+          <a:p>
+            <a:endParaRPr/>
+          </a:p>
         </p:txBody>
       </p:sp>
       <p:sp>
         <p:nvSpPr>
           <p:cNvPr id="41" name="Shape 41"/>
-          <p:cNvSpPr txBox="1"/>
+          <p:cNvSpPr txBox="1">
+            <a:spLocks noGrp="1"/>
+          </p:cNvSpPr>
           <p:nvPr>
-            <p:ph idx="12" type="sldNum"/>
+            <p:ph type="sldNum" idx="12"/>
           </p:nvPr>
         </p:nvSpPr>
         <p:spPr>
@@ -5106,7 +5285,7 @@
           </a:prstGeom>
         </p:spPr>
         <p:txBody>
-          <a:bodyPr anchorCtr="0" anchor="ctr" bIns="91425" lIns="91425" spcFirstLastPara="1" rIns="91425" wrap="square" tIns="91425">
+          <a:bodyPr spcFirstLastPara="1" wrap="square" lIns="91425" tIns="91425" rIns="91425" bIns="91425" anchor="ctr" anchorCtr="0">
             <a:noAutofit/>
           </a:bodyPr>
           <a:lstStyle>
@@ -5148,7 +5327,7 @@
             </a:lvl9pPr>
           </a:lstStyle>
           <a:p>
-            <a:pPr indent="0" lvl="0" marL="0">
+            <a:pPr marL="0" lvl="0" indent="0">
               <a:spcBef>
                 <a:spcPts val="0"/>
               </a:spcBef>
@@ -5174,11 +5353,11 @@
 </file>
 
 <file path=ppt/slideLayouts/slideLayout8.xml><?xml version="1.0" encoding="utf-8"?>
-<p:sldLayout xmlns:a="http://schemas.openxmlformats.org/drawingml/2006/main" xmlns:r="http://schemas.openxmlformats.org/officeDocument/2006/relationships" xmlns:mc="http://schemas.openxmlformats.org/markup-compatibility/2006" xmlns:mv="urn:schemas-microsoft-com:mac:vml" xmlns:p="http://schemas.openxmlformats.org/presentationml/2006/main" xmlns:c="http://schemas.openxmlformats.org/drawingml/2006/chart" xmlns:dgm="http://schemas.openxmlformats.org/drawingml/2006/diagram" xmlns:o="urn:schemas-microsoft-com:office:office" xmlns:v="urn:schemas-microsoft-com:vml" xmlns:pvml="urn:schemas-microsoft-com:office:powerpoint" xmlns:com="http://schemas.openxmlformats.org/drawingml/2006/compatibility" xmlns:p14="http://schemas.microsoft.com/office/powerpoint/2010/main" xmlns:p15="http://schemas.microsoft.com/office/powerpoint/2012/main" matchingName="Section title and description">
+<p:sldLayout xmlns:a="http://schemas.openxmlformats.org/drawingml/2006/main" xmlns:r="http://schemas.openxmlformats.org/officeDocument/2006/relationships" xmlns:p="http://schemas.openxmlformats.org/presentationml/2006/main" matchingName="Section title and description">
   <p:cSld name="SECTION_TITLE_AND_DESCRIPTION">
     <p:spTree>
       <p:nvGrpSpPr>
-        <p:cNvPr id="42" name="Shape 42"/>
+        <p:cNvPr id="1" name="Shape 42"/>
         <p:cNvGrpSpPr/>
         <p:nvPr/>
       </p:nvGrpSpPr>
@@ -5212,12 +5391,12 @@
           </a:ln>
         </p:spPr>
         <p:txBody>
-          <a:bodyPr anchorCtr="0" anchor="ctr" bIns="91425" lIns="91425" spcFirstLastPara="1" rIns="91425" wrap="square" tIns="91425">
+          <a:bodyPr spcFirstLastPara="1" wrap="square" lIns="91425" tIns="91425" rIns="91425" bIns="91425" anchor="ctr" anchorCtr="0">
             <a:noAutofit/>
           </a:bodyPr>
           <a:lstStyle/>
           <a:p>
-            <a:pPr indent="0" lvl="0" marL="0">
+            <a:pPr marL="0" lvl="0" indent="0">
               <a:spcBef>
                 <a:spcPts val="0"/>
               </a:spcBef>
@@ -5226,9 +5405,6 @@
               </a:spcAft>
               <a:buNone/>
             </a:pPr>
-            <a:r>
-              <a:t/>
-            </a:r>
             <a:endParaRPr/>
           </a:p>
         </p:txBody>
@@ -5248,21 +5424,23 @@
             <a:avLst/>
           </a:prstGeom>
           <a:noFill/>
-          <a:ln cap="flat" cmpd="sng" w="38100">
+          <a:ln w="38100" cap="flat" cmpd="sng">
             <a:solidFill>
               <a:schemeClr val="accent5"/>
             </a:solidFill>
             <a:prstDash val="solid"/>
             <a:round/>
-            <a:headEnd len="sm" w="sm" type="none"/>
-            <a:tailEnd len="sm" w="sm" type="none"/>
+            <a:headEnd type="none" w="sm" len="sm"/>
+            <a:tailEnd type="none" w="sm" len="sm"/>
           </a:ln>
         </p:spPr>
       </p:cxnSp>
       <p:sp>
         <p:nvSpPr>
           <p:cNvPr id="45" name="Shape 45"/>
-          <p:cNvSpPr txBox="1"/>
+          <p:cNvSpPr txBox="1">
+            <a:spLocks noGrp="1"/>
+          </p:cNvSpPr>
           <p:nvPr>
             <p:ph type="title"/>
           </p:nvPr>
@@ -5277,7 +5455,7 @@
           </a:prstGeom>
         </p:spPr>
         <p:txBody>
-          <a:bodyPr anchorCtr="0" anchor="b" bIns="91425" lIns="91425" spcFirstLastPara="1" rIns="91425" wrap="square" tIns="91425"/>
+          <a:bodyPr spcFirstLastPara="1" wrap="square" lIns="91425" tIns="91425" rIns="91425" bIns="91425" anchor="b" anchorCtr="0"/>
           <a:lstStyle>
             <a:lvl1pPr lvl="0" algn="ctr">
               <a:spcBef>
@@ -5379,15 +5557,19 @@
               <a:defRPr sz="3800"/>
             </a:lvl9pPr>
           </a:lstStyle>
-          <a:p/>
+          <a:p>
+            <a:endParaRPr/>
+          </a:p>
         </p:txBody>
       </p:sp>
       <p:sp>
         <p:nvSpPr>
           <p:cNvPr id="46" name="Shape 46"/>
-          <p:cNvSpPr txBox="1"/>
+          <p:cNvSpPr txBox="1">
+            <a:spLocks noGrp="1"/>
+          </p:cNvSpPr>
           <p:nvPr>
-            <p:ph idx="1" type="subTitle"/>
+            <p:ph type="subTitle" idx="1"/>
           </p:nvPr>
         </p:nvSpPr>
         <p:spPr>
@@ -5400,7 +5582,7 @@
           </a:prstGeom>
         </p:spPr>
         <p:txBody>
-          <a:bodyPr anchorCtr="0" anchor="t" bIns="91425" lIns="91425" spcFirstLastPara="1" rIns="91425" wrap="square" tIns="91425"/>
+          <a:bodyPr spcFirstLastPara="1" wrap="square" lIns="91425" tIns="91425" rIns="91425" bIns="91425" anchor="t" anchorCtr="0"/>
           <a:lstStyle>
             <a:lvl1pPr lvl="0" algn="ctr">
               <a:lnSpc>
@@ -5592,15 +5774,19 @@
               </a:defRPr>
             </a:lvl9pPr>
           </a:lstStyle>
-          <a:p/>
+          <a:p>
+            <a:endParaRPr/>
+          </a:p>
         </p:txBody>
       </p:sp>
       <p:sp>
         <p:nvSpPr>
           <p:cNvPr id="47" name="Shape 47"/>
-          <p:cNvSpPr txBox="1"/>
+          <p:cNvSpPr txBox="1">
+            <a:spLocks noGrp="1"/>
+          </p:cNvSpPr>
           <p:nvPr>
-            <p:ph idx="2" type="body"/>
+            <p:ph type="body" idx="2"/>
           </p:nvPr>
         </p:nvSpPr>
         <p:spPr>
@@ -5613,9 +5799,9 @@
           </a:prstGeom>
         </p:spPr>
         <p:txBody>
-          <a:bodyPr anchorCtr="0" anchor="ctr" bIns="91425" lIns="91425" spcFirstLastPara="1" rIns="91425" wrap="square" tIns="91425"/>
+          <a:bodyPr spcFirstLastPara="1" wrap="square" lIns="91425" tIns="91425" rIns="91425" bIns="91425" anchor="ctr" anchorCtr="0"/>
           <a:lstStyle>
-            <a:lvl1pPr indent="-342900" lvl="0" marL="457200">
+            <a:lvl1pPr marL="457200" lvl="0" indent="-342900">
               <a:spcBef>
                 <a:spcPts val="0"/>
               </a:spcBef>
@@ -5626,7 +5812,7 @@
               <a:buChar char="●"/>
               <a:defRPr/>
             </a:lvl1pPr>
-            <a:lvl2pPr indent="-317500" lvl="1" marL="914400">
+            <a:lvl2pPr marL="914400" lvl="1" indent="-317500">
               <a:spcBef>
                 <a:spcPts val="1600"/>
               </a:spcBef>
@@ -5637,7 +5823,7 @@
               <a:buChar char="○"/>
               <a:defRPr/>
             </a:lvl2pPr>
-            <a:lvl3pPr indent="-317500" lvl="2" marL="1371600">
+            <a:lvl3pPr marL="1371600" lvl="2" indent="-317500">
               <a:spcBef>
                 <a:spcPts val="1600"/>
               </a:spcBef>
@@ -5648,7 +5834,7 @@
               <a:buChar char="■"/>
               <a:defRPr/>
             </a:lvl3pPr>
-            <a:lvl4pPr indent="-317500" lvl="3" marL="1828800">
+            <a:lvl4pPr marL="1828800" lvl="3" indent="-317500">
               <a:spcBef>
                 <a:spcPts val="1600"/>
               </a:spcBef>
@@ -5659,7 +5845,7 @@
               <a:buChar char="●"/>
               <a:defRPr/>
             </a:lvl4pPr>
-            <a:lvl5pPr indent="-317500" lvl="4" marL="2286000">
+            <a:lvl5pPr marL="2286000" lvl="4" indent="-317500">
               <a:spcBef>
                 <a:spcPts val="1600"/>
               </a:spcBef>
@@ -5670,7 +5856,7 @@
               <a:buChar char="○"/>
               <a:defRPr/>
             </a:lvl5pPr>
-            <a:lvl6pPr indent="-317500" lvl="5" marL="2743200">
+            <a:lvl6pPr marL="2743200" lvl="5" indent="-317500">
               <a:spcBef>
                 <a:spcPts val="1600"/>
               </a:spcBef>
@@ -5681,7 +5867,7 @@
               <a:buChar char="■"/>
               <a:defRPr/>
             </a:lvl6pPr>
-            <a:lvl7pPr indent="-317500" lvl="6" marL="3200400">
+            <a:lvl7pPr marL="3200400" lvl="6" indent="-317500">
               <a:spcBef>
                 <a:spcPts val="1600"/>
               </a:spcBef>
@@ -5692,7 +5878,7 @@
               <a:buChar char="●"/>
               <a:defRPr/>
             </a:lvl7pPr>
-            <a:lvl8pPr indent="-317500" lvl="7" marL="3657600">
+            <a:lvl8pPr marL="3657600" lvl="7" indent="-317500">
               <a:spcBef>
                 <a:spcPts val="1600"/>
               </a:spcBef>
@@ -5703,7 +5889,7 @@
               <a:buChar char="○"/>
               <a:defRPr/>
             </a:lvl8pPr>
-            <a:lvl9pPr indent="-317500" lvl="8" marL="4114800">
+            <a:lvl9pPr marL="4114800" lvl="8" indent="-317500">
               <a:spcBef>
                 <a:spcPts val="1600"/>
               </a:spcBef>
@@ -5715,15 +5901,19 @@
               <a:defRPr/>
             </a:lvl9pPr>
           </a:lstStyle>
-          <a:p/>
+          <a:p>
+            <a:endParaRPr/>
+          </a:p>
         </p:txBody>
       </p:sp>
       <p:sp>
         <p:nvSpPr>
           <p:cNvPr id="48" name="Shape 48"/>
-          <p:cNvSpPr txBox="1"/>
+          <p:cNvSpPr txBox="1">
+            <a:spLocks noGrp="1"/>
+          </p:cNvSpPr>
           <p:nvPr>
-            <p:ph idx="12" type="sldNum"/>
+            <p:ph type="sldNum" idx="12"/>
           </p:nvPr>
         </p:nvSpPr>
         <p:spPr>
@@ -5736,7 +5926,7 @@
           </a:prstGeom>
         </p:spPr>
         <p:txBody>
-          <a:bodyPr anchorCtr="0" anchor="ctr" bIns="91425" lIns="91425" spcFirstLastPara="1" rIns="91425" wrap="square" tIns="91425">
+          <a:bodyPr spcFirstLastPara="1" wrap="square" lIns="91425" tIns="91425" rIns="91425" bIns="91425" anchor="ctr" anchorCtr="0">
             <a:noAutofit/>
           </a:bodyPr>
           <a:lstStyle>
@@ -5778,7 +5968,7 @@
             </a:lvl9pPr>
           </a:lstStyle>
           <a:p>
-            <a:pPr indent="0" lvl="0" marL="0">
+            <a:pPr marL="0" lvl="0" indent="0">
               <a:spcBef>
                 <a:spcPts val="0"/>
               </a:spcBef>
@@ -5804,11 +5994,11 @@
 </file>
 
 <file path=ppt/slideLayouts/slideLayout9.xml><?xml version="1.0" encoding="utf-8"?>
-<p:sldLayout xmlns:a="http://schemas.openxmlformats.org/drawingml/2006/main" xmlns:r="http://schemas.openxmlformats.org/officeDocument/2006/relationships" xmlns:mc="http://schemas.openxmlformats.org/markup-compatibility/2006" xmlns:mv="urn:schemas-microsoft-com:mac:vml" xmlns:p="http://schemas.openxmlformats.org/presentationml/2006/main" xmlns:c="http://schemas.openxmlformats.org/drawingml/2006/chart" xmlns:dgm="http://schemas.openxmlformats.org/drawingml/2006/diagram" xmlns:o="urn:schemas-microsoft-com:office:office" xmlns:v="urn:schemas-microsoft-com:vml" xmlns:pvml="urn:schemas-microsoft-com:office:powerpoint" xmlns:com="http://schemas.openxmlformats.org/drawingml/2006/compatibility" xmlns:p14="http://schemas.microsoft.com/office/powerpoint/2010/main" xmlns:p15="http://schemas.microsoft.com/office/powerpoint/2012/main" matchingName="Caption">
+<p:sldLayout xmlns:a="http://schemas.openxmlformats.org/drawingml/2006/main" xmlns:r="http://schemas.openxmlformats.org/officeDocument/2006/relationships" xmlns:p="http://schemas.openxmlformats.org/presentationml/2006/main" matchingName="Caption">
   <p:cSld name="CAPTION_ONLY">
     <p:spTree>
       <p:nvGrpSpPr>
-        <p:cNvPr id="49" name="Shape 49"/>
+        <p:cNvPr id="1" name="Shape 49"/>
         <p:cNvGrpSpPr/>
         <p:nvPr/>
       </p:nvGrpSpPr>
@@ -5823,9 +6013,11 @@
       <p:sp>
         <p:nvSpPr>
           <p:cNvPr id="50" name="Shape 50"/>
-          <p:cNvSpPr txBox="1"/>
+          <p:cNvSpPr txBox="1">
+            <a:spLocks noGrp="1"/>
+          </p:cNvSpPr>
           <p:nvPr>
-            <p:ph idx="1" type="body"/>
+            <p:ph type="body" idx="1"/>
           </p:nvPr>
         </p:nvSpPr>
         <p:spPr>
@@ -5838,9 +6030,9 @@
           </a:prstGeom>
         </p:spPr>
         <p:txBody>
-          <a:bodyPr anchorCtr="0" anchor="ctr" bIns="91425" lIns="91425" spcFirstLastPara="1" rIns="91425" wrap="square" tIns="91425"/>
+          <a:bodyPr spcFirstLastPara="1" wrap="square" lIns="91425" tIns="91425" rIns="91425" bIns="91425" anchor="ctr" anchorCtr="0"/>
           <a:lstStyle>
-            <a:lvl1pPr indent="-228600" lvl="0" marL="457200">
+            <a:lvl1pPr marL="457200" lvl="0" indent="-228600">
               <a:lnSpc>
                 <a:spcPct val="100000"/>
               </a:lnSpc>
@@ -5861,15 +6053,19 @@
               </a:defRPr>
             </a:lvl1pPr>
           </a:lstStyle>
-          <a:p/>
+          <a:p>
+            <a:endParaRPr/>
+          </a:p>
         </p:txBody>
       </p:sp>
       <p:sp>
         <p:nvSpPr>
           <p:cNvPr id="51" name="Shape 51"/>
-          <p:cNvSpPr txBox="1"/>
+          <p:cNvSpPr txBox="1">
+            <a:spLocks noGrp="1"/>
+          </p:cNvSpPr>
           <p:nvPr>
-            <p:ph idx="12" type="sldNum"/>
+            <p:ph type="sldNum" idx="12"/>
           </p:nvPr>
         </p:nvSpPr>
         <p:spPr>
@@ -5882,7 +6078,7 @@
           </a:prstGeom>
         </p:spPr>
         <p:txBody>
-          <a:bodyPr anchorCtr="0" anchor="ctr" bIns="91425" lIns="91425" spcFirstLastPara="1" rIns="91425" wrap="square" tIns="91425">
+          <a:bodyPr spcFirstLastPara="1" wrap="square" lIns="91425" tIns="91425" rIns="91425" bIns="91425" anchor="ctr" anchorCtr="0">
             <a:noAutofit/>
           </a:bodyPr>
           <a:lstStyle>
@@ -5924,7 +6120,7 @@
             </a:lvl9pPr>
           </a:lstStyle>
           <a:p>
-            <a:pPr indent="0" lvl="0" marL="0">
+            <a:pPr marL="0" lvl="0" indent="0">
               <a:spcBef>
                 <a:spcPts val="0"/>
               </a:spcBef>
@@ -5950,18 +6146,19 @@
 </file>
 
 <file path=ppt/slideMasters/slideMaster1.xml><?xml version="1.0" encoding="utf-8"?>
-<p:sldMaster xmlns:a="http://schemas.openxmlformats.org/drawingml/2006/main" xmlns:r="http://schemas.openxmlformats.org/officeDocument/2006/relationships" xmlns:mc="http://schemas.openxmlformats.org/markup-compatibility/2006" xmlns:mv="urn:schemas-microsoft-com:mac:vml" xmlns:p="http://schemas.openxmlformats.org/presentationml/2006/main" xmlns:c="http://schemas.openxmlformats.org/drawingml/2006/chart" xmlns:dgm="http://schemas.openxmlformats.org/drawingml/2006/diagram" xmlns:o="urn:schemas-microsoft-com:office:office" xmlns:v="urn:schemas-microsoft-com:vml" xmlns:pvml="urn:schemas-microsoft-com:office:powerpoint" xmlns:com="http://schemas.openxmlformats.org/drawingml/2006/compatibility" xmlns:p14="http://schemas.microsoft.com/office/powerpoint/2010/main" xmlns:p15="http://schemas.microsoft.com/office/powerpoint/2012/main">
+<p:sldMaster xmlns:a="http://schemas.openxmlformats.org/drawingml/2006/main" xmlns:r="http://schemas.openxmlformats.org/officeDocument/2006/relationships" xmlns:p="http://schemas.openxmlformats.org/presentationml/2006/main">
   <p:cSld name="marina">
     <p:bg>
       <p:bgPr>
         <a:solidFill>
           <a:schemeClr val="lt1"/>
         </a:solidFill>
+        <a:effectLst/>
       </p:bgPr>
     </p:bg>
     <p:spTree>
       <p:nvGrpSpPr>
-        <p:cNvPr id="5" name="Shape 5"/>
+        <p:cNvPr id="1" name="Shape 5"/>
         <p:cNvGrpSpPr/>
         <p:nvPr/>
       </p:nvGrpSpPr>
@@ -5976,7 +6173,9 @@
       <p:sp>
         <p:nvSpPr>
           <p:cNvPr id="6" name="Shape 6"/>
-          <p:cNvSpPr txBox="1"/>
+          <p:cNvSpPr txBox="1">
+            <a:spLocks noGrp="1"/>
+          </p:cNvSpPr>
           <p:nvPr>
             <p:ph type="title"/>
           </p:nvPr>
@@ -5995,7 +6194,7 @@
           </a:ln>
         </p:spPr>
         <p:txBody>
-          <a:bodyPr anchorCtr="0" anchor="b" bIns="91425" lIns="91425" spcFirstLastPara="1" rIns="91425" wrap="square" tIns="91425"/>
+          <a:bodyPr spcFirstLastPara="1" wrap="square" lIns="91425" tIns="91425" rIns="91425" bIns="91425" anchor="b" anchorCtr="0"/>
           <a:lstStyle>
             <a:lvl1pPr lvl="0">
               <a:spcBef>
@@ -6205,15 +6404,19 @@
               </a:defRPr>
             </a:lvl9pPr>
           </a:lstStyle>
-          <a:p/>
+          <a:p>
+            <a:endParaRPr/>
+          </a:p>
         </p:txBody>
       </p:sp>
       <p:sp>
         <p:nvSpPr>
           <p:cNvPr id="7" name="Shape 7"/>
-          <p:cNvSpPr txBox="1"/>
+          <p:cNvSpPr txBox="1">
+            <a:spLocks noGrp="1"/>
+          </p:cNvSpPr>
           <p:nvPr>
-            <p:ph idx="1" type="body"/>
+            <p:ph type="body" idx="1"/>
           </p:nvPr>
         </p:nvSpPr>
         <p:spPr>
@@ -6230,9 +6433,9 @@
           </a:ln>
         </p:spPr>
         <p:txBody>
-          <a:bodyPr anchorCtr="0" anchor="t" bIns="91425" lIns="91425" spcFirstLastPara="1" rIns="91425" wrap="square" tIns="91425"/>
+          <a:bodyPr spcFirstLastPara="1" wrap="square" lIns="91425" tIns="91425" rIns="91425" bIns="91425" anchor="t" anchorCtr="0"/>
           <a:lstStyle>
-            <a:lvl1pPr indent="-342900" lvl="0" marL="457200">
+            <a:lvl1pPr marL="457200" lvl="0" indent="-342900">
               <a:lnSpc>
                 <a:spcPct val="115000"/>
               </a:lnSpc>
@@ -6258,7 +6461,7 @@
                 <a:sym typeface="Roboto"/>
               </a:defRPr>
             </a:lvl1pPr>
-            <a:lvl2pPr indent="-317500" lvl="1" marL="914400">
+            <a:lvl2pPr marL="914400" lvl="1" indent="-317500">
               <a:lnSpc>
                 <a:spcPct val="115000"/>
               </a:lnSpc>
@@ -6284,7 +6487,7 @@
                 <a:sym typeface="Roboto"/>
               </a:defRPr>
             </a:lvl2pPr>
-            <a:lvl3pPr indent="-317500" lvl="2" marL="1371600">
+            <a:lvl3pPr marL="1371600" lvl="2" indent="-317500">
               <a:lnSpc>
                 <a:spcPct val="115000"/>
               </a:lnSpc>
@@ -6310,7 +6513,7 @@
                 <a:sym typeface="Roboto"/>
               </a:defRPr>
             </a:lvl3pPr>
-            <a:lvl4pPr indent="-317500" lvl="3" marL="1828800">
+            <a:lvl4pPr marL="1828800" lvl="3" indent="-317500">
               <a:lnSpc>
                 <a:spcPct val="115000"/>
               </a:lnSpc>
@@ -6336,7 +6539,7 @@
                 <a:sym typeface="Roboto"/>
               </a:defRPr>
             </a:lvl4pPr>
-            <a:lvl5pPr indent="-317500" lvl="4" marL="2286000">
+            <a:lvl5pPr marL="2286000" lvl="4" indent="-317500">
               <a:lnSpc>
                 <a:spcPct val="115000"/>
               </a:lnSpc>
@@ -6362,7 +6565,7 @@
                 <a:sym typeface="Roboto"/>
               </a:defRPr>
             </a:lvl5pPr>
-            <a:lvl6pPr indent="-317500" lvl="5" marL="2743200">
+            <a:lvl6pPr marL="2743200" lvl="5" indent="-317500">
               <a:lnSpc>
                 <a:spcPct val="115000"/>
               </a:lnSpc>
@@ -6388,7 +6591,7 @@
                 <a:sym typeface="Roboto"/>
               </a:defRPr>
             </a:lvl6pPr>
-            <a:lvl7pPr indent="-317500" lvl="6" marL="3200400">
+            <a:lvl7pPr marL="3200400" lvl="6" indent="-317500">
               <a:lnSpc>
                 <a:spcPct val="115000"/>
               </a:lnSpc>
@@ -6414,7 +6617,7 @@
                 <a:sym typeface="Roboto"/>
               </a:defRPr>
             </a:lvl7pPr>
-            <a:lvl8pPr indent="-317500" lvl="7" marL="3657600">
+            <a:lvl8pPr marL="3657600" lvl="7" indent="-317500">
               <a:lnSpc>
                 <a:spcPct val="115000"/>
               </a:lnSpc>
@@ -6440,7 +6643,7 @@
                 <a:sym typeface="Roboto"/>
               </a:defRPr>
             </a:lvl8pPr>
-            <a:lvl9pPr indent="-317500" lvl="8" marL="4114800">
+            <a:lvl9pPr marL="4114800" lvl="8" indent="-317500">
               <a:lnSpc>
                 <a:spcPct val="115000"/>
               </a:lnSpc>
@@ -6467,15 +6670,19 @@
               </a:defRPr>
             </a:lvl9pPr>
           </a:lstStyle>
-          <a:p/>
+          <a:p>
+            <a:endParaRPr/>
+          </a:p>
         </p:txBody>
       </p:sp>
       <p:sp>
         <p:nvSpPr>
           <p:cNvPr id="8" name="Shape 8"/>
-          <p:cNvSpPr txBox="1"/>
+          <p:cNvSpPr txBox="1">
+            <a:spLocks noGrp="1"/>
+          </p:cNvSpPr>
           <p:nvPr>
-            <p:ph idx="12" type="sldNum"/>
+            <p:ph type="sldNum" idx="12"/>
           </p:nvPr>
         </p:nvSpPr>
         <p:spPr>
@@ -6492,7 +6699,7 @@
           </a:ln>
         </p:spPr>
         <p:txBody>
-          <a:bodyPr anchorCtr="0" anchor="ctr" bIns="91425" lIns="91425" spcFirstLastPara="1" rIns="91425" wrap="square" tIns="91425">
+          <a:bodyPr spcFirstLastPara="1" wrap="square" lIns="91425" tIns="91425" rIns="91425" bIns="91425" anchor="ctr" anchorCtr="0">
             <a:noAutofit/>
           </a:bodyPr>
           <a:lstStyle>
@@ -6606,7 +6813,7 @@
             </a:lvl9pPr>
           </a:lstStyle>
           <a:p>
-            <a:pPr indent="0" lvl="0" marL="0">
+            <a:pPr marL="0" lvl="0" indent="0">
               <a:spcBef>
                 <a:spcPts val="0"/>
               </a:spcBef>
@@ -6625,7 +6832,7 @@
       </p:sp>
     </p:spTree>
   </p:cSld>
-  <p:clrMap accent1="accent1" accent2="accent2" accent3="accent3" accent4="accent4" accent5="accent5" accent6="accent6" bg1="lt1" bg2="dk2" tx1="dk1" tx2="lt2" folHlink="folHlink" hlink="hlink"/>
+  <p:clrMap bg1="lt1" tx1="dk1" bg2="dk2" tx2="lt2" accent1="accent1" accent2="accent2" accent3="accent3" accent4="accent4" accent5="accent5" accent6="accent6" hlink="hlink" folHlink="folHlink"/>
   <p:sldLayoutIdLst>
     <p:sldLayoutId id="2147483648" r:id="rId1"/>
     <p:sldLayoutId id="2147483649" r:id="rId2"/>
@@ -6639,10 +6846,10 @@
     <p:sldLayoutId id="2147483657" r:id="rId10"/>
     <p:sldLayoutId id="2147483658" r:id="rId11"/>
   </p:sldLayoutIdLst>
-  <p:hf dt="0" ftr="0" hdr="0" sldNum="0"/>
+  <p:hf sldNum="0" hdr="0" ftr="0" dt="0"/>
   <p:txStyles>
     <p:titleStyle>
-      <a:defPPr lvl="0" marR="0" rtl="0" algn="l">
+      <a:defPPr marR="0" lvl="0" algn="l" rtl="0">
         <a:lnSpc>
           <a:spcPct val="100000"/>
         </a:lnSpc>
@@ -6653,7 +6860,7 @@
           <a:spcPts val="0"/>
         </a:spcAft>
       </a:defPPr>
-      <a:lvl1pPr lvl="0" marR="0" rtl="0" algn="l">
+      <a:lvl1pPr marR="0" lvl="0" algn="l" rtl="0">
         <a:lnSpc>
           <a:spcPct val="100000"/>
         </a:lnSpc>
@@ -6667,7 +6874,7 @@
           <a:srgbClr val="000000"/>
         </a:buClr>
         <a:buFont typeface="Arial"/>
-        <a:defRPr b="0" i="0" sz="1400" u="none" cap="none" strike="noStrike">
+        <a:defRPr sz="1400" b="0" i="0" u="none" strike="noStrike" cap="none">
           <a:solidFill>
             <a:srgbClr val="000000"/>
           </a:solidFill>
@@ -6677,7 +6884,7 @@
           <a:sym typeface="Arial"/>
         </a:defRPr>
       </a:lvl1pPr>
-      <a:lvl2pPr lvl="1" marR="0" rtl="0" algn="l">
+      <a:lvl2pPr marR="0" lvl="1" algn="l" rtl="0">
         <a:lnSpc>
           <a:spcPct val="100000"/>
         </a:lnSpc>
@@ -6691,7 +6898,7 @@
           <a:srgbClr val="000000"/>
         </a:buClr>
         <a:buFont typeface="Arial"/>
-        <a:defRPr b="0" i="0" sz="1400" u="none" cap="none" strike="noStrike">
+        <a:defRPr sz="1400" b="0" i="0" u="none" strike="noStrike" cap="none">
           <a:solidFill>
             <a:srgbClr val="000000"/>
           </a:solidFill>
@@ -6701,7 +6908,7 @@
           <a:sym typeface="Arial"/>
         </a:defRPr>
       </a:lvl2pPr>
-      <a:lvl3pPr lvl="2" marR="0" rtl="0" algn="l">
+      <a:lvl3pPr marR="0" lvl="2" algn="l" rtl="0">
         <a:lnSpc>
           <a:spcPct val="100000"/>
         </a:lnSpc>
@@ -6715,7 +6922,7 @@
           <a:srgbClr val="000000"/>
         </a:buClr>
         <a:buFont typeface="Arial"/>
-        <a:defRPr b="0" i="0" sz="1400" u="none" cap="none" strike="noStrike">
+        <a:defRPr sz="1400" b="0" i="0" u="none" strike="noStrike" cap="none">
           <a:solidFill>
             <a:srgbClr val="000000"/>
           </a:solidFill>
@@ -6725,7 +6932,7 @@
           <a:sym typeface="Arial"/>
         </a:defRPr>
       </a:lvl3pPr>
-      <a:lvl4pPr lvl="3" marR="0" rtl="0" algn="l">
+      <a:lvl4pPr marR="0" lvl="3" algn="l" rtl="0">
         <a:lnSpc>
           <a:spcPct val="100000"/>
         </a:lnSpc>
@@ -6739,7 +6946,7 @@
           <a:srgbClr val="000000"/>
         </a:buClr>
         <a:buFont typeface="Arial"/>
-        <a:defRPr b="0" i="0" sz="1400" u="none" cap="none" strike="noStrike">
+        <a:defRPr sz="1400" b="0" i="0" u="none" strike="noStrike" cap="none">
           <a:solidFill>
             <a:srgbClr val="000000"/>
           </a:solidFill>
@@ -6749,7 +6956,7 @@
           <a:sym typeface="Arial"/>
         </a:defRPr>
       </a:lvl4pPr>
-      <a:lvl5pPr lvl="4" marR="0" rtl="0" algn="l">
+      <a:lvl5pPr marR="0" lvl="4" algn="l" rtl="0">
         <a:lnSpc>
           <a:spcPct val="100000"/>
         </a:lnSpc>
@@ -6763,7 +6970,7 @@
           <a:srgbClr val="000000"/>
         </a:buClr>
         <a:buFont typeface="Arial"/>
-        <a:defRPr b="0" i="0" sz="1400" u="none" cap="none" strike="noStrike">
+        <a:defRPr sz="1400" b="0" i="0" u="none" strike="noStrike" cap="none">
           <a:solidFill>
             <a:srgbClr val="000000"/>
           </a:solidFill>
@@ -6773,7 +6980,7 @@
           <a:sym typeface="Arial"/>
         </a:defRPr>
       </a:lvl5pPr>
-      <a:lvl6pPr lvl="5" marR="0" rtl="0" algn="l">
+      <a:lvl6pPr marR="0" lvl="5" algn="l" rtl="0">
         <a:lnSpc>
           <a:spcPct val="100000"/>
         </a:lnSpc>
@@ -6787,7 +6994,7 @@
           <a:srgbClr val="000000"/>
         </a:buClr>
         <a:buFont typeface="Arial"/>
-        <a:defRPr b="0" i="0" sz="1400" u="none" cap="none" strike="noStrike">
+        <a:defRPr sz="1400" b="0" i="0" u="none" strike="noStrike" cap="none">
           <a:solidFill>
             <a:srgbClr val="000000"/>
           </a:solidFill>
@@ -6797,7 +7004,7 @@
           <a:sym typeface="Arial"/>
         </a:defRPr>
       </a:lvl6pPr>
-      <a:lvl7pPr lvl="6" marR="0" rtl="0" algn="l">
+      <a:lvl7pPr marR="0" lvl="6" algn="l" rtl="0">
         <a:lnSpc>
           <a:spcPct val="100000"/>
         </a:lnSpc>
@@ -6811,7 +7018,7 @@
           <a:srgbClr val="000000"/>
         </a:buClr>
         <a:buFont typeface="Arial"/>
-        <a:defRPr b="0" i="0" sz="1400" u="none" cap="none" strike="noStrike">
+        <a:defRPr sz="1400" b="0" i="0" u="none" strike="noStrike" cap="none">
           <a:solidFill>
             <a:srgbClr val="000000"/>
           </a:solidFill>
@@ -6821,7 +7028,7 @@
           <a:sym typeface="Arial"/>
         </a:defRPr>
       </a:lvl7pPr>
-      <a:lvl8pPr lvl="7" marR="0" rtl="0" algn="l">
+      <a:lvl8pPr marR="0" lvl="7" algn="l" rtl="0">
         <a:lnSpc>
           <a:spcPct val="100000"/>
         </a:lnSpc>
@@ -6835,7 +7042,7 @@
           <a:srgbClr val="000000"/>
         </a:buClr>
         <a:buFont typeface="Arial"/>
-        <a:defRPr b="0" i="0" sz="1400" u="none" cap="none" strike="noStrike">
+        <a:defRPr sz="1400" b="0" i="0" u="none" strike="noStrike" cap="none">
           <a:solidFill>
             <a:srgbClr val="000000"/>
           </a:solidFill>
@@ -6845,7 +7052,7 @@
           <a:sym typeface="Arial"/>
         </a:defRPr>
       </a:lvl8pPr>
-      <a:lvl9pPr lvl="8" marR="0" rtl="0" algn="l">
+      <a:lvl9pPr marR="0" lvl="8" algn="l" rtl="0">
         <a:lnSpc>
           <a:spcPct val="100000"/>
         </a:lnSpc>
@@ -6859,7 +7066,7 @@
           <a:srgbClr val="000000"/>
         </a:buClr>
         <a:buFont typeface="Arial"/>
-        <a:defRPr b="0" i="0" sz="1400" u="none" cap="none" strike="noStrike">
+        <a:defRPr sz="1400" b="0" i="0" u="none" strike="noStrike" cap="none">
           <a:solidFill>
             <a:srgbClr val="000000"/>
           </a:solidFill>
@@ -6871,7 +7078,7 @@
       </a:lvl9pPr>
     </p:titleStyle>
     <p:bodyStyle>
-      <a:defPPr lvl="0" marR="0" rtl="0" algn="l">
+      <a:defPPr marR="0" lvl="0" algn="l" rtl="0">
         <a:lnSpc>
           <a:spcPct val="100000"/>
         </a:lnSpc>
@@ -6882,7 +7089,7 @@
           <a:spcPts val="0"/>
         </a:spcAft>
       </a:defPPr>
-      <a:lvl1pPr lvl="0" marR="0" rtl="0" algn="l">
+      <a:lvl1pPr marR="0" lvl="0" algn="l" rtl="0">
         <a:lnSpc>
           <a:spcPct val="100000"/>
         </a:lnSpc>
@@ -6896,7 +7103,7 @@
           <a:srgbClr val="000000"/>
         </a:buClr>
         <a:buFont typeface="Arial"/>
-        <a:defRPr b="0" i="0" sz="1400" u="none" cap="none" strike="noStrike">
+        <a:defRPr sz="1400" b="0" i="0" u="none" strike="noStrike" cap="none">
           <a:solidFill>
             <a:srgbClr val="000000"/>
           </a:solidFill>
@@ -6906,7 +7113,7 @@
           <a:sym typeface="Arial"/>
         </a:defRPr>
       </a:lvl1pPr>
-      <a:lvl2pPr lvl="1" marR="0" rtl="0" algn="l">
+      <a:lvl2pPr marR="0" lvl="1" algn="l" rtl="0">
         <a:lnSpc>
           <a:spcPct val="100000"/>
         </a:lnSpc>
@@ -6920,7 +7127,7 @@
           <a:srgbClr val="000000"/>
         </a:buClr>
         <a:buFont typeface="Arial"/>
-        <a:defRPr b="0" i="0" sz="1400" u="none" cap="none" strike="noStrike">
+        <a:defRPr sz="1400" b="0" i="0" u="none" strike="noStrike" cap="none">
           <a:solidFill>
             <a:srgbClr val="000000"/>
           </a:solidFill>
@@ -6930,7 +7137,7 @@
           <a:sym typeface="Arial"/>
         </a:defRPr>
       </a:lvl2pPr>
-      <a:lvl3pPr lvl="2" marR="0" rtl="0" algn="l">
+      <a:lvl3pPr marR="0" lvl="2" algn="l" rtl="0">
         <a:lnSpc>
           <a:spcPct val="100000"/>
         </a:lnSpc>
@@ -6944,7 +7151,7 @@
           <a:srgbClr val="000000"/>
         </a:buClr>
         <a:buFont typeface="Arial"/>
-        <a:defRPr b="0" i="0" sz="1400" u="none" cap="none" strike="noStrike">
+        <a:defRPr sz="1400" b="0" i="0" u="none" strike="noStrike" cap="none">
           <a:solidFill>
             <a:srgbClr val="000000"/>
           </a:solidFill>
@@ -6954,7 +7161,7 @@
           <a:sym typeface="Arial"/>
         </a:defRPr>
       </a:lvl3pPr>
-      <a:lvl4pPr lvl="3" marR="0" rtl="0" algn="l">
+      <a:lvl4pPr marR="0" lvl="3" algn="l" rtl="0">
         <a:lnSpc>
           <a:spcPct val="100000"/>
         </a:lnSpc>
@@ -6968,7 +7175,7 @@
           <a:srgbClr val="000000"/>
         </a:buClr>
         <a:buFont typeface="Arial"/>
-        <a:defRPr b="0" i="0" sz="1400" u="none" cap="none" strike="noStrike">
+        <a:defRPr sz="1400" b="0" i="0" u="none" strike="noStrike" cap="none">
           <a:solidFill>
             <a:srgbClr val="000000"/>
           </a:solidFill>
@@ -6978,7 +7185,7 @@
           <a:sym typeface="Arial"/>
         </a:defRPr>
       </a:lvl4pPr>
-      <a:lvl5pPr lvl="4" marR="0" rtl="0" algn="l">
+      <a:lvl5pPr marR="0" lvl="4" algn="l" rtl="0">
         <a:lnSpc>
           <a:spcPct val="100000"/>
         </a:lnSpc>
@@ -6992,7 +7199,7 @@
           <a:srgbClr val="000000"/>
         </a:buClr>
         <a:buFont typeface="Arial"/>
-        <a:defRPr b="0" i="0" sz="1400" u="none" cap="none" strike="noStrike">
+        <a:defRPr sz="1400" b="0" i="0" u="none" strike="noStrike" cap="none">
           <a:solidFill>
             <a:srgbClr val="000000"/>
           </a:solidFill>
@@ -7002,7 +7209,7 @@
           <a:sym typeface="Arial"/>
         </a:defRPr>
       </a:lvl5pPr>
-      <a:lvl6pPr lvl="5" marR="0" rtl="0" algn="l">
+      <a:lvl6pPr marR="0" lvl="5" algn="l" rtl="0">
         <a:lnSpc>
           <a:spcPct val="100000"/>
         </a:lnSpc>
@@ -7016,7 +7223,7 @@
           <a:srgbClr val="000000"/>
         </a:buClr>
         <a:buFont typeface="Arial"/>
-        <a:defRPr b="0" i="0" sz="1400" u="none" cap="none" strike="noStrike">
+        <a:defRPr sz="1400" b="0" i="0" u="none" strike="noStrike" cap="none">
           <a:solidFill>
             <a:srgbClr val="000000"/>
           </a:solidFill>
@@ -7026,7 +7233,7 @@
           <a:sym typeface="Arial"/>
         </a:defRPr>
       </a:lvl6pPr>
-      <a:lvl7pPr lvl="6" marR="0" rtl="0" algn="l">
+      <a:lvl7pPr marR="0" lvl="6" algn="l" rtl="0">
         <a:lnSpc>
           <a:spcPct val="100000"/>
         </a:lnSpc>
@@ -7040,7 +7247,7 @@
           <a:srgbClr val="000000"/>
         </a:buClr>
         <a:buFont typeface="Arial"/>
-        <a:defRPr b="0" i="0" sz="1400" u="none" cap="none" strike="noStrike">
+        <a:defRPr sz="1400" b="0" i="0" u="none" strike="noStrike" cap="none">
           <a:solidFill>
             <a:srgbClr val="000000"/>
           </a:solidFill>
@@ -7050,7 +7257,7 @@
           <a:sym typeface="Arial"/>
         </a:defRPr>
       </a:lvl7pPr>
-      <a:lvl8pPr lvl="7" marR="0" rtl="0" algn="l">
+      <a:lvl8pPr marR="0" lvl="7" algn="l" rtl="0">
         <a:lnSpc>
           <a:spcPct val="100000"/>
         </a:lnSpc>
@@ -7064,7 +7271,7 @@
           <a:srgbClr val="000000"/>
         </a:buClr>
         <a:buFont typeface="Arial"/>
-        <a:defRPr b="0" i="0" sz="1400" u="none" cap="none" strike="noStrike">
+        <a:defRPr sz="1400" b="0" i="0" u="none" strike="noStrike" cap="none">
           <a:solidFill>
             <a:srgbClr val="000000"/>
           </a:solidFill>
@@ -7074,7 +7281,7 @@
           <a:sym typeface="Arial"/>
         </a:defRPr>
       </a:lvl8pPr>
-      <a:lvl9pPr lvl="8" marR="0" rtl="0" algn="l">
+      <a:lvl9pPr marR="0" lvl="8" algn="l" rtl="0">
         <a:lnSpc>
           <a:spcPct val="100000"/>
         </a:lnSpc>
@@ -7088,7 +7295,7 @@
           <a:srgbClr val="000000"/>
         </a:buClr>
         <a:buFont typeface="Arial"/>
-        <a:defRPr b="0" i="0" sz="1400" u="none" cap="none" strike="noStrike">
+        <a:defRPr sz="1400" b="0" i="0" u="none" strike="noStrike" cap="none">
           <a:solidFill>
             <a:srgbClr val="000000"/>
           </a:solidFill>
@@ -7100,7 +7307,7 @@
       </a:lvl9pPr>
     </p:bodyStyle>
     <p:otherStyle>
-      <a:defPPr lvl="0" marR="0" rtl="0" algn="l">
+      <a:defPPr marR="0" lvl="0" algn="l" rtl="0">
         <a:lnSpc>
           <a:spcPct val="100000"/>
         </a:lnSpc>
@@ -7111,7 +7318,7 @@
           <a:spcPts val="0"/>
         </a:spcAft>
       </a:defPPr>
-      <a:lvl1pPr lvl="0" marR="0" rtl="0" algn="l">
+      <a:lvl1pPr marR="0" lvl="0" algn="l" rtl="0">
         <a:lnSpc>
           <a:spcPct val="100000"/>
         </a:lnSpc>
@@ -7125,7 +7332,7 @@
           <a:srgbClr val="000000"/>
         </a:buClr>
         <a:buFont typeface="Arial"/>
-        <a:defRPr b="0" i="0" sz="1400" u="none" cap="none" strike="noStrike">
+        <a:defRPr sz="1400" b="0" i="0" u="none" strike="noStrike" cap="none">
           <a:solidFill>
             <a:srgbClr val="000000"/>
           </a:solidFill>
@@ -7135,7 +7342,7 @@
           <a:sym typeface="Arial"/>
         </a:defRPr>
       </a:lvl1pPr>
-      <a:lvl2pPr lvl="1" marR="0" rtl="0" algn="l">
+      <a:lvl2pPr marR="0" lvl="1" algn="l" rtl="0">
         <a:lnSpc>
           <a:spcPct val="100000"/>
         </a:lnSpc>
@@ -7149,7 +7356,7 @@
           <a:srgbClr val="000000"/>
         </a:buClr>
         <a:buFont typeface="Arial"/>
-        <a:defRPr b="0" i="0" sz="1400" u="none" cap="none" strike="noStrike">
+        <a:defRPr sz="1400" b="0" i="0" u="none" strike="noStrike" cap="none">
           <a:solidFill>
             <a:srgbClr val="000000"/>
           </a:solidFill>
@@ -7159,7 +7366,7 @@
           <a:sym typeface="Arial"/>
         </a:defRPr>
       </a:lvl2pPr>
-      <a:lvl3pPr lvl="2" marR="0" rtl="0" algn="l">
+      <a:lvl3pPr marR="0" lvl="2" algn="l" rtl="0">
         <a:lnSpc>
           <a:spcPct val="100000"/>
         </a:lnSpc>
@@ -7173,7 +7380,7 @@
           <a:srgbClr val="000000"/>
         </a:buClr>
         <a:buFont typeface="Arial"/>
-        <a:defRPr b="0" i="0" sz="1400" u="none" cap="none" strike="noStrike">
+        <a:defRPr sz="1400" b="0" i="0" u="none" strike="noStrike" cap="none">
           <a:solidFill>
             <a:srgbClr val="000000"/>
           </a:solidFill>
@@ -7183,7 +7390,7 @@
           <a:sym typeface="Arial"/>
         </a:defRPr>
       </a:lvl3pPr>
-      <a:lvl4pPr lvl="3" marR="0" rtl="0" algn="l">
+      <a:lvl4pPr marR="0" lvl="3" algn="l" rtl="0">
         <a:lnSpc>
           <a:spcPct val="100000"/>
         </a:lnSpc>
@@ -7197,7 +7404,7 @@
           <a:srgbClr val="000000"/>
         </a:buClr>
         <a:buFont typeface="Arial"/>
-        <a:defRPr b="0" i="0" sz="1400" u="none" cap="none" strike="noStrike">
+        <a:defRPr sz="1400" b="0" i="0" u="none" strike="noStrike" cap="none">
           <a:solidFill>
             <a:srgbClr val="000000"/>
           </a:solidFill>
@@ -7207,7 +7414,7 @@
           <a:sym typeface="Arial"/>
         </a:defRPr>
       </a:lvl4pPr>
-      <a:lvl5pPr lvl="4" marR="0" rtl="0" algn="l">
+      <a:lvl5pPr marR="0" lvl="4" algn="l" rtl="0">
         <a:lnSpc>
           <a:spcPct val="100000"/>
         </a:lnSpc>
@@ -7221,7 +7428,7 @@
           <a:srgbClr val="000000"/>
         </a:buClr>
         <a:buFont typeface="Arial"/>
-        <a:defRPr b="0" i="0" sz="1400" u="none" cap="none" strike="noStrike">
+        <a:defRPr sz="1400" b="0" i="0" u="none" strike="noStrike" cap="none">
           <a:solidFill>
             <a:srgbClr val="000000"/>
           </a:solidFill>
@@ -7231,7 +7438,7 @@
           <a:sym typeface="Arial"/>
         </a:defRPr>
       </a:lvl5pPr>
-      <a:lvl6pPr lvl="5" marR="0" rtl="0" algn="l">
+      <a:lvl6pPr marR="0" lvl="5" algn="l" rtl="0">
         <a:lnSpc>
           <a:spcPct val="100000"/>
         </a:lnSpc>
@@ -7245,7 +7452,7 @@
           <a:srgbClr val="000000"/>
         </a:buClr>
         <a:buFont typeface="Arial"/>
-        <a:defRPr b="0" i="0" sz="1400" u="none" cap="none" strike="noStrike">
+        <a:defRPr sz="1400" b="0" i="0" u="none" strike="noStrike" cap="none">
           <a:solidFill>
             <a:srgbClr val="000000"/>
           </a:solidFill>
@@ -7255,7 +7462,7 @@
           <a:sym typeface="Arial"/>
         </a:defRPr>
       </a:lvl6pPr>
-      <a:lvl7pPr lvl="6" marR="0" rtl="0" algn="l">
+      <a:lvl7pPr marR="0" lvl="6" algn="l" rtl="0">
         <a:lnSpc>
           <a:spcPct val="100000"/>
         </a:lnSpc>
@@ -7269,7 +7476,7 @@
           <a:srgbClr val="000000"/>
         </a:buClr>
         <a:buFont typeface="Arial"/>
-        <a:defRPr b="0" i="0" sz="1400" u="none" cap="none" strike="noStrike">
+        <a:defRPr sz="1400" b="0" i="0" u="none" strike="noStrike" cap="none">
           <a:solidFill>
             <a:srgbClr val="000000"/>
           </a:solidFill>
@@ -7279,7 +7486,7 @@
           <a:sym typeface="Arial"/>
         </a:defRPr>
       </a:lvl7pPr>
-      <a:lvl8pPr lvl="7" marR="0" rtl="0" algn="l">
+      <a:lvl8pPr marR="0" lvl="7" algn="l" rtl="0">
         <a:lnSpc>
           <a:spcPct val="100000"/>
         </a:lnSpc>
@@ -7293,7 +7500,7 @@
           <a:srgbClr val="000000"/>
         </a:buClr>
         <a:buFont typeface="Arial"/>
-        <a:defRPr b="0" i="0" sz="1400" u="none" cap="none" strike="noStrike">
+        <a:defRPr sz="1400" b="0" i="0" u="none" strike="noStrike" cap="none">
           <a:solidFill>
             <a:srgbClr val="000000"/>
           </a:solidFill>
@@ -7303,7 +7510,7 @@
           <a:sym typeface="Arial"/>
         </a:defRPr>
       </a:lvl8pPr>
-      <a:lvl9pPr lvl="8" marR="0" rtl="0" algn="l">
+      <a:lvl9pPr marR="0" lvl="8" algn="l" rtl="0">
         <a:lnSpc>
           <a:spcPct val="100000"/>
         </a:lnSpc>
@@ -7317,7 +7524,7 @@
           <a:srgbClr val="000000"/>
         </a:buClr>
         <a:buFont typeface="Arial"/>
-        <a:defRPr b="0" i="0" sz="1400" u="none" cap="none" strike="noStrike">
+        <a:defRPr sz="1400" b="0" i="0" u="none" strike="noStrike" cap="none">
           <a:solidFill>
             <a:srgbClr val="000000"/>
           </a:solidFill>
@@ -7333,11 +7540,11 @@
 </file>
 
 <file path=ppt/slides/slide1.xml><?xml version="1.0" encoding="utf-8"?>
-<p:sld xmlns:a="http://schemas.openxmlformats.org/drawingml/2006/main" xmlns:r="http://schemas.openxmlformats.org/officeDocument/2006/relationships" xmlns:mc="http://schemas.openxmlformats.org/markup-compatibility/2006" xmlns:mv="urn:schemas-microsoft-com:mac:vml" xmlns:p="http://schemas.openxmlformats.org/presentationml/2006/main" xmlns:c="http://schemas.openxmlformats.org/drawingml/2006/chart" xmlns:dgm="http://schemas.openxmlformats.org/drawingml/2006/diagram" xmlns:o="urn:schemas-microsoft-com:office:office" xmlns:v="urn:schemas-microsoft-com:vml" xmlns:pvml="urn:schemas-microsoft-com:office:powerpoint" xmlns:com="http://schemas.openxmlformats.org/drawingml/2006/compatibility" xmlns:p14="http://schemas.microsoft.com/office/powerpoint/2010/main" xmlns:p15="http://schemas.microsoft.com/office/powerpoint/2012/main">
+<p:sld xmlns:a="http://schemas.openxmlformats.org/drawingml/2006/main" xmlns:r="http://schemas.openxmlformats.org/officeDocument/2006/relationships" xmlns:p="http://schemas.openxmlformats.org/presentationml/2006/main">
   <p:cSld>
     <p:spTree>
       <p:nvGrpSpPr>
-        <p:cNvPr id="62" name="Shape 62"/>
+        <p:cNvPr id="1" name="Shape 62"/>
         <p:cNvGrpSpPr/>
         <p:nvPr/>
       </p:nvGrpSpPr>
@@ -7352,7 +7559,9 @@
       <p:sp>
         <p:nvSpPr>
           <p:cNvPr id="63" name="Shape 63"/>
-          <p:cNvSpPr txBox="1"/>
+          <p:cNvSpPr txBox="1">
+            <a:spLocks noGrp="1"/>
+          </p:cNvSpPr>
           <p:nvPr>
             <p:ph type="ctrTitle"/>
           </p:nvPr>
@@ -7367,12 +7576,12 @@
           </a:prstGeom>
         </p:spPr>
         <p:txBody>
-          <a:bodyPr anchorCtr="0" anchor="b" bIns="91425" lIns="91425" spcFirstLastPara="1" rIns="91425" wrap="square" tIns="91425">
+          <a:bodyPr spcFirstLastPara="1" wrap="square" lIns="91425" tIns="91425" rIns="91425" bIns="91425" anchor="b" anchorCtr="0">
             <a:noAutofit/>
           </a:bodyPr>
           <a:lstStyle/>
           <a:p>
-            <a:pPr indent="0" lvl="0" marL="0">
+            <a:pPr marL="0" lvl="0" indent="0">
               <a:spcBef>
                 <a:spcPts val="0"/>
               </a:spcBef>
@@ -7392,9 +7601,11 @@
       <p:sp>
         <p:nvSpPr>
           <p:cNvPr id="64" name="Shape 64"/>
-          <p:cNvSpPr txBox="1"/>
+          <p:cNvSpPr txBox="1">
+            <a:spLocks noGrp="1"/>
+          </p:cNvSpPr>
           <p:nvPr>
-            <p:ph idx="1" type="subTitle"/>
+            <p:ph type="subTitle" idx="1"/>
           </p:nvPr>
         </p:nvSpPr>
         <p:spPr>
@@ -7407,12 +7618,12 @@
           </a:prstGeom>
         </p:spPr>
         <p:txBody>
-          <a:bodyPr anchorCtr="0" anchor="t" bIns="91425" lIns="91425" spcFirstLastPara="1" rIns="91425" wrap="square" tIns="91425">
+          <a:bodyPr spcFirstLastPara="1" wrap="square" lIns="91425" tIns="91425" rIns="91425" bIns="91425" anchor="t" anchorCtr="0">
             <a:noAutofit/>
           </a:bodyPr>
           <a:lstStyle/>
           <a:p>
-            <a:pPr indent="0" lvl="0" marL="0">
+            <a:pPr marL="0" lvl="0" indent="0">
               <a:spcBef>
                 <a:spcPts val="0"/>
               </a:spcBef>
@@ -7422,10 +7633,10 @@
               <a:buNone/>
             </a:pPr>
             <a:r>
-              <a:rPr lang="en"/>
-              <a:t>By Selim Karaoglu and Kalani Sanidad</a:t>
+              <a:rPr lang="en" dirty="0"/>
+              <a:t>Selim Karaoglu</a:t>
             </a:r>
-            <a:endParaRPr/>
+            <a:endParaRPr dirty="0"/>
           </a:p>
         </p:txBody>
       </p:sp>
@@ -7438,11 +7649,11 @@
 </file>
 
 <file path=ppt/slides/slide10.xml><?xml version="1.0" encoding="utf-8"?>
-<p:sld xmlns:a="http://schemas.openxmlformats.org/drawingml/2006/main" xmlns:r="http://schemas.openxmlformats.org/officeDocument/2006/relationships" xmlns:mc="http://schemas.openxmlformats.org/markup-compatibility/2006" xmlns:mv="urn:schemas-microsoft-com:mac:vml" xmlns:p="http://schemas.openxmlformats.org/presentationml/2006/main" xmlns:c="http://schemas.openxmlformats.org/drawingml/2006/chart" xmlns:dgm="http://schemas.openxmlformats.org/drawingml/2006/diagram" xmlns:o="urn:schemas-microsoft-com:office:office" xmlns:v="urn:schemas-microsoft-com:vml" xmlns:pvml="urn:schemas-microsoft-com:office:powerpoint" xmlns:com="http://schemas.openxmlformats.org/drawingml/2006/compatibility" xmlns:p14="http://schemas.microsoft.com/office/powerpoint/2010/main" xmlns:p15="http://schemas.microsoft.com/office/powerpoint/2012/main">
+<p:sld xmlns:a="http://schemas.openxmlformats.org/drawingml/2006/main" xmlns:r="http://schemas.openxmlformats.org/officeDocument/2006/relationships" xmlns:p="http://schemas.openxmlformats.org/presentationml/2006/main">
   <p:cSld>
     <p:spTree>
       <p:nvGrpSpPr>
-        <p:cNvPr id="120" name="Shape 120"/>
+        <p:cNvPr id="1" name="Shape 120"/>
         <p:cNvGrpSpPr/>
         <p:nvPr/>
       </p:nvGrpSpPr>
@@ -7457,7 +7668,9 @@
       <p:sp>
         <p:nvSpPr>
           <p:cNvPr id="121" name="Shape 121"/>
-          <p:cNvSpPr txBox="1"/>
+          <p:cNvSpPr txBox="1">
+            <a:spLocks noGrp="1"/>
+          </p:cNvSpPr>
           <p:nvPr>
             <p:ph type="title"/>
           </p:nvPr>
@@ -7472,12 +7685,12 @@
           </a:prstGeom>
         </p:spPr>
         <p:txBody>
-          <a:bodyPr anchorCtr="0" anchor="b" bIns="91425" lIns="91425" spcFirstLastPara="1" rIns="91425" wrap="square" tIns="91425">
+          <a:bodyPr spcFirstLastPara="1" wrap="square" lIns="91425" tIns="91425" rIns="91425" bIns="91425" anchor="b" anchorCtr="0">
             <a:noAutofit/>
           </a:bodyPr>
           <a:lstStyle/>
           <a:p>
-            <a:pPr indent="0" lvl="0" marL="0">
+            <a:pPr marL="0" lvl="0" indent="0">
               <a:spcBef>
                 <a:spcPts val="0"/>
               </a:spcBef>
@@ -7503,11 +7716,11 @@
 </file>
 
 <file path=ppt/slides/slide11.xml><?xml version="1.0" encoding="utf-8"?>
-<p:sld xmlns:a="http://schemas.openxmlformats.org/drawingml/2006/main" xmlns:r="http://schemas.openxmlformats.org/officeDocument/2006/relationships" xmlns:mc="http://schemas.openxmlformats.org/markup-compatibility/2006" xmlns:mv="urn:schemas-microsoft-com:mac:vml" xmlns:p="http://schemas.openxmlformats.org/presentationml/2006/main" xmlns:c="http://schemas.openxmlformats.org/drawingml/2006/chart" xmlns:dgm="http://schemas.openxmlformats.org/drawingml/2006/diagram" xmlns:o="urn:schemas-microsoft-com:office:office" xmlns:v="urn:schemas-microsoft-com:vml" xmlns:pvml="urn:schemas-microsoft-com:office:powerpoint" xmlns:com="http://schemas.openxmlformats.org/drawingml/2006/compatibility" xmlns:p14="http://schemas.microsoft.com/office/powerpoint/2010/main" xmlns:p15="http://schemas.microsoft.com/office/powerpoint/2012/main">
+<p:sld xmlns:a="http://schemas.openxmlformats.org/drawingml/2006/main" xmlns:r="http://schemas.openxmlformats.org/officeDocument/2006/relationships" xmlns:p="http://schemas.openxmlformats.org/presentationml/2006/main">
   <p:cSld>
     <p:spTree>
       <p:nvGrpSpPr>
-        <p:cNvPr id="125" name="Shape 125"/>
+        <p:cNvPr id="1" name="Shape 125"/>
         <p:cNvGrpSpPr/>
         <p:nvPr/>
       </p:nvGrpSpPr>
@@ -7522,7 +7735,9 @@
       <p:sp>
         <p:nvSpPr>
           <p:cNvPr id="126" name="Shape 126"/>
-          <p:cNvSpPr txBox="1"/>
+          <p:cNvSpPr txBox="1">
+            <a:spLocks noGrp="1"/>
+          </p:cNvSpPr>
           <p:nvPr>
             <p:ph type="title"/>
           </p:nvPr>
@@ -7537,12 +7752,12 @@
           </a:prstGeom>
         </p:spPr>
         <p:txBody>
-          <a:bodyPr anchorCtr="0" anchor="b" bIns="91425" lIns="91425" spcFirstLastPara="1" rIns="91425" wrap="square" tIns="91425">
+          <a:bodyPr spcFirstLastPara="1" wrap="square" lIns="91425" tIns="91425" rIns="91425" bIns="91425" anchor="b" anchorCtr="0">
             <a:noAutofit/>
           </a:bodyPr>
           <a:lstStyle/>
           <a:p>
-            <a:pPr indent="0" lvl="0" marL="0">
+            <a:pPr marL="0" lvl="0" indent="0">
               <a:spcBef>
                 <a:spcPts val="0"/>
               </a:spcBef>
@@ -7551,9 +7766,6 @@
               </a:spcAft>
               <a:buNone/>
             </a:pPr>
-            <a:r>
-              <a:t/>
-            </a:r>
             <a:endParaRPr/>
           </a:p>
         </p:txBody>
@@ -7561,9 +7773,11 @@
       <p:sp>
         <p:nvSpPr>
           <p:cNvPr id="127" name="Shape 127"/>
-          <p:cNvSpPr txBox="1"/>
+          <p:cNvSpPr txBox="1">
+            <a:spLocks noGrp="1"/>
+          </p:cNvSpPr>
           <p:nvPr>
-            <p:ph idx="1" type="body"/>
+            <p:ph type="body" idx="1"/>
           </p:nvPr>
         </p:nvSpPr>
         <p:spPr>
@@ -7576,12 +7790,12 @@
           </a:prstGeom>
         </p:spPr>
         <p:txBody>
-          <a:bodyPr anchorCtr="0" anchor="t" bIns="91425" lIns="91425" spcFirstLastPara="1" rIns="91425" wrap="square" tIns="91425">
+          <a:bodyPr spcFirstLastPara="1" wrap="square" lIns="91425" tIns="91425" rIns="91425" bIns="91425" anchor="t" anchorCtr="0">
             <a:noAutofit/>
           </a:bodyPr>
           <a:lstStyle/>
           <a:p>
-            <a:pPr indent="0" lvl="0" marL="0">
+            <a:pPr marL="0" lvl="0" indent="0">
               <a:spcBef>
                 <a:spcPts val="0"/>
               </a:spcBef>
@@ -7590,9 +7804,6 @@
               </a:spcAft>
               <a:buNone/>
             </a:pPr>
-            <a:r>
-              <a:t/>
-            </a:r>
             <a:endParaRPr/>
           </a:p>
         </p:txBody>
@@ -7627,11 +7838,11 @@
 </file>
 
 <file path=ppt/slides/slide12.xml><?xml version="1.0" encoding="utf-8"?>
-<p:sld xmlns:a="http://schemas.openxmlformats.org/drawingml/2006/main" xmlns:r="http://schemas.openxmlformats.org/officeDocument/2006/relationships" xmlns:mc="http://schemas.openxmlformats.org/markup-compatibility/2006" xmlns:mv="urn:schemas-microsoft-com:mac:vml" xmlns:p="http://schemas.openxmlformats.org/presentationml/2006/main" xmlns:c="http://schemas.openxmlformats.org/drawingml/2006/chart" xmlns:dgm="http://schemas.openxmlformats.org/drawingml/2006/diagram" xmlns:o="urn:schemas-microsoft-com:office:office" xmlns:v="urn:schemas-microsoft-com:vml" xmlns:pvml="urn:schemas-microsoft-com:office:powerpoint" xmlns:com="http://schemas.openxmlformats.org/drawingml/2006/compatibility" xmlns:p14="http://schemas.microsoft.com/office/powerpoint/2010/main" xmlns:p15="http://schemas.microsoft.com/office/powerpoint/2012/main">
+<p:sld xmlns:a="http://schemas.openxmlformats.org/drawingml/2006/main" xmlns:r="http://schemas.openxmlformats.org/officeDocument/2006/relationships" xmlns:p="http://schemas.openxmlformats.org/presentationml/2006/main">
   <p:cSld>
     <p:spTree>
       <p:nvGrpSpPr>
-        <p:cNvPr id="132" name="Shape 132"/>
+        <p:cNvPr id="1" name="Shape 132"/>
         <p:cNvGrpSpPr/>
         <p:nvPr/>
       </p:nvGrpSpPr>
@@ -7646,9 +7857,11 @@
       <p:sp>
         <p:nvSpPr>
           <p:cNvPr id="133" name="Shape 133"/>
-          <p:cNvSpPr txBox="1"/>
+          <p:cNvSpPr txBox="1">
+            <a:spLocks noGrp="1"/>
+          </p:cNvSpPr>
           <p:nvPr>
-            <p:ph idx="4294967295" type="body"/>
+            <p:ph type="body" idx="4294967295"/>
           </p:nvPr>
         </p:nvSpPr>
         <p:spPr>
@@ -7661,12 +7874,12 @@
           </a:prstGeom>
         </p:spPr>
         <p:txBody>
-          <a:bodyPr anchorCtr="0" anchor="t" bIns="91425" lIns="91425" spcFirstLastPara="1" rIns="91425" wrap="square" tIns="91425">
+          <a:bodyPr spcFirstLastPara="1" wrap="square" lIns="91425" tIns="91425" rIns="91425" bIns="91425" anchor="t" anchorCtr="0">
             <a:noAutofit/>
           </a:bodyPr>
           <a:lstStyle/>
           <a:p>
-            <a:pPr indent="0" lvl="0" marL="0" rtl="0">
+            <a:pPr marL="0" lvl="0" indent="0" rtl="0">
               <a:spcBef>
                 <a:spcPts val="0"/>
               </a:spcBef>
@@ -7682,7 +7895,7 @@
             <a:endParaRPr/>
           </a:p>
           <a:p>
-            <a:pPr indent="-298450" lvl="2" marL="1371600" rtl="0">
+            <a:pPr marL="1371600" lvl="2" indent="-298450" rtl="0">
               <a:lnSpc>
                 <a:spcPct val="100000"/>
               </a:lnSpc>
@@ -7721,7 +7934,7 @@
                 <a:ea typeface="Arial"/>
                 <a:cs typeface="Arial"/>
                 <a:sym typeface="Arial"/>
-                <a:hlinkClick r:id="rId4"/>
+                <a:hlinkClick r:id="rId3"/>
               </a:rPr>
               <a:t>in</a:t>
             </a:r>
@@ -7736,7 +7949,7 @@
             </a:endParaRPr>
           </a:p>
           <a:p>
-            <a:pPr indent="-285750" lvl="3" marL="1828800" rtl="0">
+            <a:pPr marL="1828800" lvl="3" indent="-285750" rtl="0">
               <a:lnSpc>
                 <a:spcPct val="100000"/>
               </a:lnSpc>
@@ -7762,7 +7975,7 @@
                 <a:ea typeface="Arial"/>
                 <a:cs typeface="Arial"/>
                 <a:sym typeface="Arial"/>
-                <a:hlinkClick r:id="rId5"/>
+                <a:hlinkClick r:id="rId4"/>
               </a:rPr>
               <a:t>Soundfont</a:t>
             </a:r>
@@ -7789,7 +8002,7 @@
             </a:endParaRPr>
           </a:p>
           <a:p>
-            <a:pPr indent="-298450" lvl="4" marL="2286000" rtl="0">
+            <a:pPr marL="2286000" lvl="4" indent="-298450" rtl="0">
               <a:lnSpc>
                 <a:spcPct val="100000"/>
               </a:lnSpc>
@@ -7815,7 +8028,7 @@
                 <a:ea typeface="Arial"/>
                 <a:cs typeface="Arial"/>
                 <a:sym typeface="Arial"/>
-                <a:hlinkClick r:id="rId6"/>
+                <a:hlinkClick r:id="rId5"/>
               </a:rPr>
               <a:t>acoustic_grand_piano-mp3</a:t>
             </a:r>
@@ -7842,7 +8055,48 @@
             </a:endParaRPr>
           </a:p>
           <a:p>
-            <a:pPr indent="-298450" lvl="4" marL="2286000" rtl="0">
+            <a:pPr marL="2286000" lvl="4" indent="-298450" rtl="0">
+              <a:lnSpc>
+                <a:spcPct val="100000"/>
+              </a:lnSpc>
+              <a:spcBef>
+                <a:spcPts val="0"/>
+              </a:spcBef>
+              <a:spcAft>
+                <a:spcPts val="0"/>
+              </a:spcAft>
+              <a:buClr>
+                <a:srgbClr val="FFFFFF"/>
+              </a:buClr>
+              <a:buSzPts val="1100"/>
+              <a:buFont typeface="Arial"/>
+              <a:buAutoNum type="alphaLcPeriod"/>
+            </a:pPr>
+            <a:r>
+              <a:rPr lang="en" sz="1100" u="sng">
+                <a:solidFill>
+                  <a:srgbClr val="FFFFFF"/>
+                </a:solidFill>
+                <a:latin typeface="Arial"/>
+                <a:ea typeface="Arial"/>
+                <a:cs typeface="Arial"/>
+                <a:sym typeface="Arial"/>
+                <a:hlinkClick r:id="rId6"/>
+              </a:rPr>
+              <a:t>acoustic_grand_piano-mp3.js</a:t>
+            </a:r>
+            <a:endParaRPr sz="1100">
+              <a:solidFill>
+                <a:srgbClr val="FFFFFF"/>
+              </a:solidFill>
+              <a:latin typeface="Arial"/>
+              <a:ea typeface="Arial"/>
+              <a:cs typeface="Arial"/>
+              <a:sym typeface="Arial"/>
+            </a:endParaRPr>
+          </a:p>
+          <a:p>
+            <a:pPr marL="2286000" lvl="4" indent="-298450" rtl="0">
               <a:lnSpc>
                 <a:spcPct val="100000"/>
               </a:lnSpc>
@@ -7870,7 +8124,7 @@
                 <a:sym typeface="Arial"/>
                 <a:hlinkClick r:id="rId7"/>
               </a:rPr>
-              <a:t>acoustic_grand_piano-mp3.js</a:t>
+              <a:t>acoustic_grand_piano-ogg.js</a:t>
             </a:r>
             <a:endParaRPr sz="1100">
               <a:solidFill>
@@ -7883,7 +8137,7 @@
             </a:endParaRPr>
           </a:p>
           <a:p>
-            <a:pPr indent="-298450" lvl="4" marL="2286000" rtl="0">
+            <a:pPr marL="1828800" lvl="3" indent="-298450" rtl="0">
               <a:lnSpc>
                 <a:spcPct val="100000"/>
               </a:lnSpc>
@@ -7898,7 +8152,7 @@
               </a:buClr>
               <a:buSzPts val="1100"/>
               <a:buFont typeface="Arial"/>
-              <a:buAutoNum type="alphaLcPeriod"/>
+              <a:buAutoNum type="arabicPeriod"/>
             </a:pPr>
             <a:r>
               <a:rPr lang="en" sz="1100" u="sng">
@@ -7911,7 +8165,7 @@
                 <a:sym typeface="Arial"/>
                 <a:hlinkClick r:id="rId8"/>
               </a:rPr>
-              <a:t>acoustic_grand_piano-ogg.js</a:t>
+              <a:t>banner.png</a:t>
             </a:r>
             <a:endParaRPr sz="1100">
               <a:solidFill>
@@ -7924,7 +8178,7 @@
             </a:endParaRPr>
           </a:p>
           <a:p>
-            <a:pPr indent="-298450" lvl="3" marL="1828800" rtl="0">
+            <a:pPr marL="1828800" lvl="3" indent="-298450" rtl="0">
               <a:lnSpc>
                 <a:spcPct val="100000"/>
               </a:lnSpc>
@@ -7951,47 +8205,6 @@
                 <a:cs typeface="Arial"/>
                 <a:sym typeface="Arial"/>
                 <a:hlinkClick r:id="rId9"/>
-              </a:rPr>
-              <a:t>banner.png</a:t>
-            </a:r>
-            <a:endParaRPr sz="1100">
-              <a:solidFill>
-                <a:srgbClr val="FFFFFF"/>
-              </a:solidFill>
-              <a:latin typeface="Arial"/>
-              <a:ea typeface="Arial"/>
-              <a:cs typeface="Arial"/>
-              <a:sym typeface="Arial"/>
-            </a:endParaRPr>
-          </a:p>
-          <a:p>
-            <a:pPr indent="-298450" lvl="3" marL="1828800" rtl="0">
-              <a:lnSpc>
-                <a:spcPct val="100000"/>
-              </a:lnSpc>
-              <a:spcBef>
-                <a:spcPts val="0"/>
-              </a:spcBef>
-              <a:spcAft>
-                <a:spcPts val="0"/>
-              </a:spcAft>
-              <a:buClr>
-                <a:srgbClr val="FFFFFF"/>
-              </a:buClr>
-              <a:buSzPts val="1100"/>
-              <a:buFont typeface="Arial"/>
-              <a:buAutoNum type="arabicPeriod"/>
-            </a:pPr>
-            <a:r>
-              <a:rPr lang="en" sz="1100" u="sng">
-                <a:solidFill>
-                  <a:srgbClr val="FFFFFF"/>
-                </a:solidFill>
-                <a:latin typeface="Arial"/>
-                <a:ea typeface="Arial"/>
-                <a:cs typeface="Arial"/>
-                <a:sym typeface="Arial"/>
-                <a:hlinkClick r:id="rId10"/>
               </a:rPr>
               <a:t>harmonizing.html</a:t>
             </a:r>
@@ -8018,7 +8231,7 @@
             </a:endParaRPr>
           </a:p>
           <a:p>
-            <a:pPr indent="-298450" lvl="3" marL="1828800" rtl="0">
+            <a:pPr marL="1828800" lvl="3" indent="-298450" rtl="0">
               <a:lnSpc>
                 <a:spcPct val="100000"/>
               </a:lnSpc>
@@ -8044,7 +8257,7 @@
                 <a:ea typeface="Arial"/>
                 <a:cs typeface="Arial"/>
                 <a:sym typeface="Arial"/>
-                <a:hlinkClick r:id="rId11"/>
+                <a:hlinkClick r:id="rId10"/>
               </a:rPr>
               <a:t>main.css</a:t>
             </a:r>
@@ -8059,7 +8272,7 @@
             </a:endParaRPr>
           </a:p>
           <a:p>
-            <a:pPr indent="-317500" lvl="2" marL="1371600" rtl="0">
+            <a:pPr marL="1371600" lvl="2" indent="-317500" rtl="0">
               <a:lnSpc>
                 <a:spcPct val="100000"/>
               </a:lnSpc>
@@ -8085,7 +8298,7 @@
                 <a:ea typeface="Arial"/>
                 <a:cs typeface="Arial"/>
                 <a:sym typeface="Arial"/>
-                <a:hlinkClick r:id="rId12"/>
+                <a:hlinkClick r:id="rId11"/>
               </a:rPr>
               <a:t>js</a:t>
             </a:r>
@@ -8100,7 +8313,7 @@
             </a:endParaRPr>
           </a:p>
           <a:p>
-            <a:pPr indent="-317500" lvl="3" marL="1828800" rtl="0">
+            <a:pPr marL="1828800" lvl="3" indent="-317500" rtl="0">
               <a:lnSpc>
                 <a:spcPct val="100000"/>
               </a:lnSpc>
@@ -8126,7 +8339,7 @@
                 <a:ea typeface="Arial"/>
                 <a:cs typeface="Arial"/>
                 <a:sym typeface="Arial"/>
-                <a:hlinkClick r:id="rId13"/>
+                <a:hlinkClick r:id="rId12"/>
               </a:rPr>
               <a:t>midi</a:t>
             </a:r>
@@ -8153,7 +8366,7 @@
             </a:endParaRPr>
           </a:p>
           <a:p>
-            <a:pPr indent="-298450" lvl="3" marL="1828800" rtl="0">
+            <a:pPr marL="1828800" lvl="3" indent="-298450" rtl="0">
               <a:lnSpc>
                 <a:spcPct val="100000"/>
               </a:lnSpc>
@@ -8179,7 +8392,7 @@
                 <a:ea typeface="Arial"/>
                 <a:cs typeface="Arial"/>
                 <a:sym typeface="Arial"/>
-                <a:hlinkClick r:id="rId14"/>
+                <a:hlinkClick r:id="rId13"/>
               </a:rPr>
               <a:t>util</a:t>
             </a:r>
@@ -8206,7 +8419,48 @@
             </a:endParaRPr>
           </a:p>
           <a:p>
-            <a:pPr indent="-298450" lvl="3" marL="1828800" rtl="0">
+            <a:pPr marL="1828800" lvl="3" indent="-298450" rtl="0">
+              <a:lnSpc>
+                <a:spcPct val="100000"/>
+              </a:lnSpc>
+              <a:spcBef>
+                <a:spcPts val="0"/>
+              </a:spcBef>
+              <a:spcAft>
+                <a:spcPts val="0"/>
+              </a:spcAft>
+              <a:buClr>
+                <a:srgbClr val="FFFFFF"/>
+              </a:buClr>
+              <a:buSzPts val="1100"/>
+              <a:buFont typeface="Arial"/>
+              <a:buAutoNum type="arabicPeriod"/>
+            </a:pPr>
+            <a:r>
+              <a:rPr lang="en" sz="1100" u="sng">
+                <a:solidFill>
+                  <a:srgbClr val="FFFFFF"/>
+                </a:solidFill>
+                <a:latin typeface="Arial"/>
+                <a:ea typeface="Arial"/>
+                <a:cs typeface="Arial"/>
+                <a:sym typeface="Arial"/>
+                <a:hlinkClick r:id="rId14"/>
+              </a:rPr>
+              <a:t>evo.js</a:t>
+            </a:r>
+            <a:endParaRPr sz="1100">
+              <a:solidFill>
+                <a:srgbClr val="FFFFFF"/>
+              </a:solidFill>
+              <a:latin typeface="Arial"/>
+              <a:ea typeface="Arial"/>
+              <a:cs typeface="Arial"/>
+              <a:sym typeface="Arial"/>
+            </a:endParaRPr>
+          </a:p>
+          <a:p>
+            <a:pPr marL="1828800" lvl="3" indent="-298450" rtl="0">
               <a:lnSpc>
                 <a:spcPct val="100000"/>
               </a:lnSpc>
@@ -8234,7 +8488,7 @@
                 <a:sym typeface="Arial"/>
                 <a:hlinkClick r:id="rId15"/>
               </a:rPr>
-              <a:t>evo.js</a:t>
+              <a:t>main.js</a:t>
             </a:r>
             <a:endParaRPr sz="1100">
               <a:solidFill>
@@ -8247,7 +8501,7 @@
             </a:endParaRPr>
           </a:p>
           <a:p>
-            <a:pPr indent="-298450" lvl="3" marL="1828800" rtl="0">
+            <a:pPr marL="1828800" lvl="3" indent="-298450" rtl="0">
               <a:lnSpc>
                 <a:spcPct val="100000"/>
               </a:lnSpc>
@@ -8275,7 +8529,7 @@
                 <a:sym typeface="Arial"/>
                 <a:hlinkClick r:id="rId16"/>
               </a:rPr>
-              <a:t>main.js</a:t>
+              <a:t>musicsheet.js</a:t>
             </a:r>
             <a:endParaRPr sz="1100">
               <a:solidFill>
@@ -8288,7 +8542,7 @@
             </a:endParaRPr>
           </a:p>
           <a:p>
-            <a:pPr indent="-298450" lvl="3" marL="1828800" rtl="0">
+            <a:pPr marL="1828800" lvl="3" indent="-298450" rtl="0">
               <a:lnSpc>
                 <a:spcPct val="100000"/>
               </a:lnSpc>
@@ -8316,7 +8570,7 @@
                 <a:sym typeface="Arial"/>
                 <a:hlinkClick r:id="rId17"/>
               </a:rPr>
-              <a:t>musicsheet.js</a:t>
+              <a:t>test.js</a:t>
             </a:r>
             <a:endParaRPr sz="1100">
               <a:solidFill>
@@ -8329,7 +8583,48 @@
             </a:endParaRPr>
           </a:p>
           <a:p>
-            <a:pPr indent="-298450" lvl="3" marL="1828800" rtl="0">
+            <a:pPr marL="1371600" lvl="2" indent="-317500" rtl="0">
+              <a:lnSpc>
+                <a:spcPct val="100000"/>
+              </a:lnSpc>
+              <a:spcBef>
+                <a:spcPts val="0"/>
+              </a:spcBef>
+              <a:spcAft>
+                <a:spcPts val="0"/>
+              </a:spcAft>
+              <a:buClr>
+                <a:srgbClr val="FFFFFF"/>
+              </a:buClr>
+              <a:buSzPts val="1400"/>
+              <a:buFont typeface="Arial"/>
+              <a:buAutoNum type="romanLcPeriod"/>
+            </a:pPr>
+            <a:r>
+              <a:rPr lang="en" sz="1100" u="sng">
+                <a:solidFill>
+                  <a:srgbClr val="FFFFFF"/>
+                </a:solidFill>
+                <a:latin typeface="Arial"/>
+                <a:ea typeface="Arial"/>
+                <a:cs typeface="Arial"/>
+                <a:sym typeface="Arial"/>
+                <a:hlinkClick r:id="rId18"/>
+              </a:rPr>
+              <a:t>inc</a:t>
+            </a:r>
+            <a:endParaRPr sz="1100">
+              <a:solidFill>
+                <a:srgbClr val="FFFFFF"/>
+              </a:solidFill>
+              <a:latin typeface="Arial"/>
+              <a:ea typeface="Arial"/>
+              <a:cs typeface="Arial"/>
+              <a:sym typeface="Arial"/>
+            </a:endParaRPr>
+          </a:p>
+          <a:p>
+            <a:pPr marL="1828800" lvl="3" indent="-298450" rtl="0">
               <a:lnSpc>
                 <a:spcPct val="100000"/>
               </a:lnSpc>
@@ -8355,89 +8650,7 @@
                 <a:ea typeface="Arial"/>
                 <a:cs typeface="Arial"/>
                 <a:sym typeface="Arial"/>
-                <a:hlinkClick r:id="rId18"/>
-              </a:rPr>
-              <a:t>test.js</a:t>
-            </a:r>
-            <a:endParaRPr sz="1100">
-              <a:solidFill>
-                <a:srgbClr val="FFFFFF"/>
-              </a:solidFill>
-              <a:latin typeface="Arial"/>
-              <a:ea typeface="Arial"/>
-              <a:cs typeface="Arial"/>
-              <a:sym typeface="Arial"/>
-            </a:endParaRPr>
-          </a:p>
-          <a:p>
-            <a:pPr indent="-317500" lvl="2" marL="1371600" rtl="0">
-              <a:lnSpc>
-                <a:spcPct val="100000"/>
-              </a:lnSpc>
-              <a:spcBef>
-                <a:spcPts val="0"/>
-              </a:spcBef>
-              <a:spcAft>
-                <a:spcPts val="0"/>
-              </a:spcAft>
-              <a:buClr>
-                <a:srgbClr val="FFFFFF"/>
-              </a:buClr>
-              <a:buSzPts val="1400"/>
-              <a:buFont typeface="Arial"/>
-              <a:buAutoNum type="romanLcPeriod"/>
-            </a:pPr>
-            <a:r>
-              <a:rPr lang="en" sz="1100" u="sng">
-                <a:solidFill>
-                  <a:srgbClr val="FFFFFF"/>
-                </a:solidFill>
-                <a:latin typeface="Arial"/>
-                <a:ea typeface="Arial"/>
-                <a:cs typeface="Arial"/>
-                <a:sym typeface="Arial"/>
                 <a:hlinkClick r:id="rId19"/>
-              </a:rPr>
-              <a:t>inc</a:t>
-            </a:r>
-            <a:endParaRPr sz="1100">
-              <a:solidFill>
-                <a:srgbClr val="FFFFFF"/>
-              </a:solidFill>
-              <a:latin typeface="Arial"/>
-              <a:ea typeface="Arial"/>
-              <a:cs typeface="Arial"/>
-              <a:sym typeface="Arial"/>
-            </a:endParaRPr>
-          </a:p>
-          <a:p>
-            <a:pPr indent="-298450" lvl="3" marL="1828800" rtl="0">
-              <a:lnSpc>
-                <a:spcPct val="100000"/>
-              </a:lnSpc>
-              <a:spcBef>
-                <a:spcPts val="0"/>
-              </a:spcBef>
-              <a:spcAft>
-                <a:spcPts val="0"/>
-              </a:spcAft>
-              <a:buClr>
-                <a:srgbClr val="FFFFFF"/>
-              </a:buClr>
-              <a:buSzPts val="1100"/>
-              <a:buFont typeface="Arial"/>
-              <a:buAutoNum type="arabicPeriod"/>
-            </a:pPr>
-            <a:r>
-              <a:rPr lang="en" sz="1100" u="sng">
-                <a:solidFill>
-                  <a:srgbClr val="FFFFFF"/>
-                </a:solidFill>
-                <a:latin typeface="Arial"/>
-                <a:ea typeface="Arial"/>
-                <a:cs typeface="Arial"/>
-                <a:sym typeface="Arial"/>
-                <a:hlinkClick r:id="rId20"/>
               </a:rPr>
               <a:t>shim</a:t>
             </a:r>
@@ -8464,9 +8677,11 @@
       <p:sp>
         <p:nvSpPr>
           <p:cNvPr id="134" name="Shape 134"/>
-          <p:cNvSpPr txBox="1"/>
+          <p:cNvSpPr txBox="1">
+            <a:spLocks noGrp="1"/>
+          </p:cNvSpPr>
           <p:nvPr>
-            <p:ph idx="4294967295" type="body"/>
+            <p:ph type="body" idx="4294967295"/>
           </p:nvPr>
         </p:nvSpPr>
         <p:spPr>
@@ -8479,12 +8694,12 @@
           </a:prstGeom>
         </p:spPr>
         <p:txBody>
-          <a:bodyPr anchorCtr="0" anchor="t" bIns="91425" lIns="91425" spcFirstLastPara="1" rIns="91425" wrap="square" tIns="91425">
+          <a:bodyPr spcFirstLastPara="1" wrap="square" lIns="91425" tIns="91425" rIns="91425" bIns="91425" anchor="t" anchorCtr="0">
             <a:noAutofit/>
           </a:bodyPr>
           <a:lstStyle/>
           <a:p>
-            <a:pPr indent="0" lvl="0" marL="0" rtl="0">
+            <a:pPr marL="0" lvl="0" indent="0" rtl="0">
               <a:spcBef>
                 <a:spcPts val="0"/>
               </a:spcBef>
@@ -8495,18 +8710,52 @@
             </a:pPr>
             <a:r>
               <a:rPr lang="en"/>
-              <a:t>Outer </a:t>
-            </a:r>
-            <a:r>
-              <a:rPr lang="en"/>
-              <a:t>Sources</a:t>
+              <a:t>Outer Sources</a:t>
             </a:r>
             <a:endParaRPr/>
           </a:p>
           <a:p>
-            <a:pPr indent="-298450" lvl="2" marL="1371600" rtl="0">
+            <a:pPr marL="1371600" lvl="2" indent="-298450" rtl="0">
               <a:spcBef>
                 <a:spcPts val="1600"/>
+              </a:spcBef>
+              <a:spcAft>
+                <a:spcPts val="0"/>
+              </a:spcAft>
+              <a:buClr>
+                <a:srgbClr val="FFFFFF"/>
+              </a:buClr>
+              <a:buSzPts val="1100"/>
+              <a:buFont typeface="Arial"/>
+              <a:buAutoNum type="romanLcPeriod"/>
+            </a:pPr>
+            <a:r>
+              <a:rPr lang="en" sz="1100" u="sng">
+                <a:solidFill>
+                  <a:srgbClr val="FFFFFF"/>
+                </a:solidFill>
+                <a:latin typeface="Arial"/>
+                <a:ea typeface="Arial"/>
+                <a:cs typeface="Arial"/>
+                <a:sym typeface="Arial"/>
+                <a:hlinkClick r:id="rId20"/>
+              </a:rPr>
+              <a:t>Midi.js</a:t>
+            </a:r>
+            <a:endParaRPr sz="1100">
+              <a:solidFill>
+                <a:srgbClr val="FFFFFF"/>
+              </a:solidFill>
+              <a:latin typeface="Arial"/>
+              <a:ea typeface="Arial"/>
+              <a:cs typeface="Arial"/>
+              <a:sym typeface="Arial"/>
+            </a:endParaRPr>
+          </a:p>
+          <a:p>
+            <a:pPr marL="1371600" lvl="2" indent="-298450" rtl="0">
+              <a:spcBef>
+                <a:spcPts val="0"/>
               </a:spcBef>
               <a:spcAft>
                 <a:spcPts val="0"/>
@@ -8529,7 +8778,7 @@
                 <a:sym typeface="Arial"/>
                 <a:hlinkClick r:id="rId21"/>
               </a:rPr>
-              <a:t>Midi.js</a:t>
+              <a:t>VexFlow</a:t>
             </a:r>
             <a:endParaRPr sz="1100">
               <a:solidFill>
@@ -8542,7 +8791,7 @@
             </a:endParaRPr>
           </a:p>
           <a:p>
-            <a:pPr indent="-298450" lvl="2" marL="1371600" rtl="0">
+            <a:pPr marL="1371600" lvl="2" indent="-298450" rtl="0">
               <a:spcBef>
                 <a:spcPts val="0"/>
               </a:spcBef>
@@ -8567,7 +8816,7 @@
                 <a:sym typeface="Arial"/>
                 <a:hlinkClick r:id="rId22"/>
               </a:rPr>
-              <a:t>VexFlow</a:t>
+              <a:t>Bootstrap</a:t>
             </a:r>
             <a:endParaRPr sz="1100">
               <a:solidFill>
@@ -8580,7 +8829,7 @@
             </a:endParaRPr>
           </a:p>
           <a:p>
-            <a:pPr indent="-298450" lvl="2" marL="1371600" rtl="0">
+            <a:pPr marL="1371600" lvl="2" indent="-298450" rtl="0">
               <a:spcBef>
                 <a:spcPts val="0"/>
               </a:spcBef>
@@ -8605,44 +8854,6 @@
                 <a:sym typeface="Arial"/>
                 <a:hlinkClick r:id="rId23"/>
               </a:rPr>
-              <a:t>Bootstrap</a:t>
-            </a:r>
-            <a:endParaRPr sz="1100">
-              <a:solidFill>
-                <a:srgbClr val="FFFFFF"/>
-              </a:solidFill>
-              <a:latin typeface="Arial"/>
-              <a:ea typeface="Arial"/>
-              <a:cs typeface="Arial"/>
-              <a:sym typeface="Arial"/>
-            </a:endParaRPr>
-          </a:p>
-          <a:p>
-            <a:pPr indent="-298450" lvl="2" marL="1371600" rtl="0">
-              <a:spcBef>
-                <a:spcPts val="0"/>
-              </a:spcBef>
-              <a:spcAft>
-                <a:spcPts val="0"/>
-              </a:spcAft>
-              <a:buClr>
-                <a:srgbClr val="FFFFFF"/>
-              </a:buClr>
-              <a:buSzPts val="1100"/>
-              <a:buFont typeface="Arial"/>
-              <a:buAutoNum type="romanLcPeriod"/>
-            </a:pPr>
-            <a:r>
-              <a:rPr lang="en" sz="1100" u="sng">
-                <a:solidFill>
-                  <a:srgbClr val="FFFFFF"/>
-                </a:solidFill>
-                <a:latin typeface="Arial"/>
-                <a:ea typeface="Arial"/>
-                <a:cs typeface="Arial"/>
-                <a:sym typeface="Arial"/>
-                <a:hlinkClick r:id="rId24"/>
-              </a:rPr>
               <a:t>Popper.js</a:t>
             </a:r>
             <a:endParaRPr sz="1100">
@@ -8656,7 +8867,7 @@
             </a:endParaRPr>
           </a:p>
           <a:p>
-            <a:pPr indent="0" lvl="0" marL="0" rtl="0">
+            <a:pPr marL="0" lvl="0" indent="0" rtl="0">
               <a:spcBef>
                 <a:spcPts val="0"/>
               </a:spcBef>
@@ -8665,9 +8876,6 @@
               </a:spcAft>
               <a:buNone/>
             </a:pPr>
-            <a:r>
-              <a:t/>
-            </a:r>
             <a:endParaRPr sz="1100">
               <a:solidFill>
                 <a:srgbClr val="FFFFFF"/>
@@ -8679,7 +8887,7 @@
             </a:endParaRPr>
           </a:p>
           <a:p>
-            <a:pPr indent="0" lvl="0" marL="457200" rtl="0">
+            <a:pPr marL="457200" lvl="0" indent="0" rtl="0">
               <a:spcBef>
                 <a:spcPts val="0"/>
               </a:spcBef>
@@ -8711,7 +8919,7 @@
             </a:endParaRPr>
           </a:p>
           <a:p>
-            <a:pPr indent="0" lvl="0" marL="914400" marR="0" rtl="0" algn="l">
+            <a:pPr marL="914400" marR="0" lvl="0" indent="0" algn="l" rtl="0">
               <a:lnSpc>
                 <a:spcPct val="100000"/>
               </a:lnSpc>
@@ -8723,9 +8931,6 @@
               </a:spcAft>
               <a:buNone/>
             </a:pPr>
-            <a:r>
-              <a:t/>
-            </a:r>
             <a:endParaRPr sz="1100">
               <a:solidFill>
                 <a:srgbClr val="FFFFFF"/>
@@ -8747,11 +8952,11 @@
 </file>
 
 <file path=ppt/slides/slide13.xml><?xml version="1.0" encoding="utf-8"?>
-<p:sld xmlns:a="http://schemas.openxmlformats.org/drawingml/2006/main" xmlns:r="http://schemas.openxmlformats.org/officeDocument/2006/relationships" xmlns:mc="http://schemas.openxmlformats.org/markup-compatibility/2006" xmlns:mv="urn:schemas-microsoft-com:mac:vml" xmlns:p="http://schemas.openxmlformats.org/presentationml/2006/main" xmlns:c="http://schemas.openxmlformats.org/drawingml/2006/chart" xmlns:dgm="http://schemas.openxmlformats.org/drawingml/2006/diagram" xmlns:o="urn:schemas-microsoft-com:office:office" xmlns:v="urn:schemas-microsoft-com:vml" xmlns:pvml="urn:schemas-microsoft-com:office:powerpoint" xmlns:com="http://schemas.openxmlformats.org/drawingml/2006/compatibility" xmlns:p14="http://schemas.microsoft.com/office/powerpoint/2010/main" xmlns:p15="http://schemas.microsoft.com/office/powerpoint/2012/main">
+<p:sld xmlns:a="http://schemas.openxmlformats.org/drawingml/2006/main" xmlns:r="http://schemas.openxmlformats.org/officeDocument/2006/relationships" xmlns:p="http://schemas.openxmlformats.org/presentationml/2006/main">
   <p:cSld>
     <p:spTree>
       <p:nvGrpSpPr>
-        <p:cNvPr id="138" name="Shape 138"/>
+        <p:cNvPr id="1" name="Shape 138"/>
         <p:cNvGrpSpPr/>
         <p:nvPr/>
       </p:nvGrpSpPr>
@@ -8766,7 +8971,9 @@
       <p:sp>
         <p:nvSpPr>
           <p:cNvPr id="139" name="Shape 139"/>
-          <p:cNvSpPr txBox="1"/>
+          <p:cNvSpPr txBox="1">
+            <a:spLocks noGrp="1"/>
+          </p:cNvSpPr>
           <p:nvPr>
             <p:ph type="title"/>
           </p:nvPr>
@@ -8781,12 +8988,12 @@
           </a:prstGeom>
         </p:spPr>
         <p:txBody>
-          <a:bodyPr anchorCtr="0" anchor="b" bIns="91425" lIns="91425" spcFirstLastPara="1" rIns="91425" wrap="square" tIns="91425">
+          <a:bodyPr spcFirstLastPara="1" wrap="square" lIns="91425" tIns="91425" rIns="91425" bIns="91425" anchor="b" anchorCtr="0">
             <a:noAutofit/>
           </a:bodyPr>
           <a:lstStyle/>
           <a:p>
-            <a:pPr indent="0" lvl="0" marL="0">
+            <a:pPr marL="0" lvl="0" indent="0">
               <a:spcBef>
                 <a:spcPts val="0"/>
               </a:spcBef>
@@ -8795,13 +9002,10 @@
               </a:spcAft>
               <a:buNone/>
             </a:pPr>
-            <a:r>
-              <a:t/>
-            </a:r>
             <a:endParaRPr/>
           </a:p>
           <a:p>
-            <a:pPr indent="0" lvl="0" marL="0" rtl="0">
+            <a:pPr marL="0" lvl="0" indent="0" rtl="0">
               <a:spcBef>
                 <a:spcPts val="0"/>
               </a:spcBef>
@@ -8812,11 +9016,7 @@
             </a:pPr>
             <a:r>
               <a:rPr lang="en"/>
-              <a:t>Future F</a:t>
-            </a:r>
-            <a:r>
-              <a:rPr lang="en"/>
-              <a:t>eatures</a:t>
+              <a:t>Future Features</a:t>
             </a:r>
             <a:endParaRPr/>
           </a:p>
@@ -8825,9 +9025,11 @@
       <p:sp>
         <p:nvSpPr>
           <p:cNvPr id="140" name="Shape 140"/>
-          <p:cNvSpPr txBox="1"/>
+          <p:cNvSpPr txBox="1">
+            <a:spLocks noGrp="1"/>
+          </p:cNvSpPr>
           <p:nvPr>
-            <p:ph idx="1" type="body"/>
+            <p:ph type="body" idx="1"/>
           </p:nvPr>
         </p:nvSpPr>
         <p:spPr>
@@ -8840,12 +9042,12 @@
           </a:prstGeom>
         </p:spPr>
         <p:txBody>
-          <a:bodyPr anchorCtr="0" anchor="t" bIns="91425" lIns="91425" spcFirstLastPara="1" rIns="91425" wrap="square" tIns="91425">
+          <a:bodyPr spcFirstLastPara="1" wrap="square" lIns="91425" tIns="91425" rIns="91425" bIns="91425" anchor="t" anchorCtr="0">
             <a:noAutofit/>
           </a:bodyPr>
           <a:lstStyle/>
           <a:p>
-            <a:pPr indent="0" lvl="0" marL="0">
+            <a:pPr marL="0" lvl="0" indent="0">
               <a:spcBef>
                 <a:spcPts val="0"/>
               </a:spcBef>
@@ -8861,7 +9063,7 @@
             <a:endParaRPr/>
           </a:p>
           <a:p>
-            <a:pPr indent="0" lvl="0" marL="0" rtl="0">
+            <a:pPr marL="0" lvl="0" indent="0" rtl="0">
               <a:spcBef>
                 <a:spcPts val="1600"/>
               </a:spcBef>
@@ -8921,23 +9123,23 @@
             <a:avLst/>
           </a:prstGeom>
           <a:noFill/>
-          <a:ln cap="flat" cmpd="sng" w="9525">
+          <a:ln w="9525" cap="flat" cmpd="sng">
             <a:solidFill>
               <a:srgbClr val="FF0000"/>
             </a:solidFill>
             <a:prstDash val="solid"/>
             <a:round/>
-            <a:headEnd len="sm" w="sm" type="none"/>
-            <a:tailEnd len="sm" w="sm" type="none"/>
+            <a:headEnd type="none" w="sm" len="sm"/>
+            <a:tailEnd type="none" w="sm" len="sm"/>
           </a:ln>
         </p:spPr>
         <p:txBody>
-          <a:bodyPr anchorCtr="0" anchor="ctr" bIns="91425" lIns="91425" spcFirstLastPara="1" rIns="91425" wrap="square" tIns="91425">
+          <a:bodyPr spcFirstLastPara="1" wrap="square" lIns="91425" tIns="91425" rIns="91425" bIns="91425" anchor="ctr" anchorCtr="0">
             <a:noAutofit/>
           </a:bodyPr>
           <a:lstStyle/>
           <a:p>
-            <a:pPr indent="0" lvl="0" marL="0">
+            <a:pPr marL="0" lvl="0" indent="0">
               <a:spcBef>
                 <a:spcPts val="0"/>
               </a:spcBef>
@@ -8946,9 +9148,6 @@
               </a:spcAft>
               <a:buNone/>
             </a:pPr>
-            <a:r>
-              <a:t/>
-            </a:r>
             <a:endParaRPr/>
           </a:p>
         </p:txBody>
@@ -8973,12 +9172,12 @@
           </a:ln>
         </p:spPr>
         <p:txBody>
-          <a:bodyPr anchorCtr="0" anchor="t" bIns="91425" lIns="91425" spcFirstLastPara="1" rIns="91425" wrap="square" tIns="91425">
+          <a:bodyPr spcFirstLastPara="1" wrap="square" lIns="91425" tIns="91425" rIns="91425" bIns="91425" anchor="t" anchorCtr="0">
             <a:noAutofit/>
           </a:bodyPr>
           <a:lstStyle/>
           <a:p>
-            <a:pPr indent="0" lvl="0" marL="0">
+            <a:pPr marL="0" lvl="0" indent="0">
               <a:spcBef>
                 <a:spcPts val="0"/>
               </a:spcBef>
@@ -9020,11 +9219,11 @@
 </file>
 
 <file path=ppt/slides/slide14.xml><?xml version="1.0" encoding="utf-8"?>
-<p:sld xmlns:a="http://schemas.openxmlformats.org/drawingml/2006/main" xmlns:r="http://schemas.openxmlformats.org/officeDocument/2006/relationships" xmlns:mc="http://schemas.openxmlformats.org/markup-compatibility/2006" xmlns:mv="urn:schemas-microsoft-com:mac:vml" xmlns:p="http://schemas.openxmlformats.org/presentationml/2006/main" xmlns:c="http://schemas.openxmlformats.org/drawingml/2006/chart" xmlns:dgm="http://schemas.openxmlformats.org/drawingml/2006/diagram" xmlns:o="urn:schemas-microsoft-com:office:office" xmlns:v="urn:schemas-microsoft-com:vml" xmlns:pvml="urn:schemas-microsoft-com:office:powerpoint" xmlns:com="http://schemas.openxmlformats.org/drawingml/2006/compatibility" xmlns:p14="http://schemas.microsoft.com/office/powerpoint/2010/main" xmlns:p15="http://schemas.microsoft.com/office/powerpoint/2012/main">
+<p:sld xmlns:a="http://schemas.openxmlformats.org/drawingml/2006/main" xmlns:r="http://schemas.openxmlformats.org/officeDocument/2006/relationships" xmlns:p="http://schemas.openxmlformats.org/presentationml/2006/main">
   <p:cSld>
     <p:spTree>
       <p:nvGrpSpPr>
-        <p:cNvPr id="147" name="Shape 147"/>
+        <p:cNvPr id="1" name="Shape 147"/>
         <p:cNvGrpSpPr/>
         <p:nvPr/>
       </p:nvGrpSpPr>
@@ -9039,7 +9238,9 @@
       <p:sp>
         <p:nvSpPr>
           <p:cNvPr id="148" name="Shape 148"/>
-          <p:cNvSpPr txBox="1"/>
+          <p:cNvSpPr txBox="1">
+            <a:spLocks noGrp="1"/>
+          </p:cNvSpPr>
           <p:nvPr>
             <p:ph type="title"/>
           </p:nvPr>
@@ -9054,12 +9255,12 @@
           </a:prstGeom>
         </p:spPr>
         <p:txBody>
-          <a:bodyPr anchorCtr="0" anchor="b" bIns="91425" lIns="91425" spcFirstLastPara="1" rIns="91425" wrap="square" tIns="91425">
+          <a:bodyPr spcFirstLastPara="1" wrap="square" lIns="91425" tIns="91425" rIns="91425" bIns="91425" anchor="b" anchorCtr="0">
             <a:noAutofit/>
           </a:bodyPr>
           <a:lstStyle/>
           <a:p>
-            <a:pPr indent="0" lvl="0" marL="0">
+            <a:pPr marL="0" lvl="0" indent="0">
               <a:spcBef>
                 <a:spcPts val="0"/>
               </a:spcBef>
@@ -9079,9 +9280,11 @@
       <p:sp>
         <p:nvSpPr>
           <p:cNvPr id="149" name="Shape 149"/>
-          <p:cNvSpPr txBox="1"/>
+          <p:cNvSpPr txBox="1">
+            <a:spLocks noGrp="1"/>
+          </p:cNvSpPr>
           <p:nvPr>
-            <p:ph idx="1" type="body"/>
+            <p:ph type="body" idx="1"/>
           </p:nvPr>
         </p:nvSpPr>
         <p:spPr>
@@ -9094,12 +9297,12 @@
           </a:prstGeom>
         </p:spPr>
         <p:txBody>
-          <a:bodyPr anchorCtr="0" anchor="t" bIns="91425" lIns="91425" spcFirstLastPara="1" rIns="91425" wrap="square" tIns="91425">
+          <a:bodyPr spcFirstLastPara="1" wrap="square" lIns="91425" tIns="91425" rIns="91425" bIns="91425" anchor="t" anchorCtr="0">
             <a:noAutofit/>
           </a:bodyPr>
           <a:lstStyle/>
           <a:p>
-            <a:pPr indent="0" lvl="0" marL="0">
+            <a:pPr marL="0" lvl="0" indent="0">
               <a:spcBef>
                 <a:spcPts val="0"/>
               </a:spcBef>
@@ -9115,7 +9318,7 @@
             <a:endParaRPr sz="1700"/>
           </a:p>
           <a:p>
-            <a:pPr indent="0" lvl="0" marL="0">
+            <a:pPr marL="0" lvl="0" indent="0">
               <a:spcBef>
                 <a:spcPts val="1600"/>
               </a:spcBef>
@@ -9131,7 +9334,7 @@
             <a:endParaRPr sz="1700"/>
           </a:p>
           <a:p>
-            <a:pPr indent="0" lvl="0" marL="0">
+            <a:pPr marL="0" lvl="0" indent="0">
               <a:spcBef>
                 <a:spcPts val="1600"/>
               </a:spcBef>
@@ -9147,7 +9350,7 @@
             <a:endParaRPr sz="1700"/>
           </a:p>
           <a:p>
-            <a:pPr indent="0" lvl="0" marL="0">
+            <a:pPr marL="0" lvl="0" indent="0">
               <a:spcBef>
                 <a:spcPts val="1600"/>
               </a:spcBef>
@@ -9173,11 +9376,11 @@
 </file>
 
 <file path=ppt/slides/slide2.xml><?xml version="1.0" encoding="utf-8"?>
-<p:sld xmlns:a="http://schemas.openxmlformats.org/drawingml/2006/main" xmlns:r="http://schemas.openxmlformats.org/officeDocument/2006/relationships" xmlns:mc="http://schemas.openxmlformats.org/markup-compatibility/2006" xmlns:mv="urn:schemas-microsoft-com:mac:vml" xmlns:p="http://schemas.openxmlformats.org/presentationml/2006/main" xmlns:c="http://schemas.openxmlformats.org/drawingml/2006/chart" xmlns:dgm="http://schemas.openxmlformats.org/drawingml/2006/diagram" xmlns:o="urn:schemas-microsoft-com:office:office" xmlns:v="urn:schemas-microsoft-com:vml" xmlns:pvml="urn:schemas-microsoft-com:office:powerpoint" xmlns:com="http://schemas.openxmlformats.org/drawingml/2006/compatibility" xmlns:p14="http://schemas.microsoft.com/office/powerpoint/2010/main" xmlns:p15="http://schemas.microsoft.com/office/powerpoint/2012/main">
+<p:sld xmlns:a="http://schemas.openxmlformats.org/drawingml/2006/main" xmlns:r="http://schemas.openxmlformats.org/officeDocument/2006/relationships" xmlns:p="http://schemas.openxmlformats.org/presentationml/2006/main">
   <p:cSld>
     <p:spTree>
       <p:nvGrpSpPr>
-        <p:cNvPr id="68" name="Shape 68"/>
+        <p:cNvPr id="1" name="Shape 68"/>
         <p:cNvGrpSpPr/>
         <p:nvPr/>
       </p:nvGrpSpPr>
@@ -9192,7 +9395,9 @@
       <p:sp>
         <p:nvSpPr>
           <p:cNvPr id="69" name="Shape 69"/>
-          <p:cNvSpPr txBox="1"/>
+          <p:cNvSpPr txBox="1">
+            <a:spLocks noGrp="1"/>
+          </p:cNvSpPr>
           <p:nvPr>
             <p:ph type="title"/>
           </p:nvPr>
@@ -9207,12 +9412,12 @@
           </a:prstGeom>
         </p:spPr>
         <p:txBody>
-          <a:bodyPr anchorCtr="0" anchor="b" bIns="91425" lIns="91425" spcFirstLastPara="1" rIns="91425" wrap="square" tIns="91425">
+          <a:bodyPr spcFirstLastPara="1" wrap="square" lIns="91425" tIns="91425" rIns="91425" bIns="91425" anchor="b" anchorCtr="0">
             <a:noAutofit/>
           </a:bodyPr>
           <a:lstStyle/>
           <a:p>
-            <a:pPr indent="0" lvl="0" marL="0">
+            <a:pPr marL="0" lvl="0" indent="0">
               <a:spcBef>
                 <a:spcPts val="0"/>
               </a:spcBef>
@@ -9232,9 +9437,11 @@
       <p:sp>
         <p:nvSpPr>
           <p:cNvPr id="70" name="Shape 70"/>
-          <p:cNvSpPr txBox="1"/>
+          <p:cNvSpPr txBox="1">
+            <a:spLocks noGrp="1"/>
+          </p:cNvSpPr>
           <p:nvPr>
-            <p:ph idx="1" type="body"/>
+            <p:ph type="body" idx="1"/>
           </p:nvPr>
         </p:nvSpPr>
         <p:spPr>
@@ -9247,12 +9454,12 @@
           </a:prstGeom>
         </p:spPr>
         <p:txBody>
-          <a:bodyPr anchorCtr="0" anchor="t" bIns="91425" lIns="91425" spcFirstLastPara="1" rIns="91425" wrap="square" tIns="91425">
+          <a:bodyPr spcFirstLastPara="1" wrap="square" lIns="91425" tIns="91425" rIns="91425" bIns="91425" anchor="t" anchorCtr="0">
             <a:noAutofit/>
           </a:bodyPr>
           <a:lstStyle/>
           <a:p>
-            <a:pPr indent="-330200" lvl="0" marL="457200" rtl="0">
+            <a:pPr marL="457200" lvl="0" indent="-330200" rtl="0">
               <a:spcBef>
                 <a:spcPts val="0"/>
               </a:spcBef>
@@ -9269,7 +9476,7 @@
             <a:endParaRPr sz="1600"/>
           </a:p>
           <a:p>
-            <a:pPr indent="-330200" lvl="0" marL="457200" marR="0" rtl="0" algn="l">
+            <a:pPr marL="457200" marR="0" lvl="0" indent="-330200" algn="l" rtl="0">
               <a:lnSpc>
                 <a:spcPct val="115000"/>
               </a:lnSpc>
@@ -9352,13 +9559,13 @@
               <a:t> by stacking scale tones as triads"</a:t>
             </a:r>
             <a:r>
-              <a:rPr baseline="30000" lang="en" sz="1600"/>
+              <a:rPr lang="en" sz="1600" baseline="30000"/>
               <a:t>[1]</a:t>
             </a:r>
-            <a:endParaRPr baseline="30000" sz="1600"/>
-          </a:p>
-          <a:p>
-            <a:pPr indent="0" lvl="0" marL="0">
+            <a:endParaRPr sz="1600" baseline="30000"/>
+          </a:p>
+          <a:p>
+            <a:pPr marL="0" lvl="0" indent="0">
               <a:spcBef>
                 <a:spcPts val="1600"/>
               </a:spcBef>
@@ -9368,7 +9575,7 @@
               <a:buNone/>
             </a:pPr>
             <a:r>
-              <a:rPr b="1" lang="en"/>
+              <a:rPr lang="en" b="1"/>
               <a:t>This project is designed to use the evolutionary programming to create a random melody and achieve a harmonization with user selected chord progression.</a:t>
             </a:r>
             <a:endParaRPr b="1"/>
@@ -9395,12 +9602,12 @@
           </a:ln>
         </p:spPr>
         <p:txBody>
-          <a:bodyPr anchorCtr="0" anchor="ctr" bIns="91425" lIns="91425" spcFirstLastPara="1" rIns="91425" wrap="square" tIns="91425">
+          <a:bodyPr spcFirstLastPara="1" wrap="square" lIns="91425" tIns="91425" rIns="91425" bIns="91425" anchor="ctr" anchorCtr="0">
             <a:noAutofit/>
           </a:bodyPr>
           <a:lstStyle/>
           <a:p>
-            <a:pPr indent="0" lvl="0" marL="0" marR="0" rtl="0" algn="l">
+            <a:pPr marL="0" marR="0" lvl="0" indent="0" algn="l" rtl="0">
               <a:lnSpc>
                 <a:spcPct val="115000"/>
               </a:lnSpc>
@@ -9478,19 +9685,7 @@
                 <a:cs typeface="Roboto"/>
                 <a:sym typeface="Roboto"/>
               </a:rPr>
-              <a:t>, </a:t>
-            </a:r>
-            <a:r>
-              <a:rPr lang="en" sz="1200">
-                <a:solidFill>
-                  <a:schemeClr val="dk1"/>
-                </a:solidFill>
-                <a:latin typeface="Roboto"/>
-                <a:ea typeface="Roboto"/>
-                <a:cs typeface="Roboto"/>
-                <a:sym typeface="Roboto"/>
-              </a:rPr>
-              <a:t>2006</a:t>
+              <a:t>, 2006</a:t>
             </a:r>
             <a:endParaRPr sz="1200"/>
           </a:p>
@@ -9505,11 +9700,11 @@
 </file>
 
 <file path=ppt/slides/slide3.xml><?xml version="1.0" encoding="utf-8"?>
-<p:sld xmlns:a="http://schemas.openxmlformats.org/drawingml/2006/main" xmlns:r="http://schemas.openxmlformats.org/officeDocument/2006/relationships" xmlns:mc="http://schemas.openxmlformats.org/markup-compatibility/2006" xmlns:mv="urn:schemas-microsoft-com:mac:vml" xmlns:p="http://schemas.openxmlformats.org/presentationml/2006/main" xmlns:c="http://schemas.openxmlformats.org/drawingml/2006/chart" xmlns:dgm="http://schemas.openxmlformats.org/drawingml/2006/diagram" xmlns:o="urn:schemas-microsoft-com:office:office" xmlns:v="urn:schemas-microsoft-com:vml" xmlns:pvml="urn:schemas-microsoft-com:office:powerpoint" xmlns:com="http://schemas.openxmlformats.org/drawingml/2006/compatibility" xmlns:p14="http://schemas.microsoft.com/office/powerpoint/2010/main" xmlns:p15="http://schemas.microsoft.com/office/powerpoint/2012/main">
+<p:sld xmlns:a="http://schemas.openxmlformats.org/drawingml/2006/main" xmlns:r="http://schemas.openxmlformats.org/officeDocument/2006/relationships" xmlns:p="http://schemas.openxmlformats.org/presentationml/2006/main">
   <p:cSld>
     <p:spTree>
       <p:nvGrpSpPr>
-        <p:cNvPr id="75" name="Shape 75"/>
+        <p:cNvPr id="1" name="Shape 75"/>
         <p:cNvGrpSpPr/>
         <p:nvPr/>
       </p:nvGrpSpPr>
@@ -9524,7 +9719,9 @@
       <p:sp>
         <p:nvSpPr>
           <p:cNvPr id="76" name="Shape 76"/>
-          <p:cNvSpPr txBox="1"/>
+          <p:cNvSpPr txBox="1">
+            <a:spLocks noGrp="1"/>
+          </p:cNvSpPr>
           <p:nvPr>
             <p:ph type="title"/>
           </p:nvPr>
@@ -9539,12 +9736,12 @@
           </a:prstGeom>
         </p:spPr>
         <p:txBody>
-          <a:bodyPr anchorCtr="0" anchor="b" bIns="91425" lIns="91425" spcFirstLastPara="1" rIns="91425" wrap="square" tIns="91425">
+          <a:bodyPr spcFirstLastPara="1" wrap="square" lIns="91425" tIns="91425" rIns="91425" bIns="91425" anchor="b" anchorCtr="0">
             <a:noAutofit/>
           </a:bodyPr>
           <a:lstStyle/>
           <a:p>
-            <a:pPr indent="0" lvl="0" marL="0" rtl="0">
+            <a:pPr marL="0" lvl="0" indent="0" rtl="0">
               <a:spcBef>
                 <a:spcPts val="0"/>
               </a:spcBef>
@@ -9564,9 +9761,11 @@
       <p:sp>
         <p:nvSpPr>
           <p:cNvPr id="77" name="Shape 77"/>
-          <p:cNvSpPr txBox="1"/>
+          <p:cNvSpPr txBox="1">
+            <a:spLocks noGrp="1"/>
+          </p:cNvSpPr>
           <p:nvPr>
-            <p:ph idx="1" type="body"/>
+            <p:ph type="body" idx="1"/>
           </p:nvPr>
         </p:nvSpPr>
         <p:spPr>
@@ -9579,12 +9778,12 @@
           </a:prstGeom>
         </p:spPr>
         <p:txBody>
-          <a:bodyPr anchorCtr="0" anchor="t" bIns="91425" lIns="91425" spcFirstLastPara="1" rIns="91425" wrap="square" tIns="91425">
+          <a:bodyPr spcFirstLastPara="1" wrap="square" lIns="91425" tIns="91425" rIns="91425" bIns="91425" anchor="t" anchorCtr="0">
             <a:noAutofit/>
           </a:bodyPr>
           <a:lstStyle/>
           <a:p>
-            <a:pPr indent="0" lvl="0" marL="0" rtl="0">
+            <a:pPr marL="0" lvl="0" indent="0" rtl="0">
               <a:spcBef>
                 <a:spcPts val="0"/>
               </a:spcBef>
@@ -9600,7 +9799,7 @@
             <a:endParaRPr/>
           </a:p>
           <a:p>
-            <a:pPr indent="-342900" lvl="0" marL="457200" rtl="0">
+            <a:pPr marL="457200" lvl="0" indent="-342900" rtl="0">
               <a:spcBef>
                 <a:spcPts val="1600"/>
               </a:spcBef>
@@ -9617,7 +9816,7 @@
             <a:endParaRPr/>
           </a:p>
           <a:p>
-            <a:pPr indent="-342900" lvl="0" marL="457200" rtl="0">
+            <a:pPr marL="457200" lvl="0" indent="-342900" rtl="0">
               <a:spcBef>
                 <a:spcPts val="0"/>
               </a:spcBef>
@@ -9634,7 +9833,7 @@
             <a:endParaRPr/>
           </a:p>
           <a:p>
-            <a:pPr indent="-342900" lvl="0" marL="457200" rtl="0">
+            <a:pPr marL="457200" lvl="0" indent="-342900" rtl="0">
               <a:spcBef>
                 <a:spcPts val="0"/>
               </a:spcBef>
@@ -9651,7 +9850,7 @@
             <a:endParaRPr/>
           </a:p>
           <a:p>
-            <a:pPr indent="0" lvl="0" marL="0" rtl="0">
+            <a:pPr marL="0" lvl="0" indent="0" rtl="0">
               <a:spcBef>
                 <a:spcPts val="1600"/>
               </a:spcBef>
@@ -9660,9 +9859,6 @@
               </a:spcAft>
               <a:buNone/>
             </a:pPr>
-            <a:r>
-              <a:t/>
-            </a:r>
             <a:endParaRPr/>
           </a:p>
         </p:txBody>
@@ -9676,11 +9872,11 @@
 </file>
 
 <file path=ppt/slides/slide4.xml><?xml version="1.0" encoding="utf-8"?>
-<p:sld xmlns:a="http://schemas.openxmlformats.org/drawingml/2006/main" xmlns:r="http://schemas.openxmlformats.org/officeDocument/2006/relationships" xmlns:mc="http://schemas.openxmlformats.org/markup-compatibility/2006" xmlns:mv="urn:schemas-microsoft-com:mac:vml" xmlns:p="http://schemas.openxmlformats.org/presentationml/2006/main" xmlns:c="http://schemas.openxmlformats.org/drawingml/2006/chart" xmlns:dgm="http://schemas.openxmlformats.org/drawingml/2006/diagram" xmlns:o="urn:schemas-microsoft-com:office:office" xmlns:v="urn:schemas-microsoft-com:vml" xmlns:pvml="urn:schemas-microsoft-com:office:powerpoint" xmlns:com="http://schemas.openxmlformats.org/drawingml/2006/compatibility" xmlns:p14="http://schemas.microsoft.com/office/powerpoint/2010/main" xmlns:p15="http://schemas.microsoft.com/office/powerpoint/2012/main">
+<p:sld xmlns:a="http://schemas.openxmlformats.org/drawingml/2006/main" xmlns:r="http://schemas.openxmlformats.org/officeDocument/2006/relationships" xmlns:p="http://schemas.openxmlformats.org/presentationml/2006/main">
   <p:cSld>
     <p:spTree>
       <p:nvGrpSpPr>
-        <p:cNvPr id="81" name="Shape 81"/>
+        <p:cNvPr id="1" name="Shape 81"/>
         <p:cNvGrpSpPr/>
         <p:nvPr/>
       </p:nvGrpSpPr>
@@ -9695,7 +9891,9 @@
       <p:sp>
         <p:nvSpPr>
           <p:cNvPr id="82" name="Shape 82"/>
-          <p:cNvSpPr txBox="1"/>
+          <p:cNvSpPr txBox="1">
+            <a:spLocks noGrp="1"/>
+          </p:cNvSpPr>
           <p:nvPr>
             <p:ph type="title"/>
           </p:nvPr>
@@ -9710,12 +9908,12 @@
           </a:prstGeom>
         </p:spPr>
         <p:txBody>
-          <a:bodyPr anchorCtr="0" anchor="b" bIns="91425" lIns="91425" spcFirstLastPara="1" rIns="91425" wrap="square" tIns="91425">
+          <a:bodyPr spcFirstLastPara="1" wrap="square" lIns="91425" tIns="91425" rIns="91425" bIns="91425" anchor="b" anchorCtr="0">
             <a:noAutofit/>
           </a:bodyPr>
           <a:lstStyle/>
           <a:p>
-            <a:pPr indent="0" lvl="0" marL="0" rtl="0">
+            <a:pPr marL="0" lvl="0" indent="0" rtl="0">
               <a:spcBef>
                 <a:spcPts val="0"/>
               </a:spcBef>
@@ -9735,9 +9933,11 @@
       <p:sp>
         <p:nvSpPr>
           <p:cNvPr id="83" name="Shape 83"/>
-          <p:cNvSpPr txBox="1"/>
+          <p:cNvSpPr txBox="1">
+            <a:spLocks noGrp="1"/>
+          </p:cNvSpPr>
           <p:nvPr>
-            <p:ph idx="1" type="body"/>
+            <p:ph type="body" idx="1"/>
           </p:nvPr>
         </p:nvSpPr>
         <p:spPr>
@@ -9750,12 +9950,12 @@
           </a:prstGeom>
         </p:spPr>
         <p:txBody>
-          <a:bodyPr anchorCtr="0" anchor="t" bIns="91425" lIns="91425" spcFirstLastPara="1" rIns="91425" wrap="square" tIns="91425">
+          <a:bodyPr spcFirstLastPara="1" wrap="square" lIns="91425" tIns="91425" rIns="91425" bIns="91425" anchor="t" anchorCtr="0">
             <a:noAutofit/>
           </a:bodyPr>
           <a:lstStyle/>
           <a:p>
-            <a:pPr indent="0" lvl="0" marL="0">
+            <a:pPr marL="0" lvl="0" indent="0">
               <a:spcBef>
                 <a:spcPts val="0"/>
               </a:spcBef>
@@ -9769,7 +9969,7 @@
               <a:t>This project has </a:t>
             </a:r>
             <a:r>
-              <a:rPr b="1" lang="en"/>
+              <a:rPr lang="en" b="1"/>
               <a:t>two </a:t>
             </a:r>
             <a:r>
@@ -9777,7 +9977,7 @@
               <a:t>main elements; </a:t>
             </a:r>
             <a:r>
-              <a:rPr b="1" lang="en"/>
+              <a:rPr lang="en" b="1"/>
               <a:t>melody </a:t>
             </a:r>
             <a:r>
@@ -9785,13 +9985,13 @@
               <a:t>and the </a:t>
             </a:r>
             <a:r>
-              <a:rPr b="1" lang="en"/>
+              <a:rPr lang="en" b="1"/>
               <a:t>chord progression.</a:t>
             </a:r>
             <a:endParaRPr b="1"/>
           </a:p>
           <a:p>
-            <a:pPr indent="0" lvl="0" marL="0" marR="0" rtl="0" algn="l">
+            <a:pPr marL="0" marR="0" lvl="0" indent="0" algn="l" rtl="0">
               <a:lnSpc>
                 <a:spcPct val="115000"/>
               </a:lnSpc>
@@ -9810,7 +10010,7 @@
             <a:endParaRPr/>
           </a:p>
           <a:p>
-            <a:pPr indent="-342900" lvl="0" marL="914400" marR="0" rtl="0" algn="l">
+            <a:pPr marL="914400" marR="0" lvl="0" indent="-342900" algn="l" rtl="0">
               <a:lnSpc>
                 <a:spcPct val="115000"/>
               </a:lnSpc>
@@ -9830,7 +10030,7 @@
             <a:endParaRPr/>
           </a:p>
           <a:p>
-            <a:pPr indent="-342900" lvl="0" marL="914400" marR="0" rtl="0" algn="l">
+            <a:pPr marL="914400" marR="0" lvl="0" indent="-342900" algn="l" rtl="0">
               <a:lnSpc>
                 <a:spcPct val="115000"/>
               </a:lnSpc>
@@ -9850,7 +10050,7 @@
             <a:endParaRPr/>
           </a:p>
           <a:p>
-            <a:pPr indent="-342900" lvl="0" marL="914400" marR="0" rtl="0" algn="l">
+            <a:pPr marL="914400" marR="0" lvl="0" indent="-342900" algn="l" rtl="0">
               <a:lnSpc>
                 <a:spcPct val="115000"/>
               </a:lnSpc>
@@ -9870,7 +10070,7 @@
             <a:endParaRPr/>
           </a:p>
           <a:p>
-            <a:pPr indent="0" lvl="0" marL="0" marR="0" rtl="0" algn="l">
+            <a:pPr marL="0" marR="0" lvl="0" indent="0" algn="l" rtl="0">
               <a:lnSpc>
                 <a:spcPct val="115000"/>
               </a:lnSpc>
@@ -9899,11 +10099,11 @@
 </file>
 
 <file path=ppt/slides/slide5.xml><?xml version="1.0" encoding="utf-8"?>
-<p:sld xmlns:a="http://schemas.openxmlformats.org/drawingml/2006/main" xmlns:r="http://schemas.openxmlformats.org/officeDocument/2006/relationships" xmlns:mc="http://schemas.openxmlformats.org/markup-compatibility/2006" xmlns:mv="urn:schemas-microsoft-com:mac:vml" xmlns:p="http://schemas.openxmlformats.org/presentationml/2006/main" xmlns:c="http://schemas.openxmlformats.org/drawingml/2006/chart" xmlns:dgm="http://schemas.openxmlformats.org/drawingml/2006/diagram" xmlns:o="urn:schemas-microsoft-com:office:office" xmlns:v="urn:schemas-microsoft-com:vml" xmlns:pvml="urn:schemas-microsoft-com:office:powerpoint" xmlns:com="http://schemas.openxmlformats.org/drawingml/2006/compatibility" xmlns:p14="http://schemas.microsoft.com/office/powerpoint/2010/main" xmlns:p15="http://schemas.microsoft.com/office/powerpoint/2012/main">
+<p:sld xmlns:a="http://schemas.openxmlformats.org/drawingml/2006/main" xmlns:r="http://schemas.openxmlformats.org/officeDocument/2006/relationships" xmlns:p="http://schemas.openxmlformats.org/presentationml/2006/main">
   <p:cSld>
     <p:spTree>
       <p:nvGrpSpPr>
-        <p:cNvPr id="87" name="Shape 87"/>
+        <p:cNvPr id="1" name="Shape 87"/>
         <p:cNvGrpSpPr/>
         <p:nvPr/>
       </p:nvGrpSpPr>
@@ -9918,7 +10118,9 @@
       <p:sp>
         <p:nvSpPr>
           <p:cNvPr id="88" name="Shape 88"/>
-          <p:cNvSpPr txBox="1"/>
+          <p:cNvSpPr txBox="1">
+            <a:spLocks noGrp="1"/>
+          </p:cNvSpPr>
           <p:nvPr>
             <p:ph type="title"/>
           </p:nvPr>
@@ -9933,12 +10135,12 @@
           </a:prstGeom>
         </p:spPr>
         <p:txBody>
-          <a:bodyPr anchorCtr="0" anchor="b" bIns="91425" lIns="91425" spcFirstLastPara="1" rIns="91425" wrap="square" tIns="91425">
+          <a:bodyPr spcFirstLastPara="1" wrap="square" lIns="91425" tIns="91425" rIns="91425" bIns="91425" anchor="b" anchorCtr="0">
             <a:noAutofit/>
           </a:bodyPr>
           <a:lstStyle/>
           <a:p>
-            <a:pPr indent="0" lvl="0" marL="0">
+            <a:pPr marL="0" lvl="0" indent="0">
               <a:spcBef>
                 <a:spcPts val="0"/>
               </a:spcBef>
@@ -9958,9 +10160,11 @@
       <p:sp>
         <p:nvSpPr>
           <p:cNvPr id="89" name="Shape 89"/>
-          <p:cNvSpPr txBox="1"/>
+          <p:cNvSpPr txBox="1">
+            <a:spLocks noGrp="1"/>
+          </p:cNvSpPr>
           <p:nvPr>
-            <p:ph idx="1" type="body"/>
+            <p:ph type="body" idx="1"/>
           </p:nvPr>
         </p:nvSpPr>
         <p:spPr>
@@ -9973,12 +10177,12 @@
           </a:prstGeom>
         </p:spPr>
         <p:txBody>
-          <a:bodyPr anchorCtr="0" anchor="t" bIns="91425" lIns="91425" spcFirstLastPara="1" rIns="91425" wrap="square" tIns="91425">
+          <a:bodyPr spcFirstLastPara="1" wrap="square" lIns="91425" tIns="91425" rIns="91425" bIns="91425" anchor="t" anchorCtr="0">
             <a:noAutofit/>
           </a:bodyPr>
           <a:lstStyle/>
           <a:p>
-            <a:pPr indent="0" lvl="0" marL="0">
+            <a:pPr marL="0" lvl="0" indent="0">
               <a:spcBef>
                 <a:spcPts val="0"/>
               </a:spcBef>
@@ -9989,20 +10193,12 @@
             </a:pPr>
             <a:r>
               <a:rPr lang="en"/>
-              <a:t>The step-by-step approach has some </a:t>
-            </a:r>
-            <a:r>
-              <a:rPr lang="en"/>
-              <a:t>designed </a:t>
-            </a:r>
-            <a:r>
-              <a:rPr lang="en"/>
-              <a:t>features;</a:t>
+              <a:t>The step-by-step approach has some designed features;</a:t>
             </a:r>
             <a:endParaRPr/>
           </a:p>
           <a:p>
-            <a:pPr indent="-342900" lvl="0" marL="457200" rtl="0">
+            <a:pPr marL="457200" lvl="0" indent="-342900" rtl="0">
               <a:spcBef>
                 <a:spcPts val="1600"/>
               </a:spcBef>
@@ -10014,20 +10210,12 @@
             </a:pPr>
             <a:r>
               <a:rPr lang="en"/>
-              <a:t>Each step has </a:t>
-            </a:r>
-            <a:r>
-              <a:rPr lang="en"/>
-              <a:t>it’s</a:t>
-            </a:r>
-            <a:r>
-              <a:rPr lang="en"/>
-              <a:t> own help tooltip to clarify the process and inform users,</a:t>
+              <a:t>Each step has it’s own help tooltip to clarify the process and inform users,</a:t>
             </a:r>
             <a:endParaRPr/>
           </a:p>
           <a:p>
-            <a:pPr indent="-342900" lvl="0" marL="457200" rtl="0">
+            <a:pPr marL="457200" lvl="0" indent="-342900" rtl="0">
               <a:spcBef>
                 <a:spcPts val="0"/>
               </a:spcBef>
@@ -10044,7 +10232,7 @@
             <a:endParaRPr/>
           </a:p>
           <a:p>
-            <a:pPr indent="-342900" lvl="0" marL="457200">
+            <a:pPr marL="457200" lvl="0" indent="-342900">
               <a:spcBef>
                 <a:spcPts val="0"/>
               </a:spcBef>
@@ -10061,7 +10249,7 @@
             <a:endParaRPr/>
           </a:p>
           <a:p>
-            <a:pPr indent="0" lvl="0" marL="0">
+            <a:pPr marL="0" lvl="0" indent="0">
               <a:spcBef>
                 <a:spcPts val="1600"/>
               </a:spcBef>
@@ -10070,9 +10258,6 @@
               </a:spcAft>
               <a:buNone/>
             </a:pPr>
-            <a:r>
-              <a:t/>
-            </a:r>
             <a:endParaRPr/>
           </a:p>
         </p:txBody>
@@ -10086,11 +10271,11 @@
 </file>
 
 <file path=ppt/slides/slide6.xml><?xml version="1.0" encoding="utf-8"?>
-<p:sld xmlns:a="http://schemas.openxmlformats.org/drawingml/2006/main" xmlns:r="http://schemas.openxmlformats.org/officeDocument/2006/relationships" xmlns:mc="http://schemas.openxmlformats.org/markup-compatibility/2006" xmlns:mv="urn:schemas-microsoft-com:mac:vml" xmlns:p="http://schemas.openxmlformats.org/presentationml/2006/main" xmlns:c="http://schemas.openxmlformats.org/drawingml/2006/chart" xmlns:dgm="http://schemas.openxmlformats.org/drawingml/2006/diagram" xmlns:o="urn:schemas-microsoft-com:office:office" xmlns:v="urn:schemas-microsoft-com:vml" xmlns:pvml="urn:schemas-microsoft-com:office:powerpoint" xmlns:com="http://schemas.openxmlformats.org/drawingml/2006/compatibility" xmlns:p14="http://schemas.microsoft.com/office/powerpoint/2010/main" xmlns:p15="http://schemas.microsoft.com/office/powerpoint/2012/main">
+<p:sld xmlns:a="http://schemas.openxmlformats.org/drawingml/2006/main" xmlns:r="http://schemas.openxmlformats.org/officeDocument/2006/relationships" xmlns:p="http://schemas.openxmlformats.org/presentationml/2006/main">
   <p:cSld>
     <p:spTree>
       <p:nvGrpSpPr>
-        <p:cNvPr id="93" name="Shape 93"/>
+        <p:cNvPr id="1" name="Shape 93"/>
         <p:cNvGrpSpPr/>
         <p:nvPr/>
       </p:nvGrpSpPr>
@@ -10105,7 +10290,9 @@
       <p:sp>
         <p:nvSpPr>
           <p:cNvPr id="94" name="Shape 94"/>
-          <p:cNvSpPr txBox="1"/>
+          <p:cNvSpPr txBox="1">
+            <a:spLocks noGrp="1"/>
+          </p:cNvSpPr>
           <p:nvPr>
             <p:ph type="title"/>
           </p:nvPr>
@@ -10120,12 +10307,12 @@
           </a:prstGeom>
         </p:spPr>
         <p:txBody>
-          <a:bodyPr anchorCtr="0" anchor="b" bIns="91425" lIns="91425" spcFirstLastPara="1" rIns="91425" wrap="square" tIns="91425">
+          <a:bodyPr spcFirstLastPara="1" wrap="square" lIns="91425" tIns="91425" rIns="91425" bIns="91425" anchor="b" anchorCtr="0">
             <a:noAutofit/>
           </a:bodyPr>
           <a:lstStyle/>
           <a:p>
-            <a:pPr indent="0" lvl="0" marL="0" rtl="0">
+            <a:pPr marL="0" lvl="0" indent="0" rtl="0">
               <a:spcBef>
                 <a:spcPts val="0"/>
               </a:spcBef>
@@ -10145,9 +10332,11 @@
       <p:sp>
         <p:nvSpPr>
           <p:cNvPr id="95" name="Shape 95"/>
-          <p:cNvSpPr txBox="1"/>
+          <p:cNvSpPr txBox="1">
+            <a:spLocks noGrp="1"/>
+          </p:cNvSpPr>
           <p:nvPr>
-            <p:ph idx="1" type="body"/>
+            <p:ph type="body" idx="1"/>
           </p:nvPr>
         </p:nvSpPr>
         <p:spPr>
@@ -10160,12 +10349,12 @@
           </a:prstGeom>
         </p:spPr>
         <p:txBody>
-          <a:bodyPr anchorCtr="0" anchor="t" bIns="91425" lIns="91425" spcFirstLastPara="1" rIns="91425" wrap="square" tIns="91425">
+          <a:bodyPr spcFirstLastPara="1" wrap="square" lIns="91425" tIns="91425" rIns="91425" bIns="91425" anchor="t" anchorCtr="0">
             <a:noAutofit/>
           </a:bodyPr>
           <a:lstStyle/>
           <a:p>
-            <a:pPr indent="0" lvl="0" marL="0">
+            <a:pPr marL="0" lvl="0" indent="0">
               <a:spcBef>
                 <a:spcPts val="0"/>
               </a:spcBef>
@@ -10181,7 +10370,7 @@
             <a:endParaRPr/>
           </a:p>
           <a:p>
-            <a:pPr indent="0" lvl="0" marL="0">
+            <a:pPr marL="0" lvl="0" indent="0">
               <a:spcBef>
                 <a:spcPts val="1600"/>
               </a:spcBef>
@@ -10197,7 +10386,7 @@
             <a:endParaRPr/>
           </a:p>
           <a:p>
-            <a:pPr indent="0" lvl="0" marL="0">
+            <a:pPr marL="0" lvl="0" indent="0">
               <a:spcBef>
                 <a:spcPts val="1600"/>
               </a:spcBef>
@@ -10213,7 +10402,7 @@
             <a:endParaRPr/>
           </a:p>
           <a:p>
-            <a:pPr indent="0" lvl="0" marL="0" rtl="0">
+            <a:pPr marL="0" lvl="0" indent="0" rtl="0">
               <a:spcBef>
                 <a:spcPts val="1600"/>
               </a:spcBef>
@@ -10222,9 +10411,6 @@
               </a:spcAft>
               <a:buNone/>
             </a:pPr>
-            <a:r>
-              <a:t/>
-            </a:r>
             <a:endParaRPr/>
           </a:p>
         </p:txBody>
@@ -10238,11 +10424,11 @@
 </file>
 
 <file path=ppt/slides/slide7.xml><?xml version="1.0" encoding="utf-8"?>
-<p:sld xmlns:a="http://schemas.openxmlformats.org/drawingml/2006/main" xmlns:r="http://schemas.openxmlformats.org/officeDocument/2006/relationships" xmlns:mc="http://schemas.openxmlformats.org/markup-compatibility/2006" xmlns:mv="urn:schemas-microsoft-com:mac:vml" xmlns:p="http://schemas.openxmlformats.org/presentationml/2006/main" xmlns:c="http://schemas.openxmlformats.org/drawingml/2006/chart" xmlns:dgm="http://schemas.openxmlformats.org/drawingml/2006/diagram" xmlns:o="urn:schemas-microsoft-com:office:office" xmlns:v="urn:schemas-microsoft-com:vml" xmlns:pvml="urn:schemas-microsoft-com:office:powerpoint" xmlns:com="http://schemas.openxmlformats.org/drawingml/2006/compatibility" xmlns:p14="http://schemas.microsoft.com/office/powerpoint/2010/main" xmlns:p15="http://schemas.microsoft.com/office/powerpoint/2012/main">
+<p:sld xmlns:a="http://schemas.openxmlformats.org/drawingml/2006/main" xmlns:r="http://schemas.openxmlformats.org/officeDocument/2006/relationships" xmlns:p="http://schemas.openxmlformats.org/presentationml/2006/main">
   <p:cSld>
     <p:spTree>
       <p:nvGrpSpPr>
-        <p:cNvPr id="99" name="Shape 99"/>
+        <p:cNvPr id="1" name="Shape 99"/>
         <p:cNvGrpSpPr/>
         <p:nvPr/>
       </p:nvGrpSpPr>
@@ -10257,7 +10443,9 @@
       <p:sp>
         <p:nvSpPr>
           <p:cNvPr id="100" name="Shape 100"/>
-          <p:cNvSpPr txBox="1"/>
+          <p:cNvSpPr txBox="1">
+            <a:spLocks noGrp="1"/>
+          </p:cNvSpPr>
           <p:nvPr>
             <p:ph type="title"/>
           </p:nvPr>
@@ -10272,12 +10460,12 @@
           </a:prstGeom>
         </p:spPr>
         <p:txBody>
-          <a:bodyPr anchorCtr="0" anchor="b" bIns="91425" lIns="91425" spcFirstLastPara="1" rIns="91425" wrap="square" tIns="91425">
+          <a:bodyPr spcFirstLastPara="1" wrap="square" lIns="91425" tIns="91425" rIns="91425" bIns="91425" anchor="b" anchorCtr="0">
             <a:noAutofit/>
           </a:bodyPr>
           <a:lstStyle/>
           <a:p>
-            <a:pPr indent="0" lvl="0" marL="0">
+            <a:pPr marL="0" lvl="0" indent="0">
               <a:spcBef>
                 <a:spcPts val="0"/>
               </a:spcBef>
@@ -10297,9 +10485,11 @@
       <p:sp>
         <p:nvSpPr>
           <p:cNvPr id="101" name="Shape 101"/>
-          <p:cNvSpPr txBox="1"/>
+          <p:cNvSpPr txBox="1">
+            <a:spLocks noGrp="1"/>
+          </p:cNvSpPr>
           <p:nvPr>
-            <p:ph idx="1" type="body"/>
+            <p:ph type="body" idx="1"/>
           </p:nvPr>
         </p:nvSpPr>
         <p:spPr>
@@ -10312,12 +10502,12 @@
           </a:prstGeom>
         </p:spPr>
         <p:txBody>
-          <a:bodyPr anchorCtr="0" anchor="t" bIns="91425" lIns="91425" spcFirstLastPara="1" rIns="91425" wrap="square" tIns="91425">
+          <a:bodyPr spcFirstLastPara="1" wrap="square" lIns="91425" tIns="91425" rIns="91425" bIns="91425" anchor="t" anchorCtr="0">
             <a:noAutofit/>
           </a:bodyPr>
           <a:lstStyle/>
           <a:p>
-            <a:pPr indent="0" lvl="0" marL="0">
+            <a:pPr marL="0" lvl="0" indent="0">
               <a:spcBef>
                 <a:spcPts val="0"/>
               </a:spcBef>
@@ -10333,7 +10523,7 @@
             <a:endParaRPr/>
           </a:p>
           <a:p>
-            <a:pPr indent="0" lvl="0" marL="0">
+            <a:pPr marL="0" lvl="0" indent="0">
               <a:spcBef>
                 <a:spcPts val="1600"/>
               </a:spcBef>
@@ -10347,7 +10537,7 @@
               <a:t>First mutation focuses on changing the </a:t>
             </a:r>
             <a:r>
-              <a:rPr b="1" lang="en"/>
+              <a:rPr lang="en" b="1"/>
               <a:t>last note</a:t>
             </a:r>
             <a:r>
@@ -10355,7 +10545,7 @@
               <a:t>. Takes a random good gene (green colored notes)</a:t>
             </a:r>
             <a:r>
-              <a:rPr b="1" lang="en"/>
+              <a:rPr lang="en" b="1"/>
               <a:t> </a:t>
             </a:r>
             <a:r>
@@ -10365,7 +10555,7 @@
             <a:endParaRPr/>
           </a:p>
           <a:p>
-            <a:pPr indent="0" lvl="0" marL="0">
+            <a:pPr marL="0" lvl="0" indent="0">
               <a:spcBef>
                 <a:spcPts val="1600"/>
               </a:spcBef>
@@ -10374,9 +10564,6 @@
               </a:spcAft>
               <a:buNone/>
             </a:pPr>
-            <a:r>
-              <a:t/>
-            </a:r>
             <a:endParaRPr/>
           </a:p>
         </p:txBody>
@@ -10418,11 +10605,11 @@
 </file>
 
 <file path=ppt/slides/slide8.xml><?xml version="1.0" encoding="utf-8"?>
-<p:sld xmlns:a="http://schemas.openxmlformats.org/drawingml/2006/main" xmlns:r="http://schemas.openxmlformats.org/officeDocument/2006/relationships" xmlns:mc="http://schemas.openxmlformats.org/markup-compatibility/2006" xmlns:mv="urn:schemas-microsoft-com:mac:vml" xmlns:p="http://schemas.openxmlformats.org/presentationml/2006/main" xmlns:c="http://schemas.openxmlformats.org/drawingml/2006/chart" xmlns:dgm="http://schemas.openxmlformats.org/drawingml/2006/diagram" xmlns:o="urn:schemas-microsoft-com:office:office" xmlns:v="urn:schemas-microsoft-com:vml" xmlns:pvml="urn:schemas-microsoft-com:office:powerpoint" xmlns:com="http://schemas.openxmlformats.org/drawingml/2006/compatibility" xmlns:p14="http://schemas.microsoft.com/office/powerpoint/2010/main" xmlns:p15="http://schemas.microsoft.com/office/powerpoint/2012/main">
+<p:sld xmlns:a="http://schemas.openxmlformats.org/drawingml/2006/main" xmlns:r="http://schemas.openxmlformats.org/officeDocument/2006/relationships" xmlns:p="http://schemas.openxmlformats.org/presentationml/2006/main">
   <p:cSld>
     <p:spTree>
       <p:nvGrpSpPr>
-        <p:cNvPr id="106" name="Shape 106"/>
+        <p:cNvPr id="1" name="Shape 106"/>
         <p:cNvGrpSpPr/>
         <p:nvPr/>
       </p:nvGrpSpPr>
@@ -10437,7 +10624,9 @@
       <p:sp>
         <p:nvSpPr>
           <p:cNvPr id="107" name="Shape 107"/>
-          <p:cNvSpPr txBox="1"/>
+          <p:cNvSpPr txBox="1">
+            <a:spLocks noGrp="1"/>
+          </p:cNvSpPr>
           <p:nvPr>
             <p:ph type="title"/>
           </p:nvPr>
@@ -10452,12 +10641,12 @@
           </a:prstGeom>
         </p:spPr>
         <p:txBody>
-          <a:bodyPr anchorCtr="0" anchor="b" bIns="91425" lIns="91425" spcFirstLastPara="1" rIns="91425" wrap="square" tIns="91425">
+          <a:bodyPr spcFirstLastPara="1" wrap="square" lIns="91425" tIns="91425" rIns="91425" bIns="91425" anchor="b" anchorCtr="0">
             <a:noAutofit/>
           </a:bodyPr>
           <a:lstStyle/>
           <a:p>
-            <a:pPr indent="0" lvl="0" marL="0">
+            <a:pPr marL="0" lvl="0" indent="0">
               <a:spcBef>
                 <a:spcPts val="0"/>
               </a:spcBef>
@@ -10477,9 +10666,11 @@
       <p:sp>
         <p:nvSpPr>
           <p:cNvPr id="108" name="Shape 108"/>
-          <p:cNvSpPr txBox="1"/>
+          <p:cNvSpPr txBox="1">
+            <a:spLocks noGrp="1"/>
+          </p:cNvSpPr>
           <p:nvPr>
-            <p:ph idx="1" type="body"/>
+            <p:ph type="body" idx="1"/>
           </p:nvPr>
         </p:nvSpPr>
         <p:spPr>
@@ -10492,12 +10683,12 @@
           </a:prstGeom>
         </p:spPr>
         <p:txBody>
-          <a:bodyPr anchorCtr="0" anchor="t" bIns="91425" lIns="91425" spcFirstLastPara="1" rIns="91425" wrap="square" tIns="91425">
+          <a:bodyPr spcFirstLastPara="1" wrap="square" lIns="91425" tIns="91425" rIns="91425" bIns="91425" anchor="t" anchorCtr="0">
             <a:noAutofit/>
           </a:bodyPr>
           <a:lstStyle/>
           <a:p>
-            <a:pPr indent="0" lvl="0" marL="0">
+            <a:pPr marL="0" lvl="0" indent="0">
               <a:spcBef>
                 <a:spcPts val="0"/>
               </a:spcBef>
@@ -10511,7 +10702,7 @@
               <a:t>Second mutation is for gene recreation. Takes a bad gene (red or blue) and creates another </a:t>
             </a:r>
             <a:r>
-              <a:rPr b="1" lang="en"/>
+              <a:rPr lang="en" b="1"/>
               <a:t>random gene</a:t>
             </a:r>
             <a:r>
@@ -10519,7 +10710,7 @@
               <a:t>. Just like life, there’s no guarantee that mutation will get the individual </a:t>
             </a:r>
             <a:r>
-              <a:rPr b="1" lang="en"/>
+              <a:rPr lang="en" b="1"/>
               <a:t>better</a:t>
             </a:r>
             <a:r>
@@ -10527,7 +10718,7 @@
               <a:t>, but it’s </a:t>
             </a:r>
             <a:r>
-              <a:rPr b="1" lang="en"/>
+              <a:rPr lang="en" b="1"/>
               <a:t>not </a:t>
             </a:r>
             <a:r>
@@ -10535,7 +10726,7 @@
               <a:t>going to make it </a:t>
             </a:r>
             <a:r>
-              <a:rPr b="1" lang="en"/>
+              <a:rPr lang="en" b="1"/>
               <a:t>worse</a:t>
             </a:r>
             <a:r>
@@ -10545,7 +10736,7 @@
             <a:endParaRPr/>
           </a:p>
           <a:p>
-            <a:pPr indent="0" lvl="0" marL="0">
+            <a:pPr marL="0" lvl="0" indent="0">
               <a:spcBef>
                 <a:spcPts val="1600"/>
               </a:spcBef>
@@ -10599,11 +10790,11 @@
 </file>
 
 <file path=ppt/slides/slide9.xml><?xml version="1.0" encoding="utf-8"?>
-<p:sld xmlns:a="http://schemas.openxmlformats.org/drawingml/2006/main" xmlns:r="http://schemas.openxmlformats.org/officeDocument/2006/relationships" xmlns:mc="http://schemas.openxmlformats.org/markup-compatibility/2006" xmlns:mv="urn:schemas-microsoft-com:mac:vml" xmlns:p="http://schemas.openxmlformats.org/presentationml/2006/main" xmlns:c="http://schemas.openxmlformats.org/drawingml/2006/chart" xmlns:dgm="http://schemas.openxmlformats.org/drawingml/2006/diagram" xmlns:o="urn:schemas-microsoft-com:office:office" xmlns:v="urn:schemas-microsoft-com:vml" xmlns:pvml="urn:schemas-microsoft-com:office:powerpoint" xmlns:com="http://schemas.openxmlformats.org/drawingml/2006/compatibility" xmlns:p14="http://schemas.microsoft.com/office/powerpoint/2010/main" xmlns:p15="http://schemas.microsoft.com/office/powerpoint/2012/main">
+<p:sld xmlns:a="http://schemas.openxmlformats.org/drawingml/2006/main" xmlns:r="http://schemas.openxmlformats.org/officeDocument/2006/relationships" xmlns:p="http://schemas.openxmlformats.org/presentationml/2006/main">
   <p:cSld>
     <p:spTree>
       <p:nvGrpSpPr>
-        <p:cNvPr id="113" name="Shape 113"/>
+        <p:cNvPr id="1" name="Shape 113"/>
         <p:cNvGrpSpPr/>
         <p:nvPr/>
       </p:nvGrpSpPr>
@@ -10618,7 +10809,9 @@
       <p:sp>
         <p:nvSpPr>
           <p:cNvPr id="114" name="Shape 114"/>
-          <p:cNvSpPr txBox="1"/>
+          <p:cNvSpPr txBox="1">
+            <a:spLocks noGrp="1"/>
+          </p:cNvSpPr>
           <p:nvPr>
             <p:ph type="title"/>
           </p:nvPr>
@@ -10633,12 +10826,12 @@
           </a:prstGeom>
         </p:spPr>
         <p:txBody>
-          <a:bodyPr anchorCtr="0" anchor="b" bIns="91425" lIns="91425" spcFirstLastPara="1" rIns="91425" wrap="square" tIns="91425">
+          <a:bodyPr spcFirstLastPara="1" wrap="square" lIns="91425" tIns="91425" rIns="91425" bIns="91425" anchor="b" anchorCtr="0">
             <a:noAutofit/>
           </a:bodyPr>
           <a:lstStyle/>
           <a:p>
-            <a:pPr indent="0" lvl="0" marL="0">
+            <a:pPr marL="0" lvl="0" indent="0">
               <a:spcBef>
                 <a:spcPts val="0"/>
               </a:spcBef>
@@ -10658,9 +10851,11 @@
       <p:sp>
         <p:nvSpPr>
           <p:cNvPr id="115" name="Shape 115"/>
-          <p:cNvSpPr txBox="1"/>
+          <p:cNvSpPr txBox="1">
+            <a:spLocks noGrp="1"/>
+          </p:cNvSpPr>
           <p:nvPr>
-            <p:ph idx="1" type="body"/>
+            <p:ph type="body" idx="1"/>
           </p:nvPr>
         </p:nvSpPr>
         <p:spPr>
@@ -10673,12 +10868,12 @@
           </a:prstGeom>
         </p:spPr>
         <p:txBody>
-          <a:bodyPr anchorCtr="0" anchor="t" bIns="91425" lIns="91425" spcFirstLastPara="1" rIns="91425" wrap="square" tIns="91425">
+          <a:bodyPr spcFirstLastPara="1" wrap="square" lIns="91425" tIns="91425" rIns="91425" bIns="91425" anchor="t" anchorCtr="0">
             <a:noAutofit/>
           </a:bodyPr>
           <a:lstStyle/>
           <a:p>
-            <a:pPr indent="0" lvl="0" marL="0">
+            <a:pPr marL="0" lvl="0" indent="0">
               <a:spcBef>
                 <a:spcPts val="0"/>
               </a:spcBef>
@@ -10732,7 +10927,288 @@
 </file>
 
 <file path=ppt/theme/theme1.xml><?xml version="1.0" encoding="utf-8"?>
-<a:theme xmlns:a="http://schemas.openxmlformats.org/drawingml/2006/main" xmlns:r="http://schemas.openxmlformats.org/officeDocument/2006/relationships">
+<a:theme xmlns:a="http://schemas.openxmlformats.org/drawingml/2006/main" name="Marina">
+  <a:themeElements>
+    <a:clrScheme name="Marina">
+      <a:dk1>
+        <a:srgbClr val="FFFFFF"/>
+      </a:dk1>
+      <a:lt1>
+        <a:srgbClr val="00517C"/>
+      </a:lt1>
+      <a:dk2>
+        <a:srgbClr val="004065"/>
+      </a:dk2>
+      <a:lt2>
+        <a:srgbClr val="CFD8DC"/>
+      </a:lt2>
+      <a:accent1>
+        <a:srgbClr val="0277BD"/>
+      </a:accent1>
+      <a:accent2>
+        <a:srgbClr val="558B2F"/>
+      </a:accent2>
+      <a:accent3>
+        <a:srgbClr val="009688"/>
+      </a:accent3>
+      <a:accent4>
+        <a:srgbClr val="039BE5"/>
+      </a:accent4>
+      <a:accent5>
+        <a:srgbClr val="8BC34A"/>
+      </a:accent5>
+      <a:accent6>
+        <a:srgbClr val="FFEB38"/>
+      </a:accent6>
+      <a:hlink>
+        <a:srgbClr val="8BC34A"/>
+      </a:hlink>
+      <a:folHlink>
+        <a:srgbClr val="8BC34A"/>
+      </a:folHlink>
+    </a:clrScheme>
+    <a:fontScheme name="Office">
+      <a:majorFont>
+        <a:latin typeface="Arial"/>
+        <a:ea typeface=""/>
+        <a:cs typeface=""/>
+        <a:font script="Jpan" typeface="ＭＳ Ｐゴシック"/>
+        <a:font script="Hang" typeface="맑은 고딕"/>
+        <a:font script="Hans" typeface="宋体"/>
+        <a:font script="Hant" typeface="新細明體"/>
+        <a:font script="Arab" typeface="Times New Roman"/>
+        <a:font script="Hebr" typeface="Times New Roman"/>
+        <a:font script="Thai" typeface="Angsana New"/>
+        <a:font script="Ethi" typeface="Nyala"/>
+        <a:font script="Beng" typeface="Vrinda"/>
+        <a:font script="Gujr" typeface="Shruti"/>
+        <a:font script="Khmr" typeface="MoolBoran"/>
+        <a:font script="Knda" typeface="Tunga"/>
+        <a:font script="Guru" typeface="Raavi"/>
+        <a:font script="Cans" typeface="Euphemia"/>
+        <a:font script="Cher" typeface="Plantagenet Cherokee"/>
+        <a:font script="Yiii" typeface="Microsoft Yi Baiti"/>
+        <a:font script="Tibt" typeface="Microsoft Himalaya"/>
+        <a:font script="Thaa" typeface="MV Boli"/>
+        <a:font script="Deva" typeface="Mangal"/>
+        <a:font script="Telu" typeface="Gautami"/>
+        <a:font script="Taml" typeface="Latha"/>
+        <a:font script="Syrc" typeface="Estrangelo Edessa"/>
+        <a:font script="Orya" typeface="Kalinga"/>
+        <a:font script="Mlym" typeface="Kartika"/>
+        <a:font script="Laoo" typeface="DokChampa"/>
+        <a:font script="Sinh" typeface="Iskoola Pota"/>
+        <a:font script="Mong" typeface="Mongolian Baiti"/>
+        <a:font script="Viet" typeface="Times New Roman"/>
+        <a:font script="Uigh" typeface="Microsoft Uighur"/>
+        <a:font script="Geor" typeface="Sylfaen"/>
+      </a:majorFont>
+      <a:minorFont>
+        <a:latin typeface="Arial"/>
+        <a:ea typeface=""/>
+        <a:cs typeface=""/>
+        <a:font script="Jpan" typeface="ＭＳ Ｐゴシック"/>
+        <a:font script="Hang" typeface="맑은 고딕"/>
+        <a:font script="Hans" typeface="宋体"/>
+        <a:font script="Hant" typeface="新細明體"/>
+        <a:font script="Arab" typeface="Arial"/>
+        <a:font script="Hebr" typeface="Arial"/>
+        <a:font script="Thai" typeface="Cordia New"/>
+        <a:font script="Ethi" typeface="Nyala"/>
+        <a:font script="Beng" typeface="Vrinda"/>
+        <a:font script="Gujr" typeface="Shruti"/>
+        <a:font script="Khmr" typeface="DaunPenh"/>
+        <a:font script="Knda" typeface="Tunga"/>
+        <a:font script="Guru" typeface="Raavi"/>
+        <a:font script="Cans" typeface="Euphemia"/>
+        <a:font script="Cher" typeface="Plantagenet Cherokee"/>
+        <a:font script="Yiii" typeface="Microsoft Yi Baiti"/>
+        <a:font script="Tibt" typeface="Microsoft Himalaya"/>
+        <a:font script="Thaa" typeface="MV Boli"/>
+        <a:font script="Deva" typeface="Mangal"/>
+        <a:font script="Telu" typeface="Gautami"/>
+        <a:font script="Taml" typeface="Latha"/>
+        <a:font script="Syrc" typeface="Estrangelo Edessa"/>
+        <a:font script="Orya" typeface="Kalinga"/>
+        <a:font script="Mlym" typeface="Kartika"/>
+        <a:font script="Laoo" typeface="DokChampa"/>
+        <a:font script="Sinh" typeface="Iskoola Pota"/>
+        <a:font script="Mong" typeface="Mongolian Baiti"/>
+        <a:font script="Viet" typeface="Arial"/>
+        <a:font script="Uigh" typeface="Microsoft Uighur"/>
+        <a:font script="Geor" typeface="Sylfaen"/>
+      </a:minorFont>
+    </a:fontScheme>
+    <a:fmtScheme name="Office">
+      <a:fillStyleLst>
+        <a:solidFill>
+          <a:schemeClr val="phClr"/>
+        </a:solidFill>
+        <a:gradFill rotWithShape="1">
+          <a:gsLst>
+            <a:gs pos="0">
+              <a:schemeClr val="phClr">
+                <a:tint val="50000"/>
+                <a:satMod val="300000"/>
+              </a:schemeClr>
+            </a:gs>
+            <a:gs pos="35000">
+              <a:schemeClr val="phClr">
+                <a:tint val="37000"/>
+                <a:satMod val="300000"/>
+              </a:schemeClr>
+            </a:gs>
+            <a:gs pos="100000">
+              <a:schemeClr val="phClr">
+                <a:tint val="15000"/>
+                <a:satMod val="350000"/>
+              </a:schemeClr>
+            </a:gs>
+          </a:gsLst>
+          <a:lin ang="16200000" scaled="1"/>
+        </a:gradFill>
+        <a:gradFill rotWithShape="1">
+          <a:gsLst>
+            <a:gs pos="0">
+              <a:schemeClr val="phClr">
+                <a:tint val="100000"/>
+                <a:shade val="100000"/>
+                <a:satMod val="130000"/>
+              </a:schemeClr>
+            </a:gs>
+            <a:gs pos="100000">
+              <a:schemeClr val="phClr">
+                <a:tint val="50000"/>
+                <a:shade val="100000"/>
+                <a:satMod val="350000"/>
+              </a:schemeClr>
+            </a:gs>
+          </a:gsLst>
+          <a:lin ang="16200000" scaled="0"/>
+        </a:gradFill>
+      </a:fillStyleLst>
+      <a:lnStyleLst>
+        <a:ln w="9525" cap="flat" cmpd="sng" algn="ctr">
+          <a:solidFill>
+            <a:schemeClr val="phClr">
+              <a:shade val="95000"/>
+              <a:satMod val="105000"/>
+            </a:schemeClr>
+          </a:solidFill>
+          <a:prstDash val="solid"/>
+        </a:ln>
+        <a:ln w="25400" cap="flat" cmpd="sng" algn="ctr">
+          <a:solidFill>
+            <a:schemeClr val="phClr"/>
+          </a:solidFill>
+          <a:prstDash val="solid"/>
+        </a:ln>
+        <a:ln w="38100" cap="flat" cmpd="sng" algn="ctr">
+          <a:solidFill>
+            <a:schemeClr val="phClr"/>
+          </a:solidFill>
+          <a:prstDash val="solid"/>
+        </a:ln>
+      </a:lnStyleLst>
+      <a:effectStyleLst>
+        <a:effectStyle>
+          <a:effectLst>
+            <a:outerShdw blurRad="40000" dist="20000" dir="5400000" rotWithShape="0">
+              <a:srgbClr val="000000">
+                <a:alpha val="38000"/>
+              </a:srgbClr>
+            </a:outerShdw>
+          </a:effectLst>
+        </a:effectStyle>
+        <a:effectStyle>
+          <a:effectLst>
+            <a:outerShdw blurRad="40000" dist="23000" dir="5400000" rotWithShape="0">
+              <a:srgbClr val="000000">
+                <a:alpha val="35000"/>
+              </a:srgbClr>
+            </a:outerShdw>
+          </a:effectLst>
+        </a:effectStyle>
+        <a:effectStyle>
+          <a:effectLst>
+            <a:outerShdw blurRad="40000" dist="23000" dir="5400000" rotWithShape="0">
+              <a:srgbClr val="000000">
+                <a:alpha val="35000"/>
+              </a:srgbClr>
+            </a:outerShdw>
+          </a:effectLst>
+          <a:scene3d>
+            <a:camera prst="orthographicFront">
+              <a:rot lat="0" lon="0" rev="0"/>
+            </a:camera>
+            <a:lightRig rig="threePt" dir="t">
+              <a:rot lat="0" lon="0" rev="1200000"/>
+            </a:lightRig>
+          </a:scene3d>
+          <a:sp3d>
+            <a:bevelT w="63500" h="25400"/>
+          </a:sp3d>
+        </a:effectStyle>
+      </a:effectStyleLst>
+      <a:bgFillStyleLst>
+        <a:solidFill>
+          <a:schemeClr val="phClr"/>
+        </a:solidFill>
+        <a:gradFill rotWithShape="1">
+          <a:gsLst>
+            <a:gs pos="0">
+              <a:schemeClr val="phClr">
+                <a:tint val="40000"/>
+                <a:satMod val="350000"/>
+              </a:schemeClr>
+            </a:gs>
+            <a:gs pos="40000">
+              <a:schemeClr val="phClr">
+                <a:tint val="45000"/>
+                <a:shade val="99000"/>
+                <a:satMod val="350000"/>
+              </a:schemeClr>
+            </a:gs>
+            <a:gs pos="100000">
+              <a:schemeClr val="phClr">
+                <a:shade val="20000"/>
+                <a:satMod val="255000"/>
+              </a:schemeClr>
+            </a:gs>
+          </a:gsLst>
+          <a:path path="circle">
+            <a:fillToRect l="50000" t="-80000" r="50000" b="180000"/>
+          </a:path>
+        </a:gradFill>
+        <a:gradFill rotWithShape="1">
+          <a:gsLst>
+            <a:gs pos="0">
+              <a:schemeClr val="phClr">
+                <a:tint val="80000"/>
+                <a:satMod val="300000"/>
+              </a:schemeClr>
+            </a:gs>
+            <a:gs pos="100000">
+              <a:schemeClr val="phClr">
+                <a:shade val="30000"/>
+                <a:satMod val="200000"/>
+              </a:schemeClr>
+            </a:gs>
+          </a:gsLst>
+          <a:path path="circle">
+            <a:fillToRect l="50000" t="50000" r="50000" b="50000"/>
+          </a:path>
+        </a:gradFill>
+      </a:bgFillStyleLst>
+    </a:fmtScheme>
+  </a:themeElements>
+  <a:objectDefaults/>
+  <a:extraClrSchemeLst/>
+</a:theme>
+</file>
+
+<file path=ppt/theme/theme2.xml><?xml version="1.0" encoding="utf-8"?>
+<a:theme xmlns:a="http://schemas.openxmlformats.org/drawingml/2006/main">
   <a:themeElements>
     <a:clrScheme name="Default">
       <a:dk1>
@@ -11007,284 +11483,7 @@
       </a:bgFillStyleLst>
     </a:fmtScheme>
   </a:themeElements>
-</a:theme>
-</file>
-
-<file path=ppt/theme/theme2.xml><?xml version="1.0" encoding="utf-8"?>
-<a:theme xmlns:a="http://schemas.openxmlformats.org/drawingml/2006/main" xmlns:r="http://schemas.openxmlformats.org/officeDocument/2006/relationships" name="Marina">
-  <a:themeElements>
-    <a:clrScheme name="Marina">
-      <a:dk1>
-        <a:srgbClr val="FFFFFF"/>
-      </a:dk1>
-      <a:lt1>
-        <a:srgbClr val="00517C"/>
-      </a:lt1>
-      <a:dk2>
-        <a:srgbClr val="004065"/>
-      </a:dk2>
-      <a:lt2>
-        <a:srgbClr val="CFD8DC"/>
-      </a:lt2>
-      <a:accent1>
-        <a:srgbClr val="0277BD"/>
-      </a:accent1>
-      <a:accent2>
-        <a:srgbClr val="558B2F"/>
-      </a:accent2>
-      <a:accent3>
-        <a:srgbClr val="009688"/>
-      </a:accent3>
-      <a:accent4>
-        <a:srgbClr val="039BE5"/>
-      </a:accent4>
-      <a:accent5>
-        <a:srgbClr val="8BC34A"/>
-      </a:accent5>
-      <a:accent6>
-        <a:srgbClr val="FFEB38"/>
-      </a:accent6>
-      <a:hlink>
-        <a:srgbClr val="8BC34A"/>
-      </a:hlink>
-      <a:folHlink>
-        <a:srgbClr val="8BC34A"/>
-      </a:folHlink>
-    </a:clrScheme>
-    <a:fontScheme name="Office">
-      <a:majorFont>
-        <a:latin typeface="Arial"/>
-        <a:ea typeface=""/>
-        <a:cs typeface=""/>
-        <a:font script="Jpan" typeface="ＭＳ Ｐゴシック"/>
-        <a:font script="Hang" typeface="맑은 고딕"/>
-        <a:font script="Hans" typeface="宋体"/>
-        <a:font script="Hant" typeface="新細明體"/>
-        <a:font script="Arab" typeface="Times New Roman"/>
-        <a:font script="Hebr" typeface="Times New Roman"/>
-        <a:font script="Thai" typeface="Angsana New"/>
-        <a:font script="Ethi" typeface="Nyala"/>
-        <a:font script="Beng" typeface="Vrinda"/>
-        <a:font script="Gujr" typeface="Shruti"/>
-        <a:font script="Khmr" typeface="MoolBoran"/>
-        <a:font script="Knda" typeface="Tunga"/>
-        <a:font script="Guru" typeface="Raavi"/>
-        <a:font script="Cans" typeface="Euphemia"/>
-        <a:font script="Cher" typeface="Plantagenet Cherokee"/>
-        <a:font script="Yiii" typeface="Microsoft Yi Baiti"/>
-        <a:font script="Tibt" typeface="Microsoft Himalaya"/>
-        <a:font script="Thaa" typeface="MV Boli"/>
-        <a:font script="Deva" typeface="Mangal"/>
-        <a:font script="Telu" typeface="Gautami"/>
-        <a:font script="Taml" typeface="Latha"/>
-        <a:font script="Syrc" typeface="Estrangelo Edessa"/>
-        <a:font script="Orya" typeface="Kalinga"/>
-        <a:font script="Mlym" typeface="Kartika"/>
-        <a:font script="Laoo" typeface="DokChampa"/>
-        <a:font script="Sinh" typeface="Iskoola Pota"/>
-        <a:font script="Mong" typeface="Mongolian Baiti"/>
-        <a:font script="Viet" typeface="Times New Roman"/>
-        <a:font script="Uigh" typeface="Microsoft Uighur"/>
-        <a:font script="Geor" typeface="Sylfaen"/>
-      </a:majorFont>
-      <a:minorFont>
-        <a:latin typeface="Arial"/>
-        <a:ea typeface=""/>
-        <a:cs typeface=""/>
-        <a:font script="Jpan" typeface="ＭＳ Ｐゴシック"/>
-        <a:font script="Hang" typeface="맑은 고딕"/>
-        <a:font script="Hans" typeface="宋体"/>
-        <a:font script="Hant" typeface="新細明體"/>
-        <a:font script="Arab" typeface="Arial"/>
-        <a:font script="Hebr" typeface="Arial"/>
-        <a:font script="Thai" typeface="Cordia New"/>
-        <a:font script="Ethi" typeface="Nyala"/>
-        <a:font script="Beng" typeface="Vrinda"/>
-        <a:font script="Gujr" typeface="Shruti"/>
-        <a:font script="Khmr" typeface="DaunPenh"/>
-        <a:font script="Knda" typeface="Tunga"/>
-        <a:font script="Guru" typeface="Raavi"/>
-        <a:font script="Cans" typeface="Euphemia"/>
-        <a:font script="Cher" typeface="Plantagenet Cherokee"/>
-        <a:font script="Yiii" typeface="Microsoft Yi Baiti"/>
-        <a:font script="Tibt" typeface="Microsoft Himalaya"/>
-        <a:font script="Thaa" typeface="MV Boli"/>
-        <a:font script="Deva" typeface="Mangal"/>
-        <a:font script="Telu" typeface="Gautami"/>
-        <a:font script="Taml" typeface="Latha"/>
-        <a:font script="Syrc" typeface="Estrangelo Edessa"/>
-        <a:font script="Orya" typeface="Kalinga"/>
-        <a:font script="Mlym" typeface="Kartika"/>
-        <a:font script="Laoo" typeface="DokChampa"/>
-        <a:font script="Sinh" typeface="Iskoola Pota"/>
-        <a:font script="Mong" typeface="Mongolian Baiti"/>
-        <a:font script="Viet" typeface="Arial"/>
-        <a:font script="Uigh" typeface="Microsoft Uighur"/>
-        <a:font script="Geor" typeface="Sylfaen"/>
-      </a:minorFont>
-    </a:fontScheme>
-    <a:fmtScheme name="Office">
-      <a:fillStyleLst>
-        <a:solidFill>
-          <a:schemeClr val="phClr"/>
-        </a:solidFill>
-        <a:gradFill rotWithShape="1">
-          <a:gsLst>
-            <a:gs pos="0">
-              <a:schemeClr val="phClr">
-                <a:tint val="50000"/>
-                <a:satMod val="300000"/>
-              </a:schemeClr>
-            </a:gs>
-            <a:gs pos="35000">
-              <a:schemeClr val="phClr">
-                <a:tint val="37000"/>
-                <a:satMod val="300000"/>
-              </a:schemeClr>
-            </a:gs>
-            <a:gs pos="100000">
-              <a:schemeClr val="phClr">
-                <a:tint val="15000"/>
-                <a:satMod val="350000"/>
-              </a:schemeClr>
-            </a:gs>
-          </a:gsLst>
-          <a:lin ang="16200000" scaled="1"/>
-        </a:gradFill>
-        <a:gradFill rotWithShape="1">
-          <a:gsLst>
-            <a:gs pos="0">
-              <a:schemeClr val="phClr">
-                <a:tint val="100000"/>
-                <a:shade val="100000"/>
-                <a:satMod val="130000"/>
-              </a:schemeClr>
-            </a:gs>
-            <a:gs pos="100000">
-              <a:schemeClr val="phClr">
-                <a:tint val="50000"/>
-                <a:shade val="100000"/>
-                <a:satMod val="350000"/>
-              </a:schemeClr>
-            </a:gs>
-          </a:gsLst>
-          <a:lin ang="16200000" scaled="0"/>
-        </a:gradFill>
-      </a:fillStyleLst>
-      <a:lnStyleLst>
-        <a:ln w="9525" cap="flat" cmpd="sng" algn="ctr">
-          <a:solidFill>
-            <a:schemeClr val="phClr">
-              <a:shade val="95000"/>
-              <a:satMod val="105000"/>
-            </a:schemeClr>
-          </a:solidFill>
-          <a:prstDash val="solid"/>
-        </a:ln>
-        <a:ln w="25400" cap="flat" cmpd="sng" algn="ctr">
-          <a:solidFill>
-            <a:schemeClr val="phClr"/>
-          </a:solidFill>
-          <a:prstDash val="solid"/>
-        </a:ln>
-        <a:ln w="38100" cap="flat" cmpd="sng" algn="ctr">
-          <a:solidFill>
-            <a:schemeClr val="phClr"/>
-          </a:solidFill>
-          <a:prstDash val="solid"/>
-        </a:ln>
-      </a:lnStyleLst>
-      <a:effectStyleLst>
-        <a:effectStyle>
-          <a:effectLst>
-            <a:outerShdw blurRad="40000" dist="20000" dir="5400000" rotWithShape="0">
-              <a:srgbClr val="000000">
-                <a:alpha val="38000"/>
-              </a:srgbClr>
-            </a:outerShdw>
-          </a:effectLst>
-        </a:effectStyle>
-        <a:effectStyle>
-          <a:effectLst>
-            <a:outerShdw blurRad="40000" dist="23000" dir="5400000" rotWithShape="0">
-              <a:srgbClr val="000000">
-                <a:alpha val="35000"/>
-              </a:srgbClr>
-            </a:outerShdw>
-          </a:effectLst>
-        </a:effectStyle>
-        <a:effectStyle>
-          <a:effectLst>
-            <a:outerShdw blurRad="40000" dist="23000" dir="5400000" rotWithShape="0">
-              <a:srgbClr val="000000">
-                <a:alpha val="35000"/>
-              </a:srgbClr>
-            </a:outerShdw>
-          </a:effectLst>
-          <a:scene3d>
-            <a:camera prst="orthographicFront">
-              <a:rot lat="0" lon="0" rev="0"/>
-            </a:camera>
-            <a:lightRig rig="threePt" dir="t">
-              <a:rot lat="0" lon="0" rev="1200000"/>
-            </a:lightRig>
-          </a:scene3d>
-          <a:sp3d>
-            <a:bevelT w="63500" h="25400"/>
-          </a:sp3d>
-        </a:effectStyle>
-      </a:effectStyleLst>
-      <a:bgFillStyleLst>
-        <a:solidFill>
-          <a:schemeClr val="phClr"/>
-        </a:solidFill>
-        <a:gradFill rotWithShape="1">
-          <a:gsLst>
-            <a:gs pos="0">
-              <a:schemeClr val="phClr">
-                <a:tint val="40000"/>
-                <a:satMod val="350000"/>
-              </a:schemeClr>
-            </a:gs>
-            <a:gs pos="40000">
-              <a:schemeClr val="phClr">
-                <a:tint val="45000"/>
-                <a:shade val="99000"/>
-                <a:satMod val="350000"/>
-              </a:schemeClr>
-            </a:gs>
-            <a:gs pos="100000">
-              <a:schemeClr val="phClr">
-                <a:shade val="20000"/>
-                <a:satMod val="255000"/>
-              </a:schemeClr>
-            </a:gs>
-          </a:gsLst>
-          <a:path path="circle">
-            <a:fillToRect l="50000" t="-80000" r="50000" b="180000"/>
-          </a:path>
-        </a:gradFill>
-        <a:gradFill rotWithShape="1">
-          <a:gsLst>
-            <a:gs pos="0">
-              <a:schemeClr val="phClr">
-                <a:tint val="80000"/>
-                <a:satMod val="300000"/>
-              </a:schemeClr>
-            </a:gs>
-            <a:gs pos="100000">
-              <a:schemeClr val="phClr">
-                <a:shade val="30000"/>
-                <a:satMod val="200000"/>
-              </a:schemeClr>
-            </a:gs>
-          </a:gsLst>
-          <a:path path="circle">
-            <a:fillToRect l="50000" t="50000" r="50000" b="50000"/>
-          </a:path>
-        </a:gradFill>
-      </a:bgFillStyleLst>
-    </a:fmtScheme>
-  </a:themeElements>
+  <a:objectDefaults/>
+  <a:extraClrSchemeLst/>
 </a:theme>
 </file>